--- a/Grafovi za Prepoznavanje i Pretragu Sličnih Entiteta.pptx
+++ b/Grafovi za Prepoznavanje i Pretragu Sličnih Entiteta.pptx
@@ -262,7 +262,7 @@
 <p1510:revInfo xmlns:a="http://schemas.openxmlformats.org/drawingml/2006/main" xmlns:r="http://schemas.openxmlformats.org/officeDocument/2006/relationships" xmlns:p1510="http://schemas.microsoft.com/office/powerpoint/2015/10/main">
   <p1510:revLst>
     <p1510:client id="{06541377-93BB-4FE0-68DA-68C97B09C038}" v="6" dt="2023-10-23T07:58:49.204"/>
-    <p1510:client id="{1917816B-D148-3F4A-A15A-E19DCCBD1E45}" v="344" dt="2023-10-23T08:42:52.111"/>
+    <p1510:client id="{1917816B-D148-3F4A-A15A-E19DCCBD1E45}" v="455" dt="2023-10-24T09:07:01.458"/>
     <p1510:client id="{40D06D20-3D0A-AD46-B31C-7A37B5ECC66D}" v="87" dt="2023-10-19T13:10:39"/>
     <p1510:client id="{4142727C-0BC0-695C-55E2-CBE0EC2B0E40}" v="588" dt="2023-10-19T14:34:39.939"/>
     <p1510:client id="{A52ADF50-CA2C-57E5-60D3-4DCD3951B253}" v="494" dt="2023-10-20T11:34:16.565"/>
@@ -38650,19 +38650,19 @@
           <a:lstStyle/>
           <a:p>
             <a:r>
-              <a:rPr lang="en" dirty="0">
+              <a:rPr lang="en">
                 <a:latin typeface="PT Sans"/>
               </a:rPr>
               <a:t>4.1. </a:t>
             </a:r>
             <a:r>
-              <a:rPr lang="en" i="1" dirty="0">
+              <a:rPr lang="en" i="1">
                 <a:latin typeface="PT Sans"/>
               </a:rPr>
               <a:t>Skip </a:t>
             </a:r>
             <a:r>
-              <a:rPr lang="en" dirty="0" err="1">
+              <a:rPr lang="en" err="1">
                 <a:latin typeface="PT Sans"/>
               </a:rPr>
               <a:t>lista</a:t>
@@ -38938,7 +38938,7 @@
               <a:buChar char="•"/>
             </a:pPr>
             <a:r>
-              <a:rPr lang="sr-Latn-RS" sz="1200" i="1" dirty="0" err="1">
+              <a:rPr lang="sr-Latn-RS" sz="1200" i="1" err="1">
                 <a:solidFill>
                   <a:schemeClr val="accent1"/>
                 </a:solidFill>
@@ -38947,7 +38947,7 @@
               <a:t>Skip</a:t>
             </a:r>
             <a:r>
-              <a:rPr lang="sr-Latn-RS" sz="1200" i="1" dirty="0">
+              <a:rPr lang="sr-Latn-RS" sz="1200" i="1">
                 <a:solidFill>
                   <a:schemeClr val="accent1"/>
                 </a:solidFill>
@@ -38956,7 +38956,7 @@
               <a:t> </a:t>
             </a:r>
             <a:r>
-              <a:rPr lang="sr-Latn-RS" sz="1200" dirty="0">
+              <a:rPr lang="sr-Latn-RS" sz="1200">
                 <a:solidFill>
                   <a:schemeClr val="accent1"/>
                 </a:solidFill>
@@ -38964,7 +38964,7 @@
               </a:rPr>
               <a:t>lista je struktura podataka koja omogućava brzu pretragu, a sastoji se od više nivoa. </a:t>
             </a:r>
-            <a:endParaRPr lang="en-US" sz="1200" dirty="0">
+            <a:endParaRPr lang="en-US" sz="1200">
               <a:solidFill>
                 <a:schemeClr val="accent1"/>
               </a:solidFill>
@@ -38995,7 +38995,7 @@
               <a:buChar char="•"/>
             </a:pPr>
             <a:r>
-              <a:rPr lang="sr-Latn-RS" sz="1200" dirty="0">
+              <a:rPr lang="sr-Latn-RS" sz="1200">
                 <a:solidFill>
                   <a:schemeClr val="accent1"/>
                 </a:solidFill>
@@ -39012,7 +39012,7 @@
               <a:buFont typeface="Arial,Sans-Serif"/>
               <a:buChar char="•"/>
             </a:pPr>
-            <a:endParaRPr lang="sr-Latn-RS" sz="1200" dirty="0">
+            <a:endParaRPr lang="sr-Latn-RS" sz="1200">
               <a:solidFill>
                 <a:schemeClr val="accent1"/>
               </a:solidFill>
@@ -39028,7 +39028,7 @@
               <a:buChar char="•"/>
             </a:pPr>
             <a:r>
-              <a:rPr lang="sr-Latn-RS" sz="1200" dirty="0">
+              <a:rPr lang="sr-Latn-RS" sz="1200">
                 <a:solidFill>
                   <a:schemeClr val="accent1"/>
                 </a:solidFill>
@@ -39036,7 +39036,7 @@
               <a:t>Pretraga za nekim elementom </a:t>
             </a:r>
             <a:r>
-              <a:rPr lang="sr-Latn-RS" sz="1200" i="1" dirty="0">
+              <a:rPr lang="sr-Latn-RS" sz="1200" i="1">
                 <a:solidFill>
                   <a:schemeClr val="accent1"/>
                 </a:solidFill>
@@ -39044,7 +39044,7 @@
               <a:t>k</a:t>
             </a:r>
             <a:r>
-              <a:rPr lang="sr-Latn-RS" sz="1200" dirty="0">
+              <a:rPr lang="sr-Latn-RS" sz="1200">
                 <a:solidFill>
                   <a:schemeClr val="accent1"/>
                 </a:solidFill>
@@ -39052,7 +39052,7 @@
               <a:t> počinje od najvišeg nivoa. Kada nađemo element koji je veći od </a:t>
             </a:r>
             <a:r>
-              <a:rPr lang="sr-Latn-RS" sz="1200" i="1" dirty="0">
+              <a:rPr lang="sr-Latn-RS" sz="1200" i="1">
                 <a:solidFill>
                   <a:schemeClr val="accent1"/>
                 </a:solidFill>
@@ -39060,14 +39060,14 @@
               <a:t>k</a:t>
             </a:r>
             <a:r>
-              <a:rPr lang="sr-Latn-RS" sz="1200" dirty="0">
+              <a:rPr lang="sr-Latn-RS" sz="1200">
                 <a:solidFill>
                   <a:schemeClr val="accent1"/>
                 </a:solidFill>
               </a:rPr>
-              <a:t>, vraćamo se na prethodni manji element, spuštamo se na niži nivo, i nastavljamo pretragu od tog elementa</a:t>
-            </a:r>
-            <a:endParaRPr lang="sr-Latn-RS" sz="1200" dirty="0">
+              <a:t>, vraćamo se na prethodni manji element, spuštamo se na niži nivo, i nastavljamo pretragu od tog elementa.</a:t>
+            </a:r>
+            <a:endParaRPr lang="sr-Latn-RS" sz="1200">
               <a:solidFill>
                 <a:schemeClr val="accent1"/>
               </a:solidFill>
@@ -39098,12 +39098,22 @@
         </p:blipFill>
         <p:spPr>
           <a:xfrm>
-            <a:off x="1056034" y="3388870"/>
+            <a:off x="894523" y="3401294"/>
             <a:ext cx="4572000" cy="1422936"/>
           </a:xfrm>
           <a:prstGeom prst="rect">
             <a:avLst/>
           </a:prstGeom>
+          <a:ln>
+            <a:noFill/>
+          </a:ln>
+          <a:effectLst>
+            <a:outerShdw blurRad="292100" dist="139700" dir="2700000" algn="tl" rotWithShape="0">
+              <a:srgbClr val="333333">
+                <a:alpha val="65000"/>
+              </a:srgbClr>
+            </a:outerShdw>
+          </a:effectLst>
         </p:spPr>
       </p:pic>
       <p:pic>
@@ -39137,6 +39147,12 @@
           <a:prstGeom prst="rect">
             <a:avLst/>
           </a:prstGeom>
+          <a:ln>
+            <a:noFill/>
+          </a:ln>
+          <a:effectLst>
+            <a:softEdge rad="112500"/>
+          </a:effectLst>
         </p:spPr>
       </p:pic>
       <p:sp>
@@ -39321,7 +39337,7 @@
         <p:spPr>
           <a:xfrm>
             <a:off x="934102" y="1283926"/>
-            <a:ext cx="4187795" cy="2702929"/>
+            <a:ext cx="4181583" cy="2696718"/>
           </a:xfrm>
           <a:prstGeom prst="rect">
             <a:avLst/>
@@ -39569,7 +39585,7 @@
               <a:buChar char="•"/>
             </a:pPr>
             <a:r>
-              <a:rPr lang="sr-Latn-RS" sz="1200">
+              <a:rPr lang="sr-Latn-RS" sz="1200" dirty="0">
                 <a:solidFill>
                   <a:schemeClr val="accent1"/>
                 </a:solidFill>
@@ -39578,7 +39594,7 @@
               <a:t>Sličan koncept se primenjuje i pri kreiranju i pretrazi HNSW </a:t>
             </a:r>
             <a:r>
-              <a:rPr lang="sr-Latn-RS" sz="1200" err="1">
+              <a:rPr lang="sr-Latn-RS" sz="1200" dirty="0" err="1">
                 <a:solidFill>
                   <a:schemeClr val="accent1"/>
                 </a:solidFill>
@@ -39587,7 +39603,7 @@
               <a:t>grafa</a:t>
             </a:r>
             <a:r>
-              <a:rPr lang="sr-Latn-RS" sz="1200">
+              <a:rPr lang="sr-Latn-RS" sz="1200" dirty="0">
                 <a:solidFill>
                   <a:schemeClr val="accent1"/>
                 </a:solidFill>
@@ -39596,7 +39612,7 @@
               <a:t>. On se takođe sastoji iz više nivoa, s tim što se na svakom nivou umesto liste nalazi </a:t>
             </a:r>
             <a:r>
-              <a:rPr lang="sr-Latn-RS" sz="1200" err="1">
+              <a:rPr lang="sr-Latn-RS" sz="1200" dirty="0" err="1">
                 <a:solidFill>
                   <a:schemeClr val="accent1"/>
                 </a:solidFill>
@@ -39605,7 +39621,7 @@
               <a:t>graf</a:t>
             </a:r>
             <a:r>
-              <a:rPr lang="sr-Latn-RS" sz="1200">
+              <a:rPr lang="sr-Latn-RS" sz="1200" dirty="0">
                 <a:solidFill>
                   <a:schemeClr val="accent1"/>
                 </a:solidFill>
@@ -39613,7 +39629,7 @@
               </a:rPr>
               <a:t>.</a:t>
             </a:r>
-            <a:endParaRPr lang="en-US" sz="1200">
+            <a:endParaRPr lang="en-US" sz="1200" dirty="0">
               <a:solidFill>
                 <a:schemeClr val="accent1"/>
               </a:solidFill>
@@ -39644,7 +39660,7 @@
               <a:buChar char="•"/>
             </a:pPr>
             <a:r>
-              <a:rPr lang="sr-Latn-RS" sz="1200">
+              <a:rPr lang="sr-Latn-RS" sz="1200" dirty="0">
                 <a:solidFill>
                   <a:schemeClr val="accent1"/>
                 </a:solidFill>
@@ -39653,7 +39669,7 @@
               <a:t>Čvorovi </a:t>
             </a:r>
             <a:r>
-              <a:rPr lang="sr-Latn-RS" sz="1200" err="1">
+              <a:rPr lang="sr-Latn-RS" sz="1200" dirty="0" err="1">
                 <a:solidFill>
                   <a:schemeClr val="accent1"/>
                 </a:solidFill>
@@ -39662,7 +39678,7 @@
               <a:t>grafa</a:t>
             </a:r>
             <a:r>
-              <a:rPr lang="sr-Latn-RS" sz="1200">
+              <a:rPr lang="sr-Latn-RS" sz="1200" dirty="0">
                 <a:solidFill>
                   <a:schemeClr val="accent1"/>
                 </a:solidFill>
@@ -39671,7 +39687,7 @@
               <a:t> predstavljaju </a:t>
             </a:r>
             <a:r>
-              <a:rPr lang="sr-Latn-RS" sz="1200" i="1" err="1">
+              <a:rPr lang="sr-Latn-RS" sz="1200" i="1" dirty="0" err="1">
                 <a:solidFill>
                   <a:schemeClr val="accent1"/>
                 </a:solidFill>
@@ -39680,7 +39696,7 @@
               <a:t>feature</a:t>
             </a:r>
             <a:r>
-              <a:rPr lang="sr-Latn-RS" sz="1200">
+              <a:rPr lang="sr-Latn-RS" sz="1200" dirty="0">
                 <a:solidFill>
                   <a:schemeClr val="accent1"/>
                 </a:solidFill>
@@ -39689,7 +39705,7 @@
               <a:t> vektore koji odgovaraju slikama lica. Grane kojima su čvorovi povezani odgovaraju </a:t>
             </a:r>
             <a:r>
-              <a:rPr lang="sr-Latn-RS" sz="1200" err="1">
+              <a:rPr lang="sr-Latn-RS" sz="1200" dirty="0" err="1">
                 <a:solidFill>
                   <a:schemeClr val="accent1"/>
                 </a:solidFill>
@@ -39698,7 +39714,7 @@
               <a:t>kosinusnim</a:t>
             </a:r>
             <a:r>
-              <a:rPr lang="sr-Latn-RS" sz="1200">
+              <a:rPr lang="sr-Latn-RS" sz="1200" dirty="0">
                 <a:solidFill>
                   <a:schemeClr val="accent1"/>
                 </a:solidFill>
@@ -39730,7 +39746,25 @@
               <a:buFont typeface="Arial,Sans-Serif"/>
               <a:buChar char="•"/>
             </a:pPr>
-            <a:endParaRPr lang="sr-Latn-RS" sz="1200">
+            <a:r>
+              <a:rPr lang="sr-Latn-RS" sz="1200" dirty="0">
+                <a:solidFill>
+                  <a:schemeClr val="accent1"/>
+                </a:solidFill>
+                <a:latin typeface="PT Sans"/>
+              </a:rPr>
+              <a:t>Najviši nivo ima najmanje čvorova i najduže veze između njih, dok svaki naredni sloj ima sve više čvorova i  sve kraće veze.</a:t>
+            </a:r>
+          </a:p>
+          <a:p>
+            <a:pPr marL="171450" indent="-171450" algn="just">
+              <a:buClr>
+                <a:srgbClr val="FFFFFF"/>
+              </a:buClr>
+              <a:buFont typeface="Arial,Sans-Serif"/>
+              <a:buChar char="•"/>
+            </a:pPr>
+            <a:endParaRPr lang="sr-Latn-RS" sz="1200" dirty="0">
               <a:solidFill>
                 <a:schemeClr val="accent1"/>
               </a:solidFill>
@@ -39981,7 +40015,7 @@
           <a:p>
             <a:pPr algn="just"/>
             <a:r>
-              <a:rPr lang="en" sz="800" err="1">
+              <a:rPr lang="en" sz="800" dirty="0" err="1">
                 <a:solidFill>
                   <a:schemeClr val="accent1"/>
                 </a:solidFill>
@@ -39991,7 +40025,7 @@
               <a:t>Pretraga</a:t>
             </a:r>
             <a:r>
-              <a:rPr lang="en" sz="800">
+              <a:rPr lang="en" sz="800" dirty="0">
                 <a:solidFill>
                   <a:schemeClr val="accent1"/>
                 </a:solidFill>
@@ -40001,7 +40035,7 @@
               <a:t> </a:t>
             </a:r>
             <a:r>
-              <a:rPr lang="en" sz="800" err="1">
+              <a:rPr lang="en" sz="800" dirty="0" err="1">
                 <a:solidFill>
                   <a:schemeClr val="accent1"/>
                 </a:solidFill>
@@ -40011,7 +40045,7 @@
               <a:t>počinje</a:t>
             </a:r>
             <a:r>
-              <a:rPr lang="en" sz="800">
+              <a:rPr lang="en" sz="800" dirty="0">
                 <a:solidFill>
                   <a:schemeClr val="accent1"/>
                 </a:solidFill>
@@ -40021,7 +40055,7 @@
               <a:t> od </a:t>
             </a:r>
             <a:r>
-              <a:rPr lang="en" sz="800" err="1">
+              <a:rPr lang="en" sz="800" dirty="0" err="1">
                 <a:solidFill>
                   <a:schemeClr val="accent1"/>
                 </a:solidFill>
@@ -40031,7 +40065,7 @@
               <a:t>slučajno</a:t>
             </a:r>
             <a:r>
-              <a:rPr lang="en" sz="800">
+              <a:rPr lang="en" sz="800" dirty="0">
                 <a:solidFill>
                   <a:schemeClr val="accent1"/>
                 </a:solidFill>
@@ -40041,7 +40075,7 @@
               <a:t> </a:t>
             </a:r>
             <a:r>
-              <a:rPr lang="en" sz="800" err="1">
+              <a:rPr lang="en" sz="800" dirty="0" err="1">
                 <a:solidFill>
                   <a:schemeClr val="accent1"/>
                 </a:solidFill>
@@ -40051,7 +40085,7 @@
               <a:t>odabranog</a:t>
             </a:r>
             <a:r>
-              <a:rPr lang="en" sz="800">
+              <a:rPr lang="en" sz="800" dirty="0">
                 <a:solidFill>
                   <a:schemeClr val="accent1"/>
                 </a:solidFill>
@@ -40061,7 +40095,7 @@
               <a:t> </a:t>
             </a:r>
             <a:r>
-              <a:rPr lang="en" sz="800" err="1">
+              <a:rPr lang="en" sz="800" dirty="0" err="1">
                 <a:solidFill>
                   <a:schemeClr val="accent1"/>
                 </a:solidFill>
@@ -40071,7 +40105,7 @@
               <a:t>čvora</a:t>
             </a:r>
             <a:r>
-              <a:rPr lang="en" sz="800">
+              <a:rPr lang="en" sz="800" dirty="0">
                 <a:solidFill>
                   <a:schemeClr val="accent1"/>
                 </a:solidFill>
@@ -40081,7 +40115,7 @@
               <a:t> </a:t>
             </a:r>
             <a:r>
-              <a:rPr lang="en" sz="800" err="1">
+              <a:rPr lang="en" sz="800" dirty="0" err="1">
                 <a:solidFill>
                   <a:schemeClr val="accent1"/>
                 </a:solidFill>
@@ -40091,7 +40125,7 @@
               <a:t>na</a:t>
             </a:r>
             <a:r>
-              <a:rPr lang="en" sz="800">
+              <a:rPr lang="en" sz="800" dirty="0">
                 <a:solidFill>
                   <a:schemeClr val="accent1"/>
                 </a:solidFill>
@@ -40101,7 +40135,7 @@
               <a:t> </a:t>
             </a:r>
             <a:r>
-              <a:rPr lang="en" sz="800" err="1">
+              <a:rPr lang="en" sz="800" dirty="0" err="1">
                 <a:solidFill>
                   <a:schemeClr val="accent1"/>
                 </a:solidFill>
@@ -40111,7 +40145,7 @@
               <a:t>najvišem</a:t>
             </a:r>
             <a:r>
-              <a:rPr lang="en" sz="800">
+              <a:rPr lang="en" sz="800" dirty="0">
                 <a:solidFill>
                   <a:schemeClr val="accent1"/>
                 </a:solidFill>
@@ -40121,466 +40155,46 @@
               <a:t> </a:t>
             </a:r>
             <a:r>
-              <a:rPr lang="en" sz="800" err="1">
+              <a:rPr lang="en" sz="800" dirty="0" err="1">
                 <a:solidFill>
                   <a:schemeClr val="accent1"/>
                 </a:solidFill>
                 <a:latin typeface="PT Sans"/>
                 <a:sym typeface="PT Sans"/>
               </a:rPr>
-              <a:t>nivou</a:t>
-            </a:r>
-            <a:r>
-              <a:rPr lang="en" sz="800">
+              <a:t>sloju</a:t>
+            </a:r>
+            <a:r>
+              <a:rPr lang="en" sz="800" dirty="0">
                 <a:solidFill>
                   <a:schemeClr val="accent1"/>
                 </a:solidFill>
                 <a:latin typeface="PT Sans"/>
                 <a:sym typeface="PT Sans"/>
               </a:rPr>
-              <a:t>. </a:t>
-            </a:r>
-            <a:r>
-              <a:rPr lang="en" sz="800" err="1">
+              <a:t> </a:t>
+            </a:r>
+            <a:r>
+              <a:rPr lang="en" sz="800" dirty="0" err="1">
                 <a:solidFill>
                   <a:schemeClr val="accent1"/>
                 </a:solidFill>
                 <a:latin typeface="PT Sans"/>
                 <a:sym typeface="PT Sans"/>
               </a:rPr>
-              <a:t>Najviši</a:t>
-            </a:r>
-            <a:r>
-              <a:rPr lang="en" sz="800">
+              <a:t>grafa</a:t>
+            </a:r>
+            <a:r>
+              <a:rPr lang="en" sz="800" dirty="0">
                 <a:solidFill>
                   <a:schemeClr val="accent1"/>
                 </a:solidFill>
                 <a:latin typeface="PT Sans"/>
                 <a:sym typeface="PT Sans"/>
               </a:rPr>
-              <a:t> </a:t>
-            </a:r>
-            <a:r>
-              <a:rPr lang="en" sz="800" err="1">
-                <a:solidFill>
-                  <a:schemeClr val="accent1"/>
-                </a:solidFill>
-                <a:latin typeface="PT Sans"/>
-                <a:sym typeface="PT Sans"/>
-              </a:rPr>
-              <a:t>nivo</a:t>
-            </a:r>
-            <a:r>
-              <a:rPr lang="en" sz="800">
-                <a:solidFill>
-                  <a:schemeClr val="accent1"/>
-                </a:solidFill>
-                <a:latin typeface="PT Sans"/>
-                <a:sym typeface="PT Sans"/>
-              </a:rPr>
-              <a:t> </a:t>
-            </a:r>
-            <a:r>
-              <a:rPr lang="en" sz="800" err="1">
-                <a:solidFill>
-                  <a:schemeClr val="accent1"/>
-                </a:solidFill>
-                <a:latin typeface="PT Sans"/>
-                <a:sym typeface="PT Sans"/>
-              </a:rPr>
-              <a:t>ima</a:t>
-            </a:r>
-            <a:r>
-              <a:rPr lang="en" sz="800">
-                <a:solidFill>
-                  <a:schemeClr val="accent1"/>
-                </a:solidFill>
-                <a:latin typeface="PT Sans"/>
-                <a:sym typeface="PT Sans"/>
-              </a:rPr>
-              <a:t> </a:t>
-            </a:r>
-            <a:r>
-              <a:rPr lang="en" sz="800" err="1">
-                <a:solidFill>
-                  <a:schemeClr val="accent1"/>
-                </a:solidFill>
-                <a:latin typeface="PT Sans"/>
-                <a:sym typeface="PT Sans"/>
-              </a:rPr>
-              <a:t>najmanje</a:t>
-            </a:r>
-            <a:r>
-              <a:rPr lang="en" sz="800">
-                <a:solidFill>
-                  <a:schemeClr val="accent1"/>
-                </a:solidFill>
-                <a:latin typeface="PT Sans"/>
-                <a:sym typeface="PT Sans"/>
-              </a:rPr>
-              <a:t> </a:t>
-            </a:r>
-            <a:r>
-              <a:rPr lang="en" sz="800" err="1">
-                <a:solidFill>
-                  <a:schemeClr val="accent1"/>
-                </a:solidFill>
-                <a:latin typeface="PT Sans"/>
-                <a:sym typeface="PT Sans"/>
-              </a:rPr>
-              <a:t>čvorova</a:t>
-            </a:r>
-            <a:r>
-              <a:rPr lang="en" sz="800">
-                <a:solidFill>
-                  <a:schemeClr val="accent1"/>
-                </a:solidFill>
-                <a:latin typeface="PT Sans"/>
-                <a:sym typeface="PT Sans"/>
-              </a:rPr>
-              <a:t> </a:t>
-            </a:r>
-            <a:r>
-              <a:rPr lang="en" sz="800" err="1">
-                <a:solidFill>
-                  <a:schemeClr val="accent1"/>
-                </a:solidFill>
-                <a:latin typeface="PT Sans"/>
-                <a:sym typeface="PT Sans"/>
-              </a:rPr>
-              <a:t>i</a:t>
-            </a:r>
-            <a:r>
-              <a:rPr lang="en" sz="800">
-                <a:solidFill>
-                  <a:schemeClr val="accent1"/>
-                </a:solidFill>
-                <a:latin typeface="PT Sans"/>
-                <a:sym typeface="PT Sans"/>
-              </a:rPr>
-              <a:t> </a:t>
-            </a:r>
-            <a:r>
-              <a:rPr lang="en" sz="800" err="1">
-                <a:solidFill>
-                  <a:schemeClr val="accent1"/>
-                </a:solidFill>
-                <a:latin typeface="PT Sans"/>
-                <a:sym typeface="PT Sans"/>
-              </a:rPr>
-              <a:t>najduže</a:t>
-            </a:r>
-            <a:r>
-              <a:rPr lang="en" sz="800">
-                <a:solidFill>
-                  <a:schemeClr val="accent1"/>
-                </a:solidFill>
-                <a:latin typeface="PT Sans"/>
-                <a:sym typeface="PT Sans"/>
-              </a:rPr>
-              <a:t> </a:t>
-            </a:r>
-            <a:r>
-              <a:rPr lang="en" sz="800" err="1">
-                <a:solidFill>
-                  <a:schemeClr val="accent1"/>
-                </a:solidFill>
-                <a:latin typeface="PT Sans"/>
-                <a:sym typeface="PT Sans"/>
-              </a:rPr>
-              <a:t>veze</a:t>
-            </a:r>
-            <a:r>
-              <a:rPr lang="en" sz="800">
-                <a:solidFill>
-                  <a:schemeClr val="accent1"/>
-                </a:solidFill>
-                <a:latin typeface="PT Sans"/>
-                <a:sym typeface="PT Sans"/>
-              </a:rPr>
-              <a:t> </a:t>
-            </a:r>
-            <a:r>
-              <a:rPr lang="en" sz="800" err="1">
-                <a:solidFill>
-                  <a:schemeClr val="accent1"/>
-                </a:solidFill>
-                <a:latin typeface="PT Sans"/>
-                <a:sym typeface="PT Sans"/>
-              </a:rPr>
-              <a:t>između</a:t>
-            </a:r>
-            <a:r>
-              <a:rPr lang="en" sz="800">
-                <a:solidFill>
-                  <a:schemeClr val="accent1"/>
-                </a:solidFill>
-                <a:latin typeface="PT Sans"/>
-                <a:sym typeface="PT Sans"/>
-              </a:rPr>
-              <a:t> </a:t>
-            </a:r>
-            <a:r>
-              <a:rPr lang="en" sz="800" err="1">
-                <a:solidFill>
-                  <a:schemeClr val="accent1"/>
-                </a:solidFill>
-                <a:latin typeface="PT Sans"/>
-                <a:sym typeface="PT Sans"/>
-              </a:rPr>
-              <a:t>njih</a:t>
-            </a:r>
-            <a:r>
-              <a:rPr lang="en" sz="800">
-                <a:solidFill>
-                  <a:schemeClr val="accent1"/>
-                </a:solidFill>
-                <a:latin typeface="PT Sans"/>
-                <a:sym typeface="PT Sans"/>
-              </a:rPr>
-              <a:t>, </a:t>
-            </a:r>
-            <a:r>
-              <a:rPr lang="en" sz="800" err="1">
-                <a:solidFill>
-                  <a:schemeClr val="accent1"/>
-                </a:solidFill>
-                <a:latin typeface="PT Sans"/>
-                <a:sym typeface="PT Sans"/>
-              </a:rPr>
-              <a:t>dok</a:t>
-            </a:r>
-            <a:r>
-              <a:rPr lang="en" sz="800">
-                <a:solidFill>
-                  <a:schemeClr val="accent1"/>
-                </a:solidFill>
-                <a:latin typeface="PT Sans"/>
-                <a:sym typeface="PT Sans"/>
-              </a:rPr>
-              <a:t> </a:t>
-            </a:r>
-            <a:r>
-              <a:rPr lang="en" sz="800" err="1">
-                <a:solidFill>
-                  <a:schemeClr val="accent1"/>
-                </a:solidFill>
-                <a:latin typeface="PT Sans"/>
-                <a:sym typeface="PT Sans"/>
-              </a:rPr>
-              <a:t>svaki</a:t>
-            </a:r>
-            <a:r>
-              <a:rPr lang="en" sz="800">
-                <a:solidFill>
-                  <a:schemeClr val="accent1"/>
-                </a:solidFill>
-                <a:latin typeface="PT Sans"/>
-                <a:sym typeface="PT Sans"/>
-              </a:rPr>
-              <a:t> </a:t>
-            </a:r>
-            <a:r>
-              <a:rPr lang="en" sz="800" err="1">
-                <a:solidFill>
-                  <a:schemeClr val="accent1"/>
-                </a:solidFill>
-                <a:latin typeface="PT Sans"/>
-                <a:sym typeface="PT Sans"/>
-              </a:rPr>
-              <a:t>naredni</a:t>
-            </a:r>
-            <a:r>
-              <a:rPr lang="en" sz="800">
-                <a:solidFill>
-                  <a:schemeClr val="accent1"/>
-                </a:solidFill>
-                <a:latin typeface="PT Sans"/>
-                <a:sym typeface="PT Sans"/>
-              </a:rPr>
-              <a:t> </a:t>
-            </a:r>
-            <a:r>
-              <a:rPr lang="en" sz="800" err="1">
-                <a:solidFill>
-                  <a:schemeClr val="accent1"/>
-                </a:solidFill>
-                <a:latin typeface="PT Sans"/>
-                <a:sym typeface="PT Sans"/>
-              </a:rPr>
-              <a:t>sloj</a:t>
-            </a:r>
-            <a:r>
-              <a:rPr lang="en" sz="800">
-                <a:solidFill>
-                  <a:schemeClr val="accent1"/>
-                </a:solidFill>
-                <a:latin typeface="PT Sans"/>
-                <a:sym typeface="PT Sans"/>
-              </a:rPr>
-              <a:t> </a:t>
-            </a:r>
-            <a:r>
-              <a:rPr lang="en" sz="800" err="1">
-                <a:solidFill>
-                  <a:schemeClr val="accent1"/>
-                </a:solidFill>
-                <a:latin typeface="PT Sans"/>
-                <a:sym typeface="PT Sans"/>
-              </a:rPr>
-              <a:t>ima</a:t>
-            </a:r>
-            <a:r>
-              <a:rPr lang="en" sz="800">
-                <a:solidFill>
-                  <a:schemeClr val="accent1"/>
-                </a:solidFill>
-                <a:latin typeface="PT Sans"/>
-                <a:sym typeface="PT Sans"/>
-              </a:rPr>
-              <a:t> </a:t>
-            </a:r>
-            <a:r>
-              <a:rPr lang="en" sz="800" err="1">
-                <a:solidFill>
-                  <a:schemeClr val="accent1"/>
-                </a:solidFill>
-                <a:latin typeface="PT Sans"/>
-                <a:sym typeface="PT Sans"/>
-              </a:rPr>
-              <a:t>sve</a:t>
-            </a:r>
-            <a:r>
-              <a:rPr lang="en" sz="800">
-                <a:solidFill>
-                  <a:schemeClr val="accent1"/>
-                </a:solidFill>
-                <a:latin typeface="PT Sans"/>
-                <a:sym typeface="PT Sans"/>
-              </a:rPr>
-              <a:t> </a:t>
-            </a:r>
-            <a:r>
-              <a:rPr lang="en" sz="800" err="1">
-                <a:solidFill>
-                  <a:schemeClr val="accent1"/>
-                </a:solidFill>
-                <a:latin typeface="PT Sans"/>
-                <a:sym typeface="PT Sans"/>
-              </a:rPr>
-              <a:t>više</a:t>
-            </a:r>
-            <a:r>
-              <a:rPr lang="en" sz="800">
-                <a:solidFill>
-                  <a:schemeClr val="accent1"/>
-                </a:solidFill>
-                <a:latin typeface="PT Sans"/>
-                <a:sym typeface="PT Sans"/>
-              </a:rPr>
-              <a:t> </a:t>
-            </a:r>
-            <a:r>
-              <a:rPr lang="en" sz="800" err="1">
-                <a:solidFill>
-                  <a:schemeClr val="accent1"/>
-                </a:solidFill>
-                <a:latin typeface="PT Sans"/>
-                <a:sym typeface="PT Sans"/>
-              </a:rPr>
-              <a:t>čvorova</a:t>
-            </a:r>
-            <a:r>
-              <a:rPr lang="en" sz="800">
-                <a:solidFill>
-                  <a:schemeClr val="accent1"/>
-                </a:solidFill>
-                <a:latin typeface="PT Sans"/>
-                <a:sym typeface="PT Sans"/>
-              </a:rPr>
-              <a:t> </a:t>
-            </a:r>
-            <a:r>
-              <a:rPr lang="en" sz="800" err="1">
-                <a:solidFill>
-                  <a:schemeClr val="accent1"/>
-                </a:solidFill>
-                <a:latin typeface="PT Sans"/>
-                <a:sym typeface="PT Sans"/>
-              </a:rPr>
-              <a:t>i</a:t>
-            </a:r>
-            <a:r>
-              <a:rPr lang="en" sz="800">
-                <a:solidFill>
-                  <a:schemeClr val="accent1"/>
-                </a:solidFill>
-                <a:latin typeface="PT Sans"/>
-                <a:sym typeface="PT Sans"/>
-              </a:rPr>
-              <a:t> </a:t>
-            </a:r>
-            <a:r>
-              <a:rPr lang="en" sz="800" err="1">
-                <a:solidFill>
-                  <a:schemeClr val="accent1"/>
-                </a:solidFill>
-                <a:latin typeface="PT Sans"/>
-                <a:sym typeface="PT Sans"/>
-              </a:rPr>
-              <a:t>sve</a:t>
-            </a:r>
-            <a:r>
-              <a:rPr lang="en" sz="800">
-                <a:solidFill>
-                  <a:schemeClr val="accent1"/>
-                </a:solidFill>
-                <a:latin typeface="PT Sans"/>
-                <a:sym typeface="PT Sans"/>
-              </a:rPr>
-              <a:t> </a:t>
-            </a:r>
-            <a:r>
-              <a:rPr lang="en" sz="800" err="1">
-                <a:solidFill>
-                  <a:schemeClr val="accent1"/>
-                </a:solidFill>
-                <a:latin typeface="PT Sans"/>
-                <a:sym typeface="PT Sans"/>
-              </a:rPr>
-              <a:t>kraće</a:t>
-            </a:r>
-            <a:r>
-              <a:rPr lang="en" sz="800">
-                <a:solidFill>
-                  <a:schemeClr val="accent1"/>
-                </a:solidFill>
-                <a:latin typeface="PT Sans"/>
-                <a:sym typeface="PT Sans"/>
-              </a:rPr>
-              <a:t> </a:t>
-            </a:r>
-            <a:r>
-              <a:rPr lang="en" sz="800" err="1">
-                <a:solidFill>
-                  <a:schemeClr val="accent1"/>
-                </a:solidFill>
-                <a:latin typeface="PT Sans"/>
-                <a:sym typeface="PT Sans"/>
-              </a:rPr>
-              <a:t>veze</a:t>
-            </a:r>
-            <a:r>
-              <a:rPr lang="en" sz="800">
-                <a:solidFill>
-                  <a:schemeClr val="accent1"/>
-                </a:solidFill>
-                <a:latin typeface="PT Sans"/>
-                <a:sym typeface="PT Sans"/>
-              </a:rPr>
-              <a:t>.</a:t>
-            </a:r>
-            <a:endParaRPr lang="en-US" sz="800">
+              <a:t>. </a:t>
+            </a:r>
+            <a:endParaRPr lang="en" sz="800" dirty="0">
               <a:solidFill>
                 <a:schemeClr val="accent1"/>
               </a:solidFill>
@@ -41405,10 +41019,10 @@
                 </a:solidFill>
                 <a:latin typeface="PT Sans"/>
               </a:rPr>
-              <a:t>Najviši</a:t>
-            </a:r>
-            <a:r>
-              <a:rPr lang="en" sz="800">
+              <a:t>Trenutni</a:t>
+            </a:r>
+            <a:r>
+              <a:rPr lang="en" sz="800" dirty="0">
                 <a:solidFill>
                   <a:schemeClr val="accent1"/>
                 </a:solidFill>
@@ -41426,7 +41040,7 @@
               <a:t>sloj</a:t>
             </a:r>
             <a:r>
-              <a:rPr lang="en" sz="800">
+              <a:rPr lang="en" sz="800" dirty="0">
                 <a:solidFill>
                   <a:schemeClr val="accent1"/>
                 </a:solidFill>
@@ -41444,7 +41058,7 @@
               <a:t>pretražuje</a:t>
             </a:r>
             <a:r>
-              <a:rPr lang="en" sz="800">
+              <a:rPr lang="en" sz="800" dirty="0">
                 <a:solidFill>
                   <a:schemeClr val="accent1"/>
                 </a:solidFill>
@@ -41462,7 +41076,7 @@
               <a:t>sve</a:t>
             </a:r>
             <a:r>
-              <a:rPr lang="en" sz="800">
+              <a:rPr lang="en" sz="800" dirty="0">
                 <a:solidFill>
                   <a:schemeClr val="accent1"/>
                 </a:solidFill>
@@ -41480,7 +41094,7 @@
               <a:t>dok</a:t>
             </a:r>
             <a:r>
-              <a:rPr lang="en" sz="800">
+              <a:rPr lang="en" sz="800" dirty="0">
                 <a:solidFill>
                   <a:schemeClr val="accent1"/>
                 </a:solidFill>
@@ -41498,7 +41112,7 @@
               <a:t>pronađe</a:t>
             </a:r>
             <a:r>
-              <a:rPr lang="en" sz="800">
+              <a:rPr lang="en" sz="800" dirty="0">
                 <a:solidFill>
                   <a:schemeClr val="accent1"/>
                 </a:solidFill>
@@ -41516,7 +41130,7 @@
               <a:t>lokalni</a:t>
             </a:r>
             <a:r>
-              <a:rPr lang="en" sz="800">
+              <a:rPr lang="en" sz="800" dirty="0">
                 <a:solidFill>
                   <a:schemeClr val="accent1"/>
                 </a:solidFill>
@@ -41534,7 +41148,7 @@
               <a:t>čvor</a:t>
             </a:r>
             <a:r>
-              <a:rPr lang="en" sz="800">
+              <a:rPr lang="en" sz="800" dirty="0">
                 <a:solidFill>
                   <a:schemeClr val="accent1"/>
                 </a:solidFill>
@@ -41552,7 +41166,7 @@
               <a:t>ima</a:t>
             </a:r>
             <a:r>
-              <a:rPr lang="en" sz="800">
+              <a:rPr lang="en" sz="800" dirty="0">
                 <a:solidFill>
                   <a:schemeClr val="accent1"/>
                 </a:solidFill>
@@ -41570,7 +41184,7 @@
               <a:t>najmanju</a:t>
             </a:r>
             <a:r>
-              <a:rPr lang="en" sz="800">
+              <a:rPr lang="en" sz="800" dirty="0">
                 <a:solidFill>
                   <a:schemeClr val="accent1"/>
                 </a:solidFill>
@@ -41588,7 +41202,7 @@
               <a:t>distancu</a:t>
             </a:r>
             <a:r>
-              <a:rPr lang="en" sz="800">
+              <a:rPr lang="en" sz="800" dirty="0">
                 <a:solidFill>
                   <a:schemeClr val="accent1"/>
                 </a:solidFill>
@@ -41606,7 +41220,7 @@
               <a:t>traženog</a:t>
             </a:r>
             <a:r>
-              <a:rPr lang="en" sz="800">
+              <a:rPr lang="en" sz="800" dirty="0">
                 <a:solidFill>
                   <a:schemeClr val="accent1"/>
                 </a:solidFill>
@@ -41624,7 +41238,7 @@
               <a:t>čvora</a:t>
             </a:r>
             <a:r>
-              <a:rPr lang="en" sz="800">
+              <a:rPr lang="en" sz="800" dirty="0">
                 <a:solidFill>
                   <a:schemeClr val="accent1"/>
                 </a:solidFill>
@@ -41642,7 +41256,7 @@
               <a:t>Odnosno</a:t>
             </a:r>
             <a:r>
-              <a:rPr lang="en" sz="800">
+              <a:rPr lang="en" sz="800" dirty="0">
                 <a:solidFill>
                   <a:schemeClr val="accent1"/>
                 </a:solidFill>
@@ -41660,7 +41274,7 @@
               <a:t>dok</a:t>
             </a:r>
             <a:r>
-              <a:rPr lang="en" sz="800">
+              <a:rPr lang="en" sz="800" dirty="0">
                 <a:solidFill>
                   <a:schemeClr val="accent1"/>
                 </a:solidFill>
@@ -41678,7 +41292,7 @@
               <a:t>pronađe</a:t>
             </a:r>
             <a:r>
-              <a:rPr lang="en" sz="800">
+              <a:rPr lang="en" sz="800" dirty="0">
                 <a:solidFill>
                   <a:schemeClr val="accent1"/>
                 </a:solidFill>
@@ -41696,7 +41310,7 @@
               <a:t>traženi</a:t>
             </a:r>
             <a:r>
-              <a:rPr lang="en" sz="800">
+              <a:rPr lang="en" sz="800" dirty="0">
                 <a:solidFill>
                   <a:schemeClr val="accent1"/>
                 </a:solidFill>
@@ -41714,7 +41328,7 @@
               <a:t>broj</a:t>
             </a:r>
             <a:r>
-              <a:rPr lang="en" sz="800">
+              <a:rPr lang="en" sz="800" dirty="0">
                 <a:solidFill>
                   <a:schemeClr val="accent1"/>
                 </a:solidFill>
@@ -41732,7 +41346,7 @@
               <a:t>najbližih</a:t>
             </a:r>
             <a:r>
-              <a:rPr lang="en" sz="800">
+              <a:rPr lang="en" sz="800" dirty="0">
                 <a:solidFill>
                   <a:schemeClr val="accent1"/>
                 </a:solidFill>
@@ -41750,7 +41364,7 @@
               <a:t>čvorova</a:t>
             </a:r>
             <a:r>
-              <a:rPr lang="en" sz="800">
+              <a:rPr lang="en" sz="800" dirty="0">
                 <a:solidFill>
                   <a:schemeClr val="accent1"/>
                 </a:solidFill>
@@ -41768,7 +41382,7 @@
               <a:t>Pretraga</a:t>
             </a:r>
             <a:r>
-              <a:rPr lang="en" sz="800">
+              <a:rPr lang="en" sz="800" dirty="0">
                 <a:solidFill>
                   <a:schemeClr val="accent1"/>
                 </a:solidFill>
@@ -41786,7 +41400,7 @@
               <a:t>sloja</a:t>
             </a:r>
             <a:r>
-              <a:rPr lang="en" sz="800">
+              <a:rPr lang="en" sz="800" dirty="0">
                 <a:solidFill>
                   <a:schemeClr val="accent1"/>
                 </a:solidFill>
@@ -41804,7 +41418,7 @@
               <a:t>vrši</a:t>
             </a:r>
             <a:r>
-              <a:rPr lang="en" sz="800">
+              <a:rPr lang="en" sz="800" dirty="0">
                 <a:solidFill>
                   <a:schemeClr val="accent1"/>
                 </a:solidFill>
@@ -41822,7 +41436,7 @@
               <a:t>heuristički</a:t>
             </a:r>
             <a:r>
-              <a:rPr lang="en" sz="800">
+              <a:rPr lang="en" sz="800" dirty="0">
                 <a:solidFill>
                   <a:schemeClr val="accent1"/>
                 </a:solidFill>
@@ -41840,7 +41454,7 @@
               <a:t>Prilikom</a:t>
             </a:r>
             <a:r>
-              <a:rPr lang="en" sz="800">
+              <a:rPr lang="en" sz="800" dirty="0">
                 <a:solidFill>
                   <a:schemeClr val="accent1"/>
                 </a:solidFill>
@@ -41858,7 +41472,7 @@
               <a:t>pretrage</a:t>
             </a:r>
             <a:r>
-              <a:rPr lang="en" sz="800">
+              <a:rPr lang="en" sz="800" dirty="0">
                 <a:solidFill>
                   <a:schemeClr val="accent1"/>
                 </a:solidFill>
@@ -41876,7 +41490,7 @@
               <a:t>čuva</a:t>
             </a:r>
             <a:r>
-              <a:rPr lang="en" sz="800">
+              <a:rPr lang="en" sz="800" dirty="0">
                 <a:solidFill>
                   <a:schemeClr val="accent1"/>
                 </a:solidFill>
@@ -41894,7 +41508,7 @@
               <a:t>dinamička</a:t>
             </a:r>
             <a:r>
-              <a:rPr lang="en" sz="800">
+              <a:rPr lang="en" sz="800" dirty="0">
                 <a:solidFill>
                   <a:schemeClr val="accent1"/>
                 </a:solidFill>
@@ -41912,7 +41526,7 @@
               <a:t>lista</a:t>
             </a:r>
             <a:r>
-              <a:rPr lang="en" sz="800">
+              <a:rPr lang="en" sz="800" dirty="0">
                 <a:solidFill>
                   <a:schemeClr val="accent1"/>
                 </a:solidFill>
@@ -41930,7 +41544,7 @@
               <a:t>najbližih</a:t>
             </a:r>
             <a:r>
-              <a:rPr lang="en" sz="800">
+              <a:rPr lang="en" sz="800" dirty="0">
                 <a:solidFill>
                   <a:schemeClr val="accent1"/>
                 </a:solidFill>
@@ -41948,7 +41562,7 @@
               <a:t>suseda</a:t>
             </a:r>
             <a:r>
-              <a:rPr lang="en" sz="800">
+              <a:rPr lang="en" sz="800" dirty="0">
                 <a:solidFill>
                   <a:schemeClr val="accent1"/>
                 </a:solidFill>
@@ -41966,7 +41580,7 @@
               <a:t>svakom</a:t>
             </a:r>
             <a:r>
-              <a:rPr lang="en" sz="800">
+              <a:rPr lang="en" sz="800" dirty="0">
                 <a:solidFill>
                   <a:schemeClr val="accent1"/>
                 </a:solidFill>
@@ -41984,7 +41598,7 @@
               <a:t>koraku</a:t>
             </a:r>
             <a:r>
-              <a:rPr lang="en" sz="800">
+              <a:rPr lang="en" sz="800" dirty="0">
                 <a:solidFill>
                   <a:schemeClr val="accent1"/>
                 </a:solidFill>
@@ -42002,7 +41616,7 @@
               <a:t>ažurira</a:t>
             </a:r>
             <a:r>
-              <a:rPr lang="en" sz="800">
+              <a:rPr lang="en" sz="800" dirty="0">
                 <a:solidFill>
                   <a:schemeClr val="accent1"/>
                 </a:solidFill>
@@ -42020,7 +41634,7 @@
               <a:t>na</a:t>
             </a:r>
             <a:r>
-              <a:rPr lang="en" sz="800">
+              <a:rPr lang="en" sz="800" dirty="0">
                 <a:solidFill>
                   <a:schemeClr val="accent1"/>
                 </a:solidFill>
@@ -42038,7 +41652,7 @@
               <a:t>osnovu</a:t>
             </a:r>
             <a:r>
-              <a:rPr lang="en" sz="800">
+              <a:rPr lang="en" sz="800" dirty="0">
                 <a:solidFill>
                   <a:schemeClr val="accent1"/>
                 </a:solidFill>
@@ -42056,7 +41670,7 @@
               <a:t>evaluacije</a:t>
             </a:r>
             <a:r>
-              <a:rPr lang="en" sz="800">
+              <a:rPr lang="en" sz="800" dirty="0">
                 <a:solidFill>
                   <a:schemeClr val="accent1"/>
                 </a:solidFill>
@@ -42074,7 +41688,7 @@
               <a:t>suseda</a:t>
             </a:r>
             <a:r>
-              <a:rPr lang="en" sz="800">
+              <a:rPr lang="en" sz="800" dirty="0">
                 <a:solidFill>
                   <a:schemeClr val="accent1"/>
                 </a:solidFill>
@@ -42092,7 +41706,7 @@
               <a:t>čvorova</a:t>
             </a:r>
             <a:r>
-              <a:rPr lang="en" sz="800">
+              <a:rPr lang="en" sz="800" dirty="0">
                 <a:solidFill>
                   <a:schemeClr val="accent1"/>
                 </a:solidFill>
@@ -42110,7 +41724,7 @@
               <a:t>su</a:t>
             </a:r>
             <a:r>
-              <a:rPr lang="en" sz="800">
+              <a:rPr lang="en" sz="800" dirty="0">
                 <a:solidFill>
                   <a:schemeClr val="accent1"/>
                 </a:solidFill>
@@ -42128,7 +41742,7 @@
               <a:t>prethodno</a:t>
             </a:r>
             <a:r>
-              <a:rPr lang="en" sz="800">
+              <a:rPr lang="en" sz="800" dirty="0">
                 <a:solidFill>
                   <a:schemeClr val="accent1"/>
                 </a:solidFill>
@@ -42146,7 +41760,7 @@
               <a:t>dodati</a:t>
             </a:r>
             <a:r>
-              <a:rPr lang="en" sz="800">
+              <a:rPr lang="en" sz="800" dirty="0">
                 <a:solidFill>
                   <a:schemeClr val="accent1"/>
                 </a:solidFill>
@@ -42164,7 +41778,7 @@
               <a:t>nju</a:t>
             </a:r>
             <a:r>
-              <a:rPr lang="en" sz="800">
+              <a:rPr lang="en" sz="800" dirty="0">
                 <a:solidFill>
                   <a:schemeClr val="accent1"/>
                 </a:solidFill>
@@ -42173,12 +41787,12 @@
               <a:t>. </a:t>
             </a:r>
             <a:r>
-              <a:rPr lang="en" sz="800">
+              <a:rPr lang="en" sz="800" dirty="0">
                 <a:solidFill>
                   <a:schemeClr val="accent1"/>
                 </a:solidFill>
               </a:rPr>
-              <a:t>Kada se </a:t>
+              <a:t>Kada </a:t>
             </a:r>
             <a:r>
               <a:rPr lang="en" sz="800" err="1">
@@ -42189,7 +41803,7 @@
               <a:t>lista</a:t>
             </a:r>
             <a:r>
-              <a:rPr lang="en" sz="800">
+              <a:rPr lang="en" sz="800" dirty="0">
                 <a:solidFill>
                   <a:schemeClr val="accent1"/>
                 </a:solidFill>
@@ -42205,7 +41819,7 @@
               <a:t>dostigne</a:t>
             </a:r>
             <a:r>
-              <a:rPr lang="en" sz="800">
+              <a:rPr lang="en" sz="800" dirty="0">
                 <a:solidFill>
                   <a:schemeClr val="accent1"/>
                 </a:solidFill>
@@ -42221,7 +41835,7 @@
               <a:t>maksimalnu</a:t>
             </a:r>
             <a:r>
-              <a:rPr lang="en" sz="800">
+              <a:rPr lang="en" sz="800" dirty="0">
                 <a:solidFill>
                   <a:schemeClr val="accent1"/>
                 </a:solidFill>
@@ -42237,7 +41851,7 @@
               <a:t>veličinu</a:t>
             </a:r>
             <a:r>
-              <a:rPr lang="en" sz="800">
+              <a:rPr lang="en" sz="800" dirty="0">
                 <a:solidFill>
                   <a:schemeClr val="accent1"/>
                 </a:solidFill>
@@ -42253,7 +41867,7 @@
               <a:t>ako</a:t>
             </a:r>
             <a:r>
-              <a:rPr lang="en" sz="800">
+              <a:rPr lang="en" sz="800" dirty="0">
                 <a:solidFill>
                   <a:schemeClr val="accent1"/>
                 </a:solidFill>
@@ -42269,7 +41883,7 @@
               <a:t>naiđe</a:t>
             </a:r>
             <a:r>
-              <a:rPr lang="en" sz="800">
+              <a:rPr lang="en" sz="800" dirty="0">
                 <a:solidFill>
                   <a:schemeClr val="accent1"/>
                 </a:solidFill>
@@ -42285,7 +41899,7 @@
               <a:t>na</a:t>
             </a:r>
             <a:r>
-              <a:rPr lang="en" sz="800">
+              <a:rPr lang="en" sz="800" dirty="0">
                 <a:solidFill>
                   <a:schemeClr val="accent1"/>
                 </a:solidFill>
@@ -42301,7 +41915,7 @@
               <a:t>bliži</a:t>
             </a:r>
             <a:r>
-              <a:rPr lang="en" sz="800">
+              <a:rPr lang="en" sz="800" dirty="0">
                 <a:solidFill>
                   <a:schemeClr val="accent1"/>
                 </a:solidFill>
@@ -42317,7 +41931,7 @@
               <a:t>traženom</a:t>
             </a:r>
             <a:r>
-              <a:rPr lang="en" sz="800">
+              <a:rPr lang="en" sz="800" dirty="0">
                 <a:solidFill>
                   <a:schemeClr val="accent1"/>
                 </a:solidFill>
@@ -42333,7 +41947,7 @@
               <a:t>čvoru</a:t>
             </a:r>
             <a:r>
-              <a:rPr lang="en" sz="800">
+              <a:rPr lang="en" sz="800" dirty="0">
                 <a:solidFill>
                   <a:schemeClr val="accent1"/>
                 </a:solidFill>
@@ -42349,7 +41963,7 @@
               <a:t>najdaljeg</a:t>
             </a:r>
             <a:r>
-              <a:rPr lang="en" sz="800">
+              <a:rPr lang="en" sz="800" dirty="0">
                 <a:solidFill>
                   <a:schemeClr val="accent1"/>
                 </a:solidFill>
@@ -42365,7 +41979,7 @@
               <a:t>elementa</a:t>
             </a:r>
             <a:r>
-              <a:rPr lang="en" sz="800">
+              <a:rPr lang="en" sz="800" dirty="0">
                 <a:solidFill>
                   <a:schemeClr val="accent1"/>
                 </a:solidFill>
@@ -42381,7 +41995,7 @@
               <a:t>liste</a:t>
             </a:r>
             <a:r>
-              <a:rPr lang="en" sz="800">
+              <a:rPr lang="en" sz="800" dirty="0">
                 <a:solidFill>
                   <a:schemeClr val="accent1"/>
                 </a:solidFill>
@@ -42397,7 +42011,7 @@
               <a:t>najdalji</a:t>
             </a:r>
             <a:r>
-              <a:rPr lang="en" sz="800">
+              <a:rPr lang="en" sz="800" dirty="0">
                 <a:solidFill>
                   <a:schemeClr val="accent1"/>
                 </a:solidFill>
@@ -42413,7 +42027,7 @@
               <a:t>će</a:t>
             </a:r>
             <a:r>
-              <a:rPr lang="en" sz="800">
+              <a:rPr lang="en" sz="800" dirty="0">
                 <a:solidFill>
                   <a:schemeClr val="accent1"/>
                 </a:solidFill>
@@ -42429,7 +42043,7 @@
               <a:t>biti</a:t>
             </a:r>
             <a:r>
-              <a:rPr lang="en" sz="800">
+              <a:rPr lang="en" sz="800" dirty="0">
                 <a:solidFill>
                   <a:schemeClr val="accent1"/>
                 </a:solidFill>
@@ -42445,7 +42059,7 @@
               <a:t>zamenjen</a:t>
             </a:r>
             <a:r>
-              <a:rPr lang="en" sz="800">
+              <a:rPr lang="en" sz="800" dirty="0">
                 <a:solidFill>
                   <a:schemeClr val="accent1"/>
                 </a:solidFill>
@@ -42461,7 +42075,7 @@
               <a:t>njime</a:t>
             </a:r>
             <a:r>
-              <a:rPr lang="en" sz="800">
+              <a:rPr lang="en" sz="800" dirty="0">
                 <a:solidFill>
                   <a:schemeClr val="accent1"/>
                 </a:solidFill>
@@ -42477,7 +42091,7 @@
               <a:t>evaluiraju</a:t>
             </a:r>
             <a:r>
-              <a:rPr lang="en" sz="800">
+              <a:rPr lang="en" sz="800" dirty="0">
                 <a:solidFill>
                   <a:schemeClr val="accent1"/>
                 </a:solidFill>
@@ -42493,7 +42107,7 @@
               <a:t>svi</a:t>
             </a:r>
             <a:r>
-              <a:rPr lang="en" sz="800">
+              <a:rPr lang="en" sz="800" dirty="0">
                 <a:solidFill>
                   <a:schemeClr val="accent1"/>
                 </a:solidFill>
@@ -42509,7 +42123,7 @@
               <a:t>susedi</a:t>
             </a:r>
             <a:r>
-              <a:rPr lang="en" sz="800">
+              <a:rPr lang="en" sz="800" dirty="0">
                 <a:solidFill>
                   <a:schemeClr val="accent1"/>
                 </a:solidFill>
@@ -42525,7 +42139,7 @@
               <a:t>svakog</a:t>
             </a:r>
             <a:r>
-              <a:rPr lang="en" sz="800">
+              <a:rPr lang="en" sz="800" dirty="0">
                 <a:solidFill>
                   <a:schemeClr val="accent1"/>
                 </a:solidFill>
@@ -42541,7 +42155,7 @@
               <a:t>elementa</a:t>
             </a:r>
             <a:r>
-              <a:rPr lang="en" sz="800">
+              <a:rPr lang="en" sz="800" dirty="0">
                 <a:solidFill>
                   <a:schemeClr val="accent1"/>
                 </a:solidFill>
@@ -42557,7 +42171,7 @@
               <a:t>liste</a:t>
             </a:r>
             <a:r>
-              <a:rPr lang="en" sz="800">
+              <a:rPr lang="en" sz="800" dirty="0">
                 <a:solidFill>
                   <a:schemeClr val="accent1"/>
                 </a:solidFill>
@@ -42573,7 +42187,7 @@
               <a:t>pretraga</a:t>
             </a:r>
             <a:r>
-              <a:rPr lang="en" sz="800">
+              <a:rPr lang="en" sz="800" dirty="0">
                 <a:solidFill>
                   <a:schemeClr val="accent1"/>
                 </a:solidFill>
@@ -42589,7 +42203,7 @@
               <a:t>sloja</a:t>
             </a:r>
             <a:r>
-              <a:rPr lang="en" sz="800">
+              <a:rPr lang="en" sz="800" dirty="0">
                 <a:solidFill>
                   <a:schemeClr val="accent1"/>
                 </a:solidFill>
@@ -42605,14 +42219,14 @@
               <a:t>završava</a:t>
             </a:r>
             <a:r>
-              <a:rPr lang="en" sz="800">
+              <a:rPr lang="en" sz="800" dirty="0">
                 <a:solidFill>
                   <a:schemeClr val="accent1"/>
                 </a:solidFill>
               </a:rPr>
               <a:t>.</a:t>
             </a:r>
-            <a:endParaRPr lang="en" sz="800">
+            <a:endParaRPr lang="en" sz="800" dirty="0">
               <a:solidFill>
                 <a:schemeClr val="accent1"/>
               </a:solidFill>
@@ -43146,7 +42760,7 @@
           <a:p>
             <a:pPr algn="just"/>
             <a:r>
-              <a:rPr lang="en" sz="800" err="1">
+              <a:rPr lang="en" sz="800" dirty="0" err="1">
                 <a:solidFill>
                   <a:srgbClr val="ECECF1"/>
                 </a:solidFill>
@@ -43164,7 +42778,7 @@
               <a:t> se </a:t>
             </a:r>
             <a:r>
-              <a:rPr lang="en" sz="800" err="1">
+              <a:rPr lang="en" sz="800" dirty="0" err="1">
                 <a:solidFill>
                   <a:srgbClr val="ECECF1"/>
                 </a:solidFill>
@@ -43182,7 +42796,7 @@
               <a:t> </a:t>
             </a:r>
             <a:r>
-              <a:rPr lang="en" sz="800" err="1">
+              <a:rPr lang="en" sz="800" dirty="0" err="1">
                 <a:solidFill>
                   <a:srgbClr val="ECECF1"/>
                 </a:solidFill>
@@ -43200,7 +42814,7 @@
               <a:t> </a:t>
             </a:r>
             <a:r>
-              <a:rPr lang="en" sz="800" err="1">
+              <a:rPr lang="en" sz="800" dirty="0" err="1">
                 <a:solidFill>
                   <a:srgbClr val="ECECF1"/>
                 </a:solidFill>
@@ -43218,7 +42832,7 @@
               <a:t> se ne </a:t>
             </a:r>
             <a:r>
-              <a:rPr lang="en" sz="800" err="1">
+              <a:rPr lang="en" sz="800" dirty="0" err="1">
                 <a:solidFill>
                   <a:srgbClr val="ECECF1"/>
                 </a:solidFill>
@@ -43236,7 +42850,7 @@
               <a:t> do </a:t>
             </a:r>
             <a:r>
-              <a:rPr lang="en" sz="800" err="1">
+              <a:rPr lang="en" sz="800" dirty="0" err="1">
                 <a:solidFill>
                   <a:srgbClr val="ECECF1"/>
                 </a:solidFill>
@@ -43254,7 +42868,7 @@
               <a:t> </a:t>
             </a:r>
             <a:r>
-              <a:rPr lang="en" sz="800" err="1">
+              <a:rPr lang="en" sz="800" dirty="0" err="1">
                 <a:solidFill>
                   <a:srgbClr val="ECECF1"/>
                 </a:solidFill>
@@ -43272,7 +42886,7 @@
               <a:t>, </a:t>
             </a:r>
             <a:r>
-              <a:rPr lang="en" sz="800" err="1">
+              <a:rPr lang="en" sz="800" dirty="0" err="1">
                 <a:solidFill>
                   <a:srgbClr val="ECECF1"/>
                 </a:solidFill>
@@ -43290,7 +42904,7 @@
               <a:t> se </a:t>
             </a:r>
             <a:r>
-              <a:rPr lang="en" sz="800" err="1">
+              <a:rPr lang="en" sz="800" dirty="0" err="1">
                 <a:solidFill>
                   <a:srgbClr val="ECECF1"/>
                 </a:solidFill>
@@ -43326,7 +42940,7 @@
               <a:t> </a:t>
             </a:r>
             <a:r>
-              <a:rPr lang="en" sz="800" err="1">
+              <a:rPr lang="en" sz="800" dirty="0" err="1">
                 <a:solidFill>
                   <a:srgbClr val="ECECF1"/>
                 </a:solidFill>
@@ -43344,7 +42958,7 @@
               <a:t> </a:t>
             </a:r>
             <a:r>
-              <a:rPr lang="en" sz="800" err="1">
+              <a:rPr lang="en" sz="800" dirty="0" err="1">
                 <a:solidFill>
                   <a:srgbClr val="ECECF1"/>
                 </a:solidFill>
@@ -43362,7 +42976,7 @@
               <a:t> </a:t>
             </a:r>
             <a:r>
-              <a:rPr lang="en" sz="800" err="1">
+              <a:rPr lang="en" sz="800" dirty="0" err="1">
                 <a:solidFill>
                   <a:srgbClr val="ECECF1"/>
                 </a:solidFill>
@@ -43380,7 +42994,7 @@
               <a:t> </a:t>
             </a:r>
             <a:r>
-              <a:rPr lang="en" sz="800" err="1">
+              <a:rPr lang="en" sz="800" dirty="0" err="1">
                 <a:solidFill>
                   <a:srgbClr val="ECECF1"/>
                 </a:solidFill>
@@ -44825,7 +44439,7 @@
           <a:p>
             <a:pPr algn="just"/>
             <a:r>
-              <a:rPr lang="en" sz="800" dirty="0" err="1">
+              <a:rPr lang="en" sz="800" err="1">
                 <a:solidFill>
                   <a:srgbClr val="ECECF1"/>
                 </a:solidFill>
@@ -44834,7 +44448,7 @@
               <a:t>Pretraga</a:t>
             </a:r>
             <a:r>
-              <a:rPr lang="en" sz="800" dirty="0">
+              <a:rPr lang="en" sz="800">
                 <a:solidFill>
                   <a:srgbClr val="ECECF1"/>
                 </a:solidFill>
@@ -44843,7 +44457,7 @@
               <a:t> u </a:t>
             </a:r>
             <a:r>
-              <a:rPr lang="en" sz="800" dirty="0" err="1">
+              <a:rPr lang="en" sz="800" err="1">
                 <a:solidFill>
                   <a:srgbClr val="ECECF1"/>
                 </a:solidFill>
@@ -44852,7 +44466,7 @@
               <a:t>narednom</a:t>
             </a:r>
             <a:r>
-              <a:rPr lang="en" sz="800" dirty="0">
+              <a:rPr lang="en" sz="800">
                 <a:solidFill>
                   <a:srgbClr val="ECECF1"/>
                 </a:solidFill>
@@ -44861,7 +44475,7 @@
               <a:t> </a:t>
             </a:r>
             <a:r>
-              <a:rPr lang="en" sz="800" dirty="0" err="1">
+              <a:rPr lang="en" sz="800" err="1">
                 <a:solidFill>
                   <a:srgbClr val="ECECF1"/>
                 </a:solidFill>
@@ -44870,7 +44484,7 @@
               <a:t>sloju</a:t>
             </a:r>
             <a:r>
-              <a:rPr lang="en" sz="800" dirty="0">
+              <a:rPr lang="en" sz="800">
                 <a:solidFill>
                   <a:srgbClr val="ECECF1"/>
                 </a:solidFill>
@@ -44879,7 +44493,7 @@
               <a:t> se </a:t>
             </a:r>
             <a:r>
-              <a:rPr lang="en" sz="800" dirty="0" err="1">
+              <a:rPr lang="en" sz="800" err="1">
                 <a:solidFill>
                   <a:srgbClr val="ECECF1"/>
                 </a:solidFill>
@@ -44888,7 +44502,7 @@
               <a:t>nastavlja</a:t>
             </a:r>
             <a:r>
-              <a:rPr lang="en" sz="800" dirty="0">
+              <a:rPr lang="en" sz="800">
                 <a:solidFill>
                   <a:srgbClr val="ECECF1"/>
                 </a:solidFill>
@@ -44897,7 +44511,7 @@
               <a:t> </a:t>
             </a:r>
             <a:r>
-              <a:rPr lang="en" sz="800" dirty="0" err="1">
+              <a:rPr lang="en" sz="800" err="1">
                 <a:solidFill>
                   <a:srgbClr val="ECECF1"/>
                 </a:solidFill>
@@ -44906,7 +44520,7 @@
               <a:t>počevši</a:t>
             </a:r>
             <a:r>
-              <a:rPr lang="en" sz="800" dirty="0">
+              <a:rPr lang="en" sz="800">
                 <a:solidFill>
                   <a:srgbClr val="ECECF1"/>
                 </a:solidFill>
@@ -44915,7 +44529,7 @@
               <a:t> od </a:t>
             </a:r>
             <a:r>
-              <a:rPr lang="en" sz="800" dirty="0" err="1">
+              <a:rPr lang="en" sz="800" err="1">
                 <a:solidFill>
                   <a:srgbClr val="ECECF1"/>
                 </a:solidFill>
@@ -44924,7 +44538,7 @@
               <a:t>najbližih</a:t>
             </a:r>
             <a:r>
-              <a:rPr lang="en" sz="800" dirty="0">
+              <a:rPr lang="en" sz="800">
                 <a:solidFill>
                   <a:srgbClr val="ECECF1"/>
                 </a:solidFill>
@@ -44933,7 +44547,7 @@
               <a:t> </a:t>
             </a:r>
             <a:r>
-              <a:rPr lang="en" sz="800" dirty="0" err="1">
+              <a:rPr lang="en" sz="800" err="1">
                 <a:solidFill>
                   <a:srgbClr val="ECECF1"/>
                 </a:solidFill>
@@ -44942,7 +44556,7 @@
               <a:t>suseda</a:t>
             </a:r>
             <a:r>
-              <a:rPr lang="en" sz="800" dirty="0">
+              <a:rPr lang="en" sz="800">
                 <a:solidFill>
                   <a:srgbClr val="ECECF1"/>
                 </a:solidFill>
@@ -44951,7 +44565,7 @@
               <a:t> </a:t>
             </a:r>
             <a:r>
-              <a:rPr lang="en" sz="800" dirty="0" err="1">
+              <a:rPr lang="en" sz="800" err="1">
                 <a:solidFill>
                   <a:srgbClr val="ECECF1"/>
                 </a:solidFill>
@@ -44960,7 +44574,7 @@
               <a:t>pronađenih</a:t>
             </a:r>
             <a:r>
-              <a:rPr lang="en" sz="800" dirty="0">
+              <a:rPr lang="en" sz="800">
                 <a:solidFill>
                   <a:srgbClr val="ECECF1"/>
                 </a:solidFill>
@@ -44969,7 +44583,7 @@
               <a:t> u </a:t>
             </a:r>
             <a:r>
-              <a:rPr lang="en" sz="800" dirty="0" err="1">
+              <a:rPr lang="en" sz="800" err="1">
                 <a:solidFill>
                   <a:srgbClr val="ECECF1"/>
                 </a:solidFill>
@@ -44978,7 +44592,7 @@
               <a:t>prethodnom</a:t>
             </a:r>
             <a:r>
-              <a:rPr lang="en" sz="800" dirty="0">
+              <a:rPr lang="en" sz="800">
                 <a:solidFill>
                   <a:srgbClr val="ECECF1"/>
                 </a:solidFill>
@@ -44987,7 +44601,7 @@
               <a:t> </a:t>
             </a:r>
             <a:r>
-              <a:rPr lang="en" sz="800" dirty="0" err="1">
+              <a:rPr lang="en" sz="800" err="1">
                 <a:solidFill>
                   <a:srgbClr val="ECECF1"/>
                 </a:solidFill>
@@ -44996,7 +44610,7 @@
               <a:t>nivou</a:t>
             </a:r>
             <a:r>
-              <a:rPr lang="en" sz="800" dirty="0">
+              <a:rPr lang="en" sz="800">
                 <a:solidFill>
                   <a:srgbClr val="ECECF1"/>
                 </a:solidFill>
@@ -45005,7 +44619,7 @@
               <a:t>, </a:t>
             </a:r>
             <a:r>
-              <a:rPr lang="en" sz="800" dirty="0" err="1">
+              <a:rPr lang="en" sz="800" err="1">
                 <a:solidFill>
                   <a:srgbClr val="ECECF1"/>
                 </a:solidFill>
@@ -45014,7 +44628,7 @@
               <a:t>sve</a:t>
             </a:r>
             <a:r>
-              <a:rPr lang="en" sz="800" dirty="0">
+              <a:rPr lang="en" sz="800">
                 <a:solidFill>
                   <a:srgbClr val="ECECF1"/>
                 </a:solidFill>
@@ -45023,7 +44637,7 @@
               <a:t> </a:t>
             </a:r>
             <a:r>
-              <a:rPr lang="en" sz="800" dirty="0" err="1">
+              <a:rPr lang="en" sz="800" err="1">
                 <a:solidFill>
                   <a:srgbClr val="ECECF1"/>
                 </a:solidFill>
@@ -45032,7 +44646,7 @@
               <a:t>dok</a:t>
             </a:r>
             <a:r>
-              <a:rPr lang="en" sz="800" dirty="0">
+              <a:rPr lang="en" sz="800">
                 <a:solidFill>
                   <a:srgbClr val="ECECF1"/>
                 </a:solidFill>
@@ -45041,7 +44655,7 @@
               <a:t> se ne </a:t>
             </a:r>
             <a:r>
-              <a:rPr lang="en" sz="800" dirty="0" err="1">
+              <a:rPr lang="en" sz="800" err="1">
                 <a:solidFill>
                   <a:srgbClr val="ECECF1"/>
                 </a:solidFill>
@@ -45050,7 +44664,7 @@
               <a:t>stigne</a:t>
             </a:r>
             <a:r>
-              <a:rPr lang="en" sz="800" dirty="0">
+              <a:rPr lang="en" sz="800">
                 <a:solidFill>
                   <a:srgbClr val="ECECF1"/>
                 </a:solidFill>
@@ -45059,7 +44673,7 @@
               <a:t> do </a:t>
             </a:r>
             <a:r>
-              <a:rPr lang="en" sz="800" dirty="0" err="1">
+              <a:rPr lang="en" sz="800" err="1">
                 <a:solidFill>
                   <a:srgbClr val="ECECF1"/>
                 </a:solidFill>
@@ -45068,7 +44682,7 @@
               <a:t>najnižeg</a:t>
             </a:r>
             <a:r>
-              <a:rPr lang="en" sz="800" dirty="0">
+              <a:rPr lang="en" sz="800">
                 <a:solidFill>
                   <a:srgbClr val="ECECF1"/>
                 </a:solidFill>
@@ -45077,7 +44691,7 @@
               <a:t> </a:t>
             </a:r>
             <a:r>
-              <a:rPr lang="en" sz="800" dirty="0" err="1">
+              <a:rPr lang="en" sz="800" err="1">
                 <a:solidFill>
                   <a:srgbClr val="ECECF1"/>
                 </a:solidFill>
@@ -45086,7 +44700,7 @@
               <a:t>sloja</a:t>
             </a:r>
             <a:r>
-              <a:rPr lang="en" sz="800" dirty="0">
+              <a:rPr lang="en" sz="800">
                 <a:solidFill>
                   <a:srgbClr val="ECECF1"/>
                 </a:solidFill>
@@ -45094,7 +44708,7 @@
               </a:rPr>
               <a:t>.</a:t>
             </a:r>
-            <a:endParaRPr lang="en-US" dirty="0">
+            <a:endParaRPr lang="en-US">
               <a:latin typeface="PT Sans"/>
             </a:endParaRPr>
           </a:p>
@@ -45142,7 +44756,7 @@
               <a:t>Za </a:t>
             </a:r>
             <a:r>
-              <a:rPr lang="en-US" sz="800" err="1">
+              <a:rPr lang="en-US" sz="800" dirty="0" err="1">
                 <a:solidFill>
                   <a:schemeClr val="accent1"/>
                 </a:solidFill>
@@ -45160,7 +44774,7 @@
               <a:t> element koji se </a:t>
             </a:r>
             <a:r>
-              <a:rPr lang="en-US" sz="800" err="1">
+              <a:rPr lang="en-US" sz="800" dirty="0" err="1">
                 <a:solidFill>
                   <a:schemeClr val="accent1"/>
                 </a:solidFill>
@@ -45178,7 +44792,7 @@
               <a:t> se </a:t>
             </a:r>
             <a:r>
-              <a:rPr lang="en-US" sz="800" err="1">
+              <a:rPr lang="en-US" sz="800" dirty="0" err="1">
                 <a:solidFill>
                   <a:schemeClr val="accent1"/>
                 </a:solidFill>
@@ -45196,7 +44810,7 @@
               <a:t> </a:t>
             </a:r>
             <a:r>
-              <a:rPr lang="en-US" sz="800" err="1">
+              <a:rPr lang="en-US" sz="800" dirty="0" err="1">
                 <a:solidFill>
                   <a:schemeClr val="accent1"/>
                 </a:solidFill>
@@ -45214,7 +44828,7 @@
               <a:t> </a:t>
             </a:r>
             <a:r>
-              <a:rPr lang="en-US" sz="800" err="1">
+              <a:rPr lang="en-US" sz="800" dirty="0" err="1">
                 <a:solidFill>
                   <a:schemeClr val="accent1"/>
                 </a:solidFill>
@@ -45232,7 +44846,7 @@
               <a:t> </a:t>
             </a:r>
             <a:r>
-              <a:rPr lang="en-US" sz="800" err="1">
+              <a:rPr lang="en-US" sz="800" dirty="0" err="1">
                 <a:solidFill>
                   <a:schemeClr val="accent1"/>
                 </a:solidFill>
@@ -45268,7 +44882,7 @@
               <a:t> </a:t>
             </a:r>
             <a:r>
-              <a:rPr lang="en-US" sz="800" err="1">
+              <a:rPr lang="en-US" sz="800" dirty="0" err="1">
                 <a:solidFill>
                   <a:schemeClr val="accent1"/>
                 </a:solidFill>
@@ -45286,7 +44900,7 @@
               <a:t> </a:t>
             </a:r>
             <a:r>
-              <a:rPr lang="en-US" sz="800" err="1">
+              <a:rPr lang="en-US" sz="800" dirty="0" err="1">
                 <a:solidFill>
                   <a:schemeClr val="accent1"/>
                 </a:solidFill>
@@ -45304,7 +44918,7 @@
               <a:t> </a:t>
             </a:r>
             <a:r>
-              <a:rPr lang="en-US" sz="800" err="1">
+              <a:rPr lang="en-US" sz="800" dirty="0" err="1">
                 <a:solidFill>
                   <a:schemeClr val="accent1"/>
                 </a:solidFill>
@@ -45322,7 +44936,7 @@
               <a:t> se </a:t>
             </a:r>
             <a:r>
-              <a:rPr lang="en-US" sz="800" err="1">
+              <a:rPr lang="en-US" sz="800" dirty="0" err="1">
                 <a:solidFill>
                   <a:schemeClr val="accent1"/>
                 </a:solidFill>
@@ -45340,7 +44954,7 @@
               <a:t>. To se </a:t>
             </a:r>
             <a:r>
-              <a:rPr lang="en-US" sz="800" err="1">
+              <a:rPr lang="en-US" sz="800" dirty="0" err="1">
                 <a:solidFill>
                   <a:schemeClr val="accent1"/>
                 </a:solidFill>
@@ -45358,7 +44972,7 @@
               <a:t> </a:t>
             </a:r>
             <a:r>
-              <a:rPr lang="en-US" sz="800" err="1">
+              <a:rPr lang="en-US" sz="800" dirty="0" err="1">
                 <a:solidFill>
                   <a:schemeClr val="accent1"/>
                 </a:solidFill>
@@ -45394,7 +45008,7 @@
               <a:t> se </a:t>
             </a:r>
             <a:r>
-              <a:rPr lang="en-US" sz="800" err="1">
+              <a:rPr lang="en-US" sz="800" dirty="0" err="1">
                 <a:solidFill>
                   <a:schemeClr val="accent1"/>
                 </a:solidFill>
@@ -45412,7 +45026,7 @@
               <a:t> </a:t>
             </a:r>
             <a:r>
-              <a:rPr lang="en-US" sz="800" err="1">
+              <a:rPr lang="en-US" sz="800" dirty="0" err="1">
                 <a:solidFill>
                   <a:schemeClr val="accent1"/>
                 </a:solidFill>
@@ -45430,7 +45044,7 @@
               <a:t> </a:t>
             </a:r>
             <a:r>
-              <a:rPr lang="en-US" sz="800" err="1">
+              <a:rPr lang="en-US" sz="800" dirty="0" err="1">
                 <a:solidFill>
                   <a:schemeClr val="accent1"/>
                 </a:solidFill>
@@ -45448,7 +45062,7 @@
               <a:t> </a:t>
             </a:r>
             <a:r>
-              <a:rPr lang="en-US" sz="800" err="1">
+              <a:rPr lang="en-US" sz="800" dirty="0" err="1">
                 <a:solidFill>
                   <a:schemeClr val="accent1"/>
                 </a:solidFill>
@@ -45466,7 +45080,7 @@
               <a:t> </a:t>
             </a:r>
             <a:r>
-              <a:rPr lang="en-US" sz="800" err="1">
+              <a:rPr lang="en-US" sz="800" dirty="0" err="1">
                 <a:solidFill>
                   <a:schemeClr val="accent1"/>
                 </a:solidFill>
@@ -45484,7 +45098,7 @@
               <a:t> (</a:t>
             </a:r>
             <a:r>
-              <a:rPr lang="en-US" sz="800" err="1">
+              <a:rPr lang="en-US" sz="800" dirty="0" err="1">
                 <a:solidFill>
                   <a:schemeClr val="accent1"/>
                 </a:solidFill>
@@ -45502,7 +45116,7 @@
               <a:t>  pa-</a:t>
             </a:r>
             <a:r>
-              <a:rPr lang="en-US" sz="800" err="1">
+              <a:rPr lang="en-US" sz="800" dirty="0" err="1">
                 <a:solidFill>
                   <a:schemeClr val="accent1"/>
                 </a:solidFill>
@@ -45520,7 +45134,7 @@
               <a:t> koji </a:t>
             </a:r>
             <a:r>
-              <a:rPr lang="en-US" sz="800" err="1">
+              <a:rPr lang="en-US" sz="800" dirty="0" err="1">
                 <a:solidFill>
                   <a:schemeClr val="accent1"/>
                 </a:solidFill>
@@ -45538,7 +45152,7 @@
               <a:t> </a:t>
             </a:r>
             <a:r>
-              <a:rPr lang="en-US" sz="800" err="1">
+              <a:rPr lang="en-US" sz="800" dirty="0" err="1">
                 <a:solidFill>
                   <a:schemeClr val="accent1"/>
                 </a:solidFill>
@@ -45556,7 +45170,7 @@
               <a:t> </a:t>
             </a:r>
             <a:r>
-              <a:rPr lang="en-US" sz="800" err="1">
+              <a:rPr lang="en-US" sz="800" dirty="0" err="1">
                 <a:solidFill>
                   <a:schemeClr val="accent1"/>
                 </a:solidFill>
@@ -45574,7 +45188,7 @@
               <a:t> </a:t>
             </a:r>
             <a:r>
-              <a:rPr lang="en-US" sz="800" err="1">
+              <a:rPr lang="en-US" sz="800" dirty="0" err="1">
                 <a:solidFill>
                   <a:schemeClr val="accent1"/>
                 </a:solidFill>
@@ -45592,7 +45206,7 @@
               <a:t> po </a:t>
             </a:r>
             <a:r>
-              <a:rPr lang="en-US" sz="800" err="1">
+              <a:rPr lang="en-US" sz="800" dirty="0" err="1">
                 <a:solidFill>
                   <a:schemeClr val="accent1"/>
                 </a:solidFill>
@@ -45653,7 +45267,7 @@
           <a:p>
             <a:pPr algn="just"/>
             <a:r>
-              <a:rPr lang="en-US" sz="800" dirty="0" err="1">
+              <a:rPr lang="en-US" sz="800" err="1">
                 <a:solidFill>
                   <a:schemeClr val="accent1"/>
                 </a:solidFill>
@@ -45662,7 +45276,7 @@
               <a:t>Zatim</a:t>
             </a:r>
             <a:r>
-              <a:rPr lang="en-US" sz="800" dirty="0">
+              <a:rPr lang="en-US" sz="800">
                 <a:solidFill>
                   <a:schemeClr val="accent1"/>
                 </a:solidFill>
@@ -45671,7 +45285,7 @@
               <a:t> </a:t>
             </a:r>
             <a:r>
-              <a:rPr lang="en-US" sz="800" dirty="0" err="1">
+              <a:rPr lang="en-US" sz="800" err="1">
                 <a:solidFill>
                   <a:schemeClr val="accent1"/>
                 </a:solidFill>
@@ -45680,7 +45294,7 @@
               <a:t>sledi</a:t>
             </a:r>
             <a:r>
-              <a:rPr lang="en-US" sz="800" dirty="0">
+              <a:rPr lang="en-US" sz="800">
                 <a:solidFill>
                   <a:schemeClr val="accent1"/>
                 </a:solidFill>
@@ -45689,7 +45303,7 @@
               <a:t> </a:t>
             </a:r>
             <a:r>
-              <a:rPr lang="en-US" sz="800" dirty="0" err="1">
+              <a:rPr lang="en-US" sz="800" err="1">
                 <a:solidFill>
                   <a:schemeClr val="accent1"/>
                 </a:solidFill>
@@ -45698,7 +45312,7 @@
               <a:t>pretraga</a:t>
             </a:r>
             <a:r>
-              <a:rPr lang="en-US" sz="800" dirty="0">
+              <a:rPr lang="en-US" sz="800">
                 <a:solidFill>
                   <a:schemeClr val="accent1"/>
                 </a:solidFill>
@@ -45707,7 +45321,7 @@
               <a:t> za </a:t>
             </a:r>
             <a:r>
-              <a:rPr lang="en-US" sz="800" dirty="0" err="1">
+              <a:rPr lang="en-US" sz="800" err="1">
                 <a:solidFill>
                   <a:schemeClr val="accent1"/>
                 </a:solidFill>
@@ -45716,7 +45330,7 @@
               <a:t>najbližim</a:t>
             </a:r>
             <a:r>
-              <a:rPr lang="en-US" sz="800" dirty="0">
+              <a:rPr lang="en-US" sz="800">
                 <a:solidFill>
                   <a:schemeClr val="accent1"/>
                 </a:solidFill>
@@ -45725,7 +45339,7 @@
               <a:t> </a:t>
             </a:r>
             <a:r>
-              <a:rPr lang="en-US" sz="800" dirty="0" err="1">
+              <a:rPr lang="en-US" sz="800" err="1">
                 <a:solidFill>
                   <a:schemeClr val="accent1"/>
                 </a:solidFill>
@@ -45734,7 +45348,7 @@
               <a:t>susedima</a:t>
             </a:r>
             <a:r>
-              <a:rPr lang="en-US" sz="800" dirty="0">
+              <a:rPr lang="en-US" sz="800">
                 <a:solidFill>
                   <a:schemeClr val="accent1"/>
                 </a:solidFill>
@@ -45743,7 +45357,7 @@
               <a:t> </a:t>
             </a:r>
             <a:r>
-              <a:rPr lang="en-US" sz="800" dirty="0" err="1">
+              <a:rPr lang="en-US" sz="800" err="1">
                 <a:solidFill>
                   <a:schemeClr val="accent1"/>
                 </a:solidFill>
@@ -45752,7 +45366,7 @@
               <a:t>elementa</a:t>
             </a:r>
             <a:r>
-              <a:rPr lang="en-US" sz="800" dirty="0">
+              <a:rPr lang="en-US" sz="800">
                 <a:solidFill>
                   <a:schemeClr val="accent1"/>
                 </a:solidFill>
@@ -45761,7 +45375,7 @@
               <a:t> </a:t>
             </a:r>
             <a:r>
-              <a:rPr lang="en-US" sz="800" i="1" dirty="0">
+              <a:rPr lang="en-US" sz="800" i="1">
                 <a:solidFill>
                   <a:schemeClr val="accent1"/>
                 </a:solidFill>
@@ -45770,7 +45384,7 @@
               <a:t>q</a:t>
             </a:r>
             <a:r>
-              <a:rPr lang="en-US" sz="800" dirty="0">
+              <a:rPr lang="en-US" sz="800">
                 <a:solidFill>
                   <a:schemeClr val="accent1"/>
                 </a:solidFill>
@@ -45779,7 +45393,7 @@
               <a:t> koji se </a:t>
             </a:r>
             <a:r>
-              <a:rPr lang="en-US" sz="800" dirty="0" err="1">
+              <a:rPr lang="en-US" sz="800" err="1">
                 <a:solidFill>
                   <a:schemeClr val="accent1"/>
                 </a:solidFill>
@@ -45788,7 +45402,7 @@
               <a:t>dodaje</a:t>
             </a:r>
             <a:r>
-              <a:rPr lang="en-US" sz="800" dirty="0">
+              <a:rPr lang="en-US" sz="800">
                 <a:solidFill>
                   <a:schemeClr val="accent1"/>
                 </a:solidFill>
@@ -45796,7 +45410,7 @@
               </a:rPr>
               <a:t>.</a:t>
             </a:r>
-            <a:endParaRPr lang="en-US" dirty="0">
+            <a:endParaRPr lang="en-US">
               <a:solidFill>
                 <a:schemeClr val="accent1"/>
               </a:solidFill>
@@ -45847,7 +45461,7 @@
               <a:t>U </a:t>
             </a:r>
             <a:r>
-              <a:rPr lang="en-US" sz="800" err="1">
+              <a:rPr lang="en-US" sz="800" dirty="0" err="1">
                 <a:solidFill>
                   <a:schemeClr val="accent1"/>
                 </a:solidFill>
@@ -45865,7 +45479,7 @@
               <a:t> </a:t>
             </a:r>
             <a:r>
-              <a:rPr lang="en-US" sz="800" err="1">
+              <a:rPr lang="en-US" sz="800" dirty="0" err="1">
                 <a:solidFill>
                   <a:schemeClr val="accent1"/>
                 </a:solidFill>
@@ -45883,7 +45497,7 @@
               <a:t> </a:t>
             </a:r>
             <a:r>
-              <a:rPr lang="en-US" sz="800" err="1">
+              <a:rPr lang="en-US" sz="800" dirty="0" err="1">
                 <a:solidFill>
                   <a:schemeClr val="accent1"/>
                 </a:solidFill>
@@ -45901,7 +45515,7 @@
               <a:t> se </a:t>
             </a:r>
             <a:r>
-              <a:rPr lang="en-US" sz="800" err="1">
+              <a:rPr lang="en-US" sz="800" dirty="0" err="1">
                 <a:solidFill>
                   <a:schemeClr val="accent1"/>
                 </a:solidFill>
@@ -45919,7 +45533,7 @@
               <a:t> od </a:t>
             </a:r>
             <a:r>
-              <a:rPr lang="en-US" sz="800" err="1">
+              <a:rPr lang="en-US" sz="800" dirty="0" err="1">
                 <a:solidFill>
                   <a:schemeClr val="accent1"/>
                 </a:solidFill>
@@ -45937,7 +45551,7 @@
               <a:t> </a:t>
             </a:r>
             <a:r>
-              <a:rPr lang="en-US" sz="800" err="1">
+              <a:rPr lang="en-US" sz="800" dirty="0" err="1">
                 <a:solidFill>
                   <a:schemeClr val="accent1"/>
                 </a:solidFill>
@@ -45955,7 +45569,7 @@
               <a:t> </a:t>
             </a:r>
             <a:r>
-              <a:rPr lang="en-US" sz="800" err="1">
+              <a:rPr lang="en-US" sz="800" dirty="0" err="1">
                 <a:solidFill>
                   <a:schemeClr val="accent1"/>
                 </a:solidFill>
@@ -45991,7 +45605,7 @@
               <a:t> (</a:t>
             </a:r>
             <a:r>
-              <a:rPr lang="en-US" sz="800" err="1">
+              <a:rPr lang="en-US" sz="800" dirty="0" err="1">
                 <a:solidFill>
                   <a:schemeClr val="accent1"/>
                 </a:solidFill>
@@ -46009,7 +45623,7 @@
               <a:t> je on </a:t>
             </a:r>
             <a:r>
-              <a:rPr lang="en-US" sz="800" err="1">
+              <a:rPr lang="en-US" sz="800" dirty="0" err="1">
                 <a:solidFill>
                   <a:schemeClr val="accent1"/>
                 </a:solidFill>
@@ -46027,7 +45641,7 @@
               <a:t> </a:t>
             </a:r>
             <a:r>
-              <a:rPr lang="en-US" sz="800" err="1">
+              <a:rPr lang="en-US" sz="800" dirty="0" err="1">
                 <a:solidFill>
                   <a:schemeClr val="accent1"/>
                 </a:solidFill>
@@ -46045,7 +45659,7 @@
               <a:t> </a:t>
             </a:r>
             <a:r>
-              <a:rPr lang="en-US" sz="800" err="1">
+              <a:rPr lang="en-US" sz="800" dirty="0" err="1">
                 <a:solidFill>
                   <a:schemeClr val="accent1"/>
                 </a:solidFill>
@@ -46063,7 +45677,7 @@
               <a:t>) </a:t>
             </a:r>
             <a:r>
-              <a:rPr lang="en-US" sz="800" err="1">
+              <a:rPr lang="en-US" sz="800" dirty="0" err="1">
                 <a:solidFill>
                   <a:schemeClr val="accent1"/>
                 </a:solidFill>
@@ -46081,7 +45695,7 @@
               <a:t> ide ka </a:t>
             </a:r>
             <a:r>
-              <a:rPr lang="en-US" sz="800" err="1">
+              <a:rPr lang="en-US" sz="800" dirty="0" err="1">
                 <a:solidFill>
                   <a:schemeClr val="accent1"/>
                 </a:solidFill>
@@ -46099,7 +45713,7 @@
               <a:t> </a:t>
             </a:r>
             <a:r>
-              <a:rPr lang="en-US" sz="800" err="1">
+              <a:rPr lang="en-US" sz="800" dirty="0" err="1">
                 <a:solidFill>
                   <a:schemeClr val="accent1"/>
                 </a:solidFill>
@@ -46117,7 +45731,7 @@
               <a:t>, </a:t>
             </a:r>
             <a:r>
-              <a:rPr lang="en-US" sz="800" err="1">
+              <a:rPr lang="en-US" sz="800" dirty="0" err="1">
                 <a:solidFill>
                   <a:schemeClr val="accent1"/>
                 </a:solidFill>
@@ -46135,7 +45749,7 @@
               <a:t> </a:t>
             </a:r>
             <a:r>
-              <a:rPr lang="en-US" sz="800" err="1">
+              <a:rPr lang="en-US" sz="800" dirty="0" err="1">
                 <a:solidFill>
                   <a:schemeClr val="accent1"/>
                 </a:solidFill>
@@ -46153,7 +45767,7 @@
               <a:t> </a:t>
             </a:r>
             <a:r>
-              <a:rPr lang="en-US" sz="800" err="1">
+              <a:rPr lang="en-US" sz="800" dirty="0" err="1">
                 <a:solidFill>
                   <a:schemeClr val="accent1"/>
                 </a:solidFill>
@@ -46171,7 +45785,7 @@
               <a:t> </a:t>
             </a:r>
             <a:r>
-              <a:rPr lang="en-US" sz="800" err="1">
+              <a:rPr lang="en-US" sz="800" dirty="0" err="1">
                 <a:solidFill>
                   <a:schemeClr val="accent1"/>
                 </a:solidFill>
@@ -46189,7 +45803,7 @@
               <a:t> od </a:t>
             </a:r>
             <a:r>
-              <a:rPr lang="en-US" sz="800" err="1">
+              <a:rPr lang="en-US" sz="800" dirty="0" err="1">
                 <a:solidFill>
                   <a:schemeClr val="accent1"/>
                 </a:solidFill>
@@ -46207,7 +45821,7 @@
               <a:t> </a:t>
             </a:r>
             <a:r>
-              <a:rPr lang="en-US" sz="800" err="1">
+              <a:rPr lang="en-US" sz="800" dirty="0" err="1">
                 <a:solidFill>
                   <a:schemeClr val="accent1"/>
                 </a:solidFill>
@@ -46225,7 +45839,7 @@
               <a:t> u </a:t>
             </a:r>
             <a:r>
-              <a:rPr lang="en-US" sz="800" err="1">
+              <a:rPr lang="en-US" sz="800" dirty="0" err="1">
                 <a:solidFill>
                   <a:schemeClr val="accent1"/>
                 </a:solidFill>
@@ -46243,7 +45857,7 @@
               <a:t> </a:t>
             </a:r>
             <a:r>
-              <a:rPr lang="en-US" sz="800" err="1">
+              <a:rPr lang="en-US" sz="800" dirty="0" err="1">
                 <a:solidFill>
                   <a:schemeClr val="accent1"/>
                 </a:solidFill>
@@ -46279,7 +45893,7 @@
               <a:t> </a:t>
             </a:r>
             <a:r>
-              <a:rPr lang="en-US" sz="800" err="1">
+              <a:rPr lang="en-US" sz="800" dirty="0" err="1">
                 <a:solidFill>
                   <a:schemeClr val="accent1"/>
                 </a:solidFill>
@@ -46297,7 +45911,7 @@
               <a:t> </a:t>
             </a:r>
             <a:r>
-              <a:rPr lang="en-US" sz="800" err="1">
+              <a:rPr lang="en-US" sz="800" dirty="0" err="1">
                 <a:solidFill>
                   <a:schemeClr val="accent1"/>
                 </a:solidFill>
@@ -46315,7 +45929,7 @@
               <a:t> </a:t>
             </a:r>
             <a:r>
-              <a:rPr lang="en-US" sz="800" err="1">
+              <a:rPr lang="en-US" sz="800" dirty="0" err="1">
                 <a:solidFill>
                   <a:schemeClr val="accent1"/>
                 </a:solidFill>
@@ -46333,7 +45947,7 @@
               <a:t>, </a:t>
             </a:r>
             <a:r>
-              <a:rPr lang="en-US" sz="800" err="1">
+              <a:rPr lang="en-US" sz="800" dirty="0" err="1">
                 <a:solidFill>
                   <a:schemeClr val="accent1"/>
                 </a:solidFill>
@@ -46369,7 +45983,7 @@
               <a:t> se </a:t>
             </a:r>
             <a:r>
-              <a:rPr lang="en-US" sz="800" err="1">
+              <a:rPr lang="en-US" sz="800" dirty="0" err="1">
                 <a:solidFill>
                   <a:schemeClr val="accent1"/>
                 </a:solidFill>
@@ -46387,7 +46001,7 @@
               <a:t> </a:t>
             </a:r>
             <a:r>
-              <a:rPr lang="en-US" sz="800" err="1">
+              <a:rPr lang="en-US" sz="800" dirty="0" err="1">
                 <a:solidFill>
                   <a:schemeClr val="accent1"/>
                 </a:solidFill>
@@ -46405,7 +46019,7 @@
               <a:t> </a:t>
             </a:r>
             <a:r>
-              <a:rPr lang="en-US" sz="800" err="1">
+              <a:rPr lang="en-US" sz="800" dirty="0" err="1">
                 <a:solidFill>
                   <a:schemeClr val="accent1"/>
                 </a:solidFill>
@@ -46423,7 +46037,7 @@
               <a:t> </a:t>
             </a:r>
             <a:r>
-              <a:rPr lang="en-US" sz="800" err="1">
+              <a:rPr lang="en-US" sz="800" dirty="0" err="1">
                 <a:solidFill>
                   <a:schemeClr val="accent1"/>
                 </a:solidFill>
@@ -46441,7 +46055,7 @@
               <a:t> </a:t>
             </a:r>
             <a:r>
-              <a:rPr lang="en-US" sz="800" err="1">
+              <a:rPr lang="en-US" sz="800" dirty="0" err="1">
                 <a:solidFill>
                   <a:schemeClr val="accent1"/>
                 </a:solidFill>
@@ -46500,7 +46114,7 @@
           <a:p>
             <a:pPr algn="just"/>
             <a:r>
-              <a:rPr lang="en" sz="800" dirty="0" err="1">
+              <a:rPr lang="en" sz="800" err="1">
                 <a:solidFill>
                   <a:srgbClr val="ECECF1"/>
                 </a:solidFill>
@@ -46509,7 +46123,7 @@
               <a:t>Zatim</a:t>
             </a:r>
             <a:r>
-              <a:rPr lang="en" sz="800" dirty="0">
+              <a:rPr lang="en" sz="800">
                 <a:solidFill>
                   <a:srgbClr val="ECECF1"/>
                 </a:solidFill>
@@ -46518,7 +46132,7 @@
               <a:t> se </a:t>
             </a:r>
             <a:r>
-              <a:rPr lang="en" sz="800" dirty="0" err="1">
+              <a:rPr lang="en" sz="800" err="1">
                 <a:solidFill>
                   <a:srgbClr val="ECECF1"/>
                 </a:solidFill>
@@ -46527,7 +46141,7 @@
               <a:t>kreiraju</a:t>
             </a:r>
             <a:r>
-              <a:rPr lang="en" sz="800" dirty="0">
+              <a:rPr lang="en" sz="800">
                 <a:solidFill>
                   <a:srgbClr val="ECECF1"/>
                 </a:solidFill>
@@ -46536,7 +46150,7 @@
               <a:t> </a:t>
             </a:r>
             <a:r>
-              <a:rPr lang="en" sz="800" dirty="0" err="1">
+              <a:rPr lang="en" sz="800" err="1">
                 <a:solidFill>
                   <a:srgbClr val="ECECF1"/>
                 </a:solidFill>
@@ -46545,7 +46159,7 @@
               <a:t>grane</a:t>
             </a:r>
             <a:r>
-              <a:rPr lang="en" sz="800" dirty="0">
+              <a:rPr lang="en" sz="800">
                 <a:solidFill>
                   <a:srgbClr val="ECECF1"/>
                 </a:solidFill>
@@ -46554,7 +46168,7 @@
               <a:t> od </a:t>
             </a:r>
             <a:r>
-              <a:rPr lang="en" sz="800" i="1" dirty="0">
+              <a:rPr lang="en" sz="800" i="1">
                 <a:solidFill>
                   <a:srgbClr val="ECECF1"/>
                 </a:solidFill>
@@ -46563,7 +46177,7 @@
               <a:t>q</a:t>
             </a:r>
             <a:r>
-              <a:rPr lang="en" sz="800" dirty="0">
+              <a:rPr lang="en" sz="800">
                 <a:solidFill>
                   <a:srgbClr val="ECECF1"/>
                 </a:solidFill>
@@ -46572,7 +46186,7 @@
               <a:t> ka </a:t>
             </a:r>
             <a:r>
-              <a:rPr lang="en" sz="800" dirty="0" err="1">
+              <a:rPr lang="en" sz="800" err="1">
                 <a:solidFill>
                   <a:srgbClr val="ECECF1"/>
                 </a:solidFill>
@@ -46581,7 +46195,7 @@
               <a:t>pronađenim</a:t>
             </a:r>
             <a:r>
-              <a:rPr lang="en" sz="800" dirty="0">
+              <a:rPr lang="en" sz="800">
                 <a:solidFill>
                   <a:srgbClr val="ECECF1"/>
                 </a:solidFill>
@@ -46590,7 +46204,7 @@
               <a:t> </a:t>
             </a:r>
             <a:r>
-              <a:rPr lang="en" sz="800" dirty="0" err="1">
+              <a:rPr lang="en" sz="800" err="1">
                 <a:solidFill>
                   <a:srgbClr val="ECECF1"/>
                 </a:solidFill>
@@ -46599,7 +46213,7 @@
               <a:t>susedima</a:t>
             </a:r>
             <a:r>
-              <a:rPr lang="en" sz="800" dirty="0">
+              <a:rPr lang="en" sz="800">
                 <a:solidFill>
                   <a:srgbClr val="ECECF1"/>
                 </a:solidFill>
@@ -46608,7 +46222,7 @@
               <a:t> u </a:t>
             </a:r>
             <a:r>
-              <a:rPr lang="en" sz="800" dirty="0" err="1">
+              <a:rPr lang="en" sz="800" err="1">
                 <a:solidFill>
                   <a:srgbClr val="ECECF1"/>
                 </a:solidFill>
@@ -46617,7 +46231,7 @@
               <a:t>trenutnom</a:t>
             </a:r>
             <a:r>
-              <a:rPr lang="en" sz="800" dirty="0">
+              <a:rPr lang="en" sz="800">
                 <a:solidFill>
                   <a:srgbClr val="ECECF1"/>
                 </a:solidFill>
@@ -46626,7 +46240,7 @@
               <a:t> </a:t>
             </a:r>
             <a:r>
-              <a:rPr lang="en" sz="800" dirty="0" err="1">
+              <a:rPr lang="en" sz="800" err="1">
                 <a:solidFill>
                   <a:srgbClr val="ECECF1"/>
                 </a:solidFill>
@@ -46635,7 +46249,7 @@
               <a:t>sloju</a:t>
             </a:r>
             <a:r>
-              <a:rPr lang="en" sz="800" dirty="0">
+              <a:rPr lang="en" sz="800">
                 <a:solidFill>
                   <a:srgbClr val="ECECF1"/>
                 </a:solidFill>
@@ -46644,7 +46258,7 @@
               <a:t> (</a:t>
             </a:r>
             <a:r>
-              <a:rPr lang="en" sz="800" dirty="0" err="1">
+              <a:rPr lang="en" sz="800" err="1">
                 <a:solidFill>
                   <a:srgbClr val="ECECF1"/>
                 </a:solidFill>
@@ -46653,7 +46267,7 @@
               <a:t>pri</a:t>
             </a:r>
             <a:r>
-              <a:rPr lang="en" sz="800" dirty="0">
+              <a:rPr lang="en" sz="800">
                 <a:solidFill>
                   <a:srgbClr val="ECECF1"/>
                 </a:solidFill>
@@ -46662,7 +46276,7 @@
               <a:t> </a:t>
             </a:r>
             <a:r>
-              <a:rPr lang="en" sz="800" dirty="0" err="1">
+              <a:rPr lang="en" sz="800" err="1">
                 <a:solidFill>
                   <a:srgbClr val="ECECF1"/>
                 </a:solidFill>
@@ -46671,7 +46285,7 @@
               <a:t>čemu</a:t>
             </a:r>
             <a:r>
-              <a:rPr lang="en" sz="800" dirty="0">
+              <a:rPr lang="en" sz="800">
                 <a:solidFill>
                   <a:srgbClr val="ECECF1"/>
                 </a:solidFill>
@@ -46680,7 +46294,7 @@
               <a:t> se </a:t>
             </a:r>
             <a:r>
-              <a:rPr lang="en" sz="800" dirty="0" err="1">
+              <a:rPr lang="en" sz="800" err="1">
                 <a:solidFill>
                   <a:srgbClr val="ECECF1"/>
                 </a:solidFill>
@@ -46689,7 +46303,7 @@
               <a:t>vodi</a:t>
             </a:r>
             <a:r>
-              <a:rPr lang="en" sz="800" dirty="0">
+              <a:rPr lang="en" sz="800">
                 <a:solidFill>
                   <a:srgbClr val="ECECF1"/>
                 </a:solidFill>
@@ -46698,7 +46312,7 @@
               <a:t> </a:t>
             </a:r>
             <a:r>
-              <a:rPr lang="en" sz="800" dirty="0" err="1">
+              <a:rPr lang="en" sz="800" err="1">
                 <a:solidFill>
                   <a:srgbClr val="ECECF1"/>
                 </a:solidFill>
@@ -46707,7 +46321,7 @@
               <a:t>računa</a:t>
             </a:r>
             <a:r>
-              <a:rPr lang="en" sz="800" dirty="0">
+              <a:rPr lang="en" sz="800">
                 <a:solidFill>
                   <a:srgbClr val="ECECF1"/>
                 </a:solidFill>
@@ -46716,7 +46330,7 @@
               <a:t> o </a:t>
             </a:r>
             <a:r>
-              <a:rPr lang="en" sz="800" dirty="0" err="1">
+              <a:rPr lang="en" sz="800" err="1">
                 <a:solidFill>
                   <a:srgbClr val="ECECF1"/>
                 </a:solidFill>
@@ -46725,7 +46339,7 @@
               <a:t>maksimalnom</a:t>
             </a:r>
             <a:r>
-              <a:rPr lang="en" sz="800" dirty="0">
+              <a:rPr lang="en" sz="800">
                 <a:solidFill>
                   <a:srgbClr val="ECECF1"/>
                 </a:solidFill>
@@ -46734,7 +46348,7 @@
               <a:t> </a:t>
             </a:r>
             <a:r>
-              <a:rPr lang="en" sz="800" dirty="0" err="1">
+              <a:rPr lang="en" sz="800" err="1">
                 <a:solidFill>
                   <a:srgbClr val="ECECF1"/>
                 </a:solidFill>
@@ -46743,7 +46357,7 @@
               <a:t>dozvoljenom</a:t>
             </a:r>
             <a:r>
-              <a:rPr lang="en" sz="800" dirty="0">
+              <a:rPr lang="en" sz="800">
                 <a:solidFill>
                   <a:srgbClr val="ECECF1"/>
                 </a:solidFill>
@@ -46752,7 +46366,7 @@
               <a:t> </a:t>
             </a:r>
             <a:r>
-              <a:rPr lang="en" sz="800" dirty="0" err="1">
+              <a:rPr lang="en" sz="800" err="1">
                 <a:solidFill>
                   <a:srgbClr val="ECECF1"/>
                 </a:solidFill>
@@ -46761,7 +46375,7 @@
               <a:t>broju</a:t>
             </a:r>
             <a:r>
-              <a:rPr lang="en" sz="800" dirty="0">
+              <a:rPr lang="en" sz="800">
                 <a:solidFill>
                   <a:srgbClr val="ECECF1"/>
                 </a:solidFill>
@@ -46770,7 +46384,7 @@
               <a:t> </a:t>
             </a:r>
             <a:r>
-              <a:rPr lang="en" sz="800" dirty="0" err="1">
+              <a:rPr lang="en" sz="800" err="1">
                 <a:solidFill>
                   <a:srgbClr val="ECECF1"/>
                 </a:solidFill>
@@ -46779,7 +46393,7 @@
               <a:t>konekcija</a:t>
             </a:r>
             <a:r>
-              <a:rPr lang="en" sz="800" dirty="0">
+              <a:rPr lang="en" sz="800">
                 <a:solidFill>
                   <a:srgbClr val="ECECF1"/>
                 </a:solidFill>
@@ -46788,7 +46402,7 @@
               <a:t> </a:t>
             </a:r>
             <a:r>
-              <a:rPr lang="en" sz="800" dirty="0" err="1">
+              <a:rPr lang="en" sz="800" err="1">
                 <a:solidFill>
                   <a:srgbClr val="ECECF1"/>
                 </a:solidFill>
@@ -46797,7 +46411,7 @@
               <a:t>koje</a:t>
             </a:r>
             <a:r>
-              <a:rPr lang="en" sz="800" dirty="0">
+              <a:rPr lang="en" sz="800">
                 <a:solidFill>
                   <a:srgbClr val="ECECF1"/>
                 </a:solidFill>
@@ -46806,7 +46420,7 @@
               <a:t> </a:t>
             </a:r>
             <a:r>
-              <a:rPr lang="en" sz="800" i="1" dirty="0">
+              <a:rPr lang="en" sz="800" i="1">
                 <a:solidFill>
                   <a:srgbClr val="ECECF1"/>
                 </a:solidFill>
@@ -46815,7 +46429,7 @@
               <a:t>q</a:t>
             </a:r>
             <a:r>
-              <a:rPr lang="en" sz="800" dirty="0">
+              <a:rPr lang="en" sz="800">
                 <a:solidFill>
                   <a:srgbClr val="ECECF1"/>
                 </a:solidFill>
@@ -46824,7 +46438,7 @@
               <a:t> </a:t>
             </a:r>
             <a:r>
-              <a:rPr lang="en" sz="800" dirty="0" err="1">
+              <a:rPr lang="en" sz="800" err="1">
                 <a:solidFill>
                   <a:srgbClr val="ECECF1"/>
                 </a:solidFill>
@@ -46833,7 +46447,7 @@
               <a:t>može</a:t>
             </a:r>
             <a:r>
-              <a:rPr lang="en" sz="800" dirty="0">
+              <a:rPr lang="en" sz="800">
                 <a:solidFill>
                   <a:srgbClr val="ECECF1"/>
                 </a:solidFill>
@@ -46842,7 +46456,7 @@
               <a:t> da </a:t>
             </a:r>
             <a:r>
-              <a:rPr lang="en" sz="800" dirty="0" err="1">
+              <a:rPr lang="en" sz="800" err="1">
                 <a:solidFill>
                   <a:srgbClr val="ECECF1"/>
                 </a:solidFill>
@@ -46851,7 +46465,7 @@
               <a:t>ima</a:t>
             </a:r>
             <a:r>
-              <a:rPr lang="en" sz="800" dirty="0">
+              <a:rPr lang="en" sz="800">
                 <a:solidFill>
                   <a:srgbClr val="ECECF1"/>
                 </a:solidFill>
@@ -46859,7 +46473,7 @@
               </a:rPr>
               <a:t>).</a:t>
             </a:r>
-            <a:endParaRPr lang="en-US" dirty="0">
+            <a:endParaRPr lang="en-US">
               <a:latin typeface="PT Sans"/>
             </a:endParaRPr>
           </a:p>
@@ -46898,7 +46512,7 @@
           <a:p>
             <a:pPr algn="just"/>
             <a:r>
-              <a:rPr lang="en" sz="800" dirty="0" err="1">
+              <a:rPr lang="en" sz="800" err="1">
                 <a:solidFill>
                   <a:srgbClr val="ECECF1"/>
                 </a:solidFill>
@@ -46907,7 +46521,7 @@
               <a:t>Ovime</a:t>
             </a:r>
             <a:r>
-              <a:rPr lang="en" sz="800" dirty="0">
+              <a:rPr lang="en" sz="800">
                 <a:solidFill>
                   <a:srgbClr val="ECECF1"/>
                 </a:solidFill>
@@ -46916,7 +46530,7 @@
               <a:t> se u </a:t>
             </a:r>
             <a:r>
-              <a:rPr lang="en" sz="800" dirty="0" err="1">
+              <a:rPr lang="en" sz="800" err="1">
                 <a:solidFill>
                   <a:srgbClr val="ECECF1"/>
                 </a:solidFill>
@@ -46925,7 +46539,7 @@
               <a:t>svakom</a:t>
             </a:r>
             <a:r>
-              <a:rPr lang="en" sz="800" dirty="0">
+              <a:rPr lang="en" sz="800">
                 <a:solidFill>
                   <a:srgbClr val="ECECF1"/>
                 </a:solidFill>
@@ -46934,7 +46548,7 @@
               <a:t> </a:t>
             </a:r>
             <a:r>
-              <a:rPr lang="en" sz="800" dirty="0" err="1">
+              <a:rPr lang="en" sz="800" err="1">
                 <a:solidFill>
                   <a:srgbClr val="ECECF1"/>
                 </a:solidFill>
@@ -46943,7 +46557,7 @@
               <a:t>sloju</a:t>
             </a:r>
             <a:r>
-              <a:rPr lang="en" sz="800" dirty="0">
+              <a:rPr lang="en" sz="800">
                 <a:solidFill>
                   <a:srgbClr val="ECECF1"/>
                 </a:solidFill>
@@ -46952,7 +46566,7 @@
               <a:t> </a:t>
             </a:r>
             <a:r>
-              <a:rPr lang="en" sz="800" dirty="0" err="1">
+              <a:rPr lang="en" sz="800" err="1">
                 <a:solidFill>
                   <a:srgbClr val="ECECF1"/>
                 </a:solidFill>
@@ -46961,7 +46575,7 @@
               <a:t>pronalazi</a:t>
             </a:r>
             <a:r>
-              <a:rPr lang="en" sz="800" dirty="0">
+              <a:rPr lang="en" sz="800">
                 <a:solidFill>
                   <a:srgbClr val="ECECF1"/>
                 </a:solidFill>
@@ -46970,7 +46584,7 @@
               <a:t> </a:t>
             </a:r>
             <a:r>
-              <a:rPr lang="en" sz="800" dirty="0" err="1">
+              <a:rPr lang="en" sz="800" err="1">
                 <a:solidFill>
                   <a:srgbClr val="ECECF1"/>
                 </a:solidFill>
@@ -46979,7 +46593,7 @@
               <a:t>definisani</a:t>
             </a:r>
             <a:r>
-              <a:rPr lang="en" sz="800" dirty="0">
+              <a:rPr lang="en" sz="800">
                 <a:solidFill>
                   <a:srgbClr val="ECECF1"/>
                 </a:solidFill>
@@ -46988,7 +46602,7 @@
               <a:t> </a:t>
             </a:r>
             <a:r>
-              <a:rPr lang="en" sz="800" dirty="0" err="1">
+              <a:rPr lang="en" sz="800" err="1">
                 <a:solidFill>
                   <a:srgbClr val="ECECF1"/>
                 </a:solidFill>
@@ -46997,7 +46611,7 @@
               <a:t>broj</a:t>
             </a:r>
             <a:r>
-              <a:rPr lang="en" sz="800" dirty="0">
+              <a:rPr lang="en" sz="800">
                 <a:solidFill>
                   <a:srgbClr val="ECECF1"/>
                 </a:solidFill>
@@ -47006,7 +46620,7 @@
               <a:t> </a:t>
             </a:r>
             <a:r>
-              <a:rPr lang="en" sz="800" dirty="0" err="1">
+              <a:rPr lang="en" sz="800" err="1">
                 <a:solidFill>
                   <a:srgbClr val="ECECF1"/>
                 </a:solidFill>
@@ -47015,7 +46629,7 @@
               <a:t>najbližih</a:t>
             </a:r>
             <a:r>
-              <a:rPr lang="en" sz="800" dirty="0">
+              <a:rPr lang="en" sz="800">
                 <a:solidFill>
                   <a:srgbClr val="ECECF1"/>
                 </a:solidFill>
@@ -47024,7 +46638,7 @@
               <a:t> </a:t>
             </a:r>
             <a:r>
-              <a:rPr lang="en" sz="800" dirty="0" err="1">
+              <a:rPr lang="en" sz="800" err="1">
                 <a:solidFill>
                   <a:srgbClr val="ECECF1"/>
                 </a:solidFill>
@@ -47033,7 +46647,7 @@
               <a:t>suseda</a:t>
             </a:r>
             <a:r>
-              <a:rPr lang="en" sz="800" dirty="0">
+              <a:rPr lang="en" sz="800">
                 <a:solidFill>
                   <a:srgbClr val="ECECF1"/>
                 </a:solidFill>
@@ -47042,7 +46656,7 @@
               <a:t> </a:t>
             </a:r>
             <a:r>
-              <a:rPr lang="en" sz="800" dirty="0" err="1">
+              <a:rPr lang="en" sz="800" err="1">
                 <a:solidFill>
                   <a:srgbClr val="ECECF1"/>
                 </a:solidFill>
@@ -47051,7 +46665,7 @@
               <a:t>čvoru</a:t>
             </a:r>
             <a:r>
-              <a:rPr lang="en" sz="800" dirty="0">
+              <a:rPr lang="en" sz="800">
                 <a:solidFill>
                   <a:srgbClr val="ECECF1"/>
                 </a:solidFill>
@@ -47060,7 +46674,7 @@
               <a:t> </a:t>
             </a:r>
             <a:r>
-              <a:rPr lang="en" sz="800" i="1" dirty="0">
+              <a:rPr lang="en" sz="800" i="1">
                 <a:solidFill>
                   <a:srgbClr val="ECECF1"/>
                 </a:solidFill>
@@ -47069,7 +46683,7 @@
               <a:t>q</a:t>
             </a:r>
             <a:r>
-              <a:rPr lang="en" sz="800" dirty="0">
+              <a:rPr lang="en" sz="800">
                 <a:solidFill>
                   <a:srgbClr val="ECECF1"/>
                 </a:solidFill>
@@ -47077,7 +46691,7 @@
               </a:rPr>
               <a:t>.</a:t>
             </a:r>
-            <a:endParaRPr lang="en-US" dirty="0">
+            <a:endParaRPr lang="en-US">
               <a:latin typeface="PT Sans"/>
             </a:endParaRPr>
           </a:p>
@@ -47310,7 +46924,7 @@
           <a:p>
             <a:pPr algn="just"/>
             <a:r>
-              <a:rPr lang="en-US" sz="800" dirty="0">
+              <a:rPr lang="en-US" sz="800">
                 <a:solidFill>
                   <a:schemeClr val="accent1"/>
                 </a:solidFill>
@@ -47319,7 +46933,7 @@
               <a:t>Prva </a:t>
             </a:r>
             <a:r>
-              <a:rPr lang="en-US" sz="800" dirty="0" err="1">
+              <a:rPr lang="en-US" sz="800" err="1">
                 <a:solidFill>
                   <a:schemeClr val="accent1"/>
                 </a:solidFill>
@@ -47328,7 +46942,7 @@
               <a:t>faza</a:t>
             </a:r>
             <a:r>
-              <a:rPr lang="en-US" sz="800" dirty="0">
+              <a:rPr lang="en-US" sz="800">
                 <a:solidFill>
                   <a:schemeClr val="accent1"/>
                 </a:solidFill>
@@ -47337,7 +46951,7 @@
               <a:t> </a:t>
             </a:r>
             <a:r>
-              <a:rPr lang="en-US" sz="800" dirty="0" err="1">
+              <a:rPr lang="en-US" sz="800" err="1">
                 <a:solidFill>
                   <a:schemeClr val="accent1"/>
                 </a:solidFill>
@@ -47346,7 +46960,7 @@
               <a:t>pretrage</a:t>
             </a:r>
             <a:r>
-              <a:rPr lang="en-US" sz="800" dirty="0">
+              <a:rPr lang="en-US" sz="800">
                 <a:solidFill>
                   <a:schemeClr val="accent1"/>
                 </a:solidFill>
@@ -47355,7 +46969,7 @@
               <a:t> ide od </a:t>
             </a:r>
             <a:r>
-              <a:rPr lang="en-US" sz="800" dirty="0" err="1">
+              <a:rPr lang="en-US" sz="800" err="1">
                 <a:solidFill>
                   <a:schemeClr val="accent1"/>
                 </a:solidFill>
@@ -47364,7 +46978,7 @@
               <a:t>najvišeg</a:t>
             </a:r>
             <a:r>
-              <a:rPr lang="en-US" sz="800" dirty="0">
+              <a:rPr lang="en-US" sz="800">
                 <a:solidFill>
                   <a:schemeClr val="accent1"/>
                 </a:solidFill>
@@ -47373,7 +46987,7 @@
               <a:t> </a:t>
             </a:r>
             <a:r>
-              <a:rPr lang="en-US" sz="800" dirty="0" err="1">
+              <a:rPr lang="en-US" sz="800" err="1">
                 <a:solidFill>
                   <a:schemeClr val="accent1"/>
                 </a:solidFill>
@@ -47382,7 +46996,7 @@
               <a:t>sloja</a:t>
             </a:r>
             <a:r>
-              <a:rPr lang="en-US" sz="800" dirty="0">
+              <a:rPr lang="en-US" sz="800">
                 <a:solidFill>
                   <a:schemeClr val="accent1"/>
                 </a:solidFill>
@@ -47391,7 +47005,7 @@
               <a:t> ka </a:t>
             </a:r>
             <a:r>
-              <a:rPr lang="en-US" sz="800" dirty="0" err="1">
+              <a:rPr lang="en-US" sz="800" err="1">
                 <a:solidFill>
                   <a:schemeClr val="accent1"/>
                 </a:solidFill>
@@ -47400,7 +47014,7 @@
               <a:t>odabranom</a:t>
             </a:r>
             <a:r>
-              <a:rPr lang="en-US" sz="800" dirty="0">
+              <a:rPr lang="en-US" sz="800">
                 <a:solidFill>
                   <a:schemeClr val="accent1"/>
                 </a:solidFill>
@@ -47409,7 +47023,7 @@
               <a:t> </a:t>
             </a:r>
             <a:r>
-              <a:rPr lang="en-US" sz="800" dirty="0" err="1">
+              <a:rPr lang="en-US" sz="800" err="1">
                 <a:solidFill>
                   <a:schemeClr val="accent1"/>
                 </a:solidFill>
@@ -47418,7 +47032,7 @@
               <a:t>sloju</a:t>
             </a:r>
             <a:r>
-              <a:rPr lang="en-US" sz="800" dirty="0">
+              <a:rPr lang="en-US" sz="800">
                 <a:solidFill>
                   <a:schemeClr val="accent1"/>
                 </a:solidFill>
@@ -47427,7 +47041,7 @@
               <a:t> </a:t>
             </a:r>
             <a:r>
-              <a:rPr lang="en-US" sz="800" i="1" dirty="0">
+              <a:rPr lang="en-US" sz="800" i="1">
                 <a:solidFill>
                   <a:schemeClr val="accent1"/>
                 </a:solidFill>
@@ -47436,7 +47050,7 @@
               <a:t>l</a:t>
             </a:r>
             <a:r>
-              <a:rPr lang="en-US" sz="800" dirty="0">
+              <a:rPr lang="en-US" sz="800">
                 <a:solidFill>
                   <a:schemeClr val="accent1"/>
                 </a:solidFill>
@@ -47445,7 +47059,7 @@
               <a:t>. </a:t>
             </a:r>
             <a:r>
-              <a:rPr lang="en-US" sz="800" dirty="0" err="1">
+              <a:rPr lang="en-US" sz="800" err="1">
                 <a:solidFill>
                   <a:schemeClr val="accent1"/>
                 </a:solidFill>
@@ -47454,7 +47068,7 @@
               <a:t>Ovime</a:t>
             </a:r>
             <a:r>
-              <a:rPr lang="en-US" sz="800" dirty="0">
+              <a:rPr lang="en-US" sz="800">
                 <a:solidFill>
                   <a:schemeClr val="accent1"/>
                 </a:solidFill>
@@ -47463,7 +47077,7 @@
               <a:t> se </a:t>
             </a:r>
             <a:r>
-              <a:rPr lang="en-US" sz="800" dirty="0" err="1">
+              <a:rPr lang="en-US" sz="800" err="1">
                 <a:solidFill>
                   <a:schemeClr val="accent1"/>
                 </a:solidFill>
@@ -47472,7 +47086,7 @@
               <a:t>dobija</a:t>
             </a:r>
             <a:r>
-              <a:rPr lang="en-US" sz="800" dirty="0">
+              <a:rPr lang="en-US" sz="800">
                 <a:solidFill>
                   <a:schemeClr val="accent1"/>
                 </a:solidFill>
@@ -47481,7 +47095,7 @@
               <a:t> </a:t>
             </a:r>
             <a:r>
-              <a:rPr lang="en-US" sz="800" dirty="0" err="1">
+              <a:rPr lang="en-US" sz="800" err="1">
                 <a:solidFill>
                   <a:schemeClr val="accent1"/>
                 </a:solidFill>
@@ -47490,7 +47104,7 @@
               <a:t>inicijalni</a:t>
             </a:r>
             <a:r>
-              <a:rPr lang="en-US" sz="800" dirty="0">
+              <a:rPr lang="en-US" sz="800">
                 <a:solidFill>
                   <a:schemeClr val="accent1"/>
                 </a:solidFill>
@@ -47499,7 +47113,7 @@
               <a:t> element koji je </a:t>
             </a:r>
             <a:r>
-              <a:rPr lang="en-US" sz="800" dirty="0" err="1">
+              <a:rPr lang="en-US" sz="800" err="1">
                 <a:solidFill>
                   <a:schemeClr val="accent1"/>
                 </a:solidFill>
@@ -47508,7 +47122,7 @@
               <a:t>najbliži</a:t>
             </a:r>
             <a:r>
-              <a:rPr lang="en-US" sz="800" dirty="0">
+              <a:rPr lang="en-US" sz="800">
                 <a:solidFill>
                   <a:schemeClr val="accent1"/>
                 </a:solidFill>
@@ -47517,7 +47131,7 @@
               <a:t> </a:t>
             </a:r>
             <a:r>
-              <a:rPr lang="en-US" sz="800" dirty="0" err="1">
+              <a:rPr lang="en-US" sz="800" err="1">
                 <a:solidFill>
                   <a:schemeClr val="accent1"/>
                 </a:solidFill>
@@ -47526,7 +47140,7 @@
               <a:t>čvoru</a:t>
             </a:r>
             <a:r>
-              <a:rPr lang="en-US" sz="800" i="1" dirty="0">
+              <a:rPr lang="en-US" sz="800" i="1">
                 <a:solidFill>
                   <a:schemeClr val="accent1"/>
                 </a:solidFill>
@@ -47535,7 +47149,7 @@
               <a:t> q</a:t>
             </a:r>
             <a:r>
-              <a:rPr lang="en-US" sz="800" dirty="0">
+              <a:rPr lang="en-US" sz="800">
                 <a:solidFill>
                   <a:schemeClr val="accent1"/>
                 </a:solidFill>
@@ -47543,7 +47157,7 @@
               </a:rPr>
               <a:t>.</a:t>
             </a:r>
-            <a:endParaRPr lang="en-US" dirty="0">
+            <a:endParaRPr lang="en-US">
               <a:solidFill>
                 <a:schemeClr val="accent1"/>
               </a:solidFill>
@@ -48995,7 +48609,7 @@
         <p:spPr>
           <a:xfrm>
             <a:off x="934102" y="1283926"/>
-            <a:ext cx="4187795" cy="2702929"/>
+            <a:ext cx="4181584" cy="2957619"/>
           </a:xfrm>
           <a:prstGeom prst="rect">
             <a:avLst/>
@@ -49015,19 +48629,19 @@
               <a:buChar char="•"/>
             </a:pPr>
             <a:r>
-              <a:rPr lang="sr-Latn-RS">
+              <a:rPr lang="sr-Latn-RS" dirty="0">
                 <a:cs typeface="Arial"/>
               </a:rPr>
               <a:t>Potreba za pronalaženjem sličnih entiteta u velikim skupo-</a:t>
             </a:r>
             <a:r>
-              <a:rPr lang="sr-Latn-RS" err="1">
+              <a:rPr lang="sr-Latn-RS" dirty="0" err="1">
                 <a:cs typeface="Arial"/>
               </a:rPr>
               <a:t>vima</a:t>
             </a:r>
             <a:r>
-              <a:rPr lang="sr-Latn-RS">
+              <a:rPr lang="sr-Latn-RS" dirty="0">
                 <a:cs typeface="Arial"/>
               </a:rPr>
               <a:t> podataka je prisutna u mnogim oblastima:</a:t>
@@ -49049,7 +48663,7 @@
               <a:buAutoNum type="arabicPeriod"/>
             </a:pPr>
             <a:r>
-              <a:rPr lang="sr-Latn-RS">
+              <a:rPr lang="sr-Latn-RS" dirty="0">
                 <a:cs typeface="Arial"/>
               </a:rPr>
               <a:t>Pretraživanje teksta</a:t>
@@ -49060,7 +48674,7 @@
               <a:buAutoNum type="arabicPeriod"/>
             </a:pPr>
             <a:r>
-              <a:rPr lang="sr-Latn-RS">
+              <a:rPr lang="sr-Latn-RS" dirty="0">
                 <a:cs typeface="Arial"/>
               </a:rPr>
               <a:t>Preporučivanje proizvoda</a:t>
@@ -49071,7 +48685,7 @@
               <a:buAutoNum type="arabicPeriod"/>
             </a:pPr>
             <a:r>
-              <a:rPr lang="sr-Latn-RS">
+              <a:rPr lang="sr-Latn-RS" dirty="0">
                 <a:cs typeface="Arial"/>
               </a:rPr>
               <a:t>Pretraživanje slika</a:t>
@@ -49082,25 +48696,11 @@
               <a:buAutoNum type="arabicPeriod"/>
             </a:pPr>
             <a:r>
-              <a:rPr lang="sr-Latn-RS">
+              <a:rPr lang="sr-Latn-RS" dirty="0">
                 <a:cs typeface="Arial"/>
               </a:rPr>
               <a:t>Prepoznavanje</a:t>
             </a:r>
-          </a:p>
-          <a:p>
-            <a:pPr marL="228600" lvl="0" indent="-228600" algn="just">
-              <a:spcBef>
-                <a:spcPts val="0"/>
-              </a:spcBef>
-              <a:spcAft>
-                <a:spcPts val="0"/>
-              </a:spcAft>
-              <a:buAutoNum type="arabicPeriod"/>
-            </a:pPr>
-            <a:endParaRPr lang="sr-Latn-RS">
-              <a:cs typeface="Arial"/>
-            </a:endParaRPr>
           </a:p>
           <a:p>
             <a:pPr marL="228600" lvl="0" indent="-228600" algn="just">
@@ -49122,34 +48722,55 @@
               <a:buChar char="•"/>
             </a:pPr>
             <a:r>
-              <a:rPr lang="sr-Latn-RS">
+              <a:rPr lang="sr-Latn-RS" dirty="0">
                 <a:cs typeface="Arial"/>
               </a:rPr>
               <a:t>Kako bi se efikasno izvršila pretraga nad velikom količin-om podataka, tokom godina su razvijane različite metode </a:t>
             </a:r>
             <a:r>
-              <a:rPr lang="sr-Latn-RS" err="1">
+              <a:rPr lang="sr-Latn-RS" dirty="0" err="1">
                 <a:cs typeface="Arial"/>
               </a:rPr>
               <a:t>ikorišćene</a:t>
             </a:r>
             <a:r>
-              <a:rPr lang="sr-Latn-RS">
+              <a:rPr lang="sr-Latn-RS" dirty="0">
                 <a:cs typeface="Arial"/>
               </a:rPr>
               <a:t> različite strukture podataka. Ovde će biti  predstavljeni HNSW </a:t>
             </a:r>
             <a:r>
-              <a:rPr lang="sr-Latn-RS" err="1">
+              <a:rPr lang="sr-Latn-RS" dirty="0" err="1">
                 <a:cs typeface="Arial"/>
               </a:rPr>
               <a:t>grafovi</a:t>
             </a:r>
             <a:r>
-              <a:rPr lang="sr-Latn-RS">
+              <a:rPr lang="sr-Latn-RS" dirty="0">
                 <a:cs typeface="Arial"/>
               </a:rPr>
               <a:t> i KNN pretraga nad njima.</a:t>
+            </a:r>
+          </a:p>
+          <a:p>
+            <a:pPr marL="171450" indent="-171450" algn="just">
+              <a:buFont typeface="Arial,Sans-Serif"/>
+              <a:buChar char="•"/>
+            </a:pPr>
+            <a:endParaRPr lang="sr-Latn-RS" dirty="0">
+              <a:cs typeface="Arial"/>
+            </a:endParaRPr>
+          </a:p>
+          <a:p>
+            <a:pPr marL="171450" indent="-171450" algn="just">
+              <a:buFont typeface="Arial,Sans-Serif"/>
+              <a:buChar char="•"/>
+            </a:pPr>
+            <a:r>
+              <a:rPr lang="sr-Latn-RS" dirty="0">
+                <a:cs typeface="Arial"/>
+              </a:rPr>
+              <a:t>Kao primer, biće uzeta pretraga sličnih slika lica.</a:t>
             </a:r>
           </a:p>
           <a:p>
@@ -49162,10 +48783,13 @@
             </a:endParaRPr>
           </a:p>
           <a:p>
-            <a:pPr algn="just">
+            <a:pPr lvl="0" algn="just">
               <a:spcBef>
                 <a:spcPts val="1000"/>
               </a:spcBef>
+              <a:spcAft>
+                <a:spcPts val="0"/>
+              </a:spcAft>
               <a:buFont typeface="Nunito Light,Sans-Serif"/>
               <a:buChar char="●"/>
             </a:pPr>
@@ -49174,12 +48798,8 @@
             </a:endParaRPr>
           </a:p>
           <a:p>
-            <a:pPr marL="0" lvl="0" indent="0" algn="just">
-              <a:spcAft>
-                <a:spcPts val="0"/>
-              </a:spcAft>
+            <a:pPr marL="0" indent="0" algn="just">
               <a:buSzPts val="1100"/>
-              <a:buFont typeface="Arial"/>
               <a:buNone/>
             </a:pPr>
             <a:endParaRPr lang="sr-Latn-RS"/>
@@ -53693,7 +53313,7 @@
               <a:t>Alternativno</a:t>
             </a:r>
             <a:r>
-              <a:rPr lang="en" dirty="0"/>
+              <a:rPr lang="en"/>
               <a:t>, </a:t>
             </a:r>
             <a:r>
@@ -53701,7 +53321,7 @@
               <a:t>može</a:t>
             </a:r>
             <a:r>
-              <a:rPr lang="en" dirty="0"/>
+              <a:rPr lang="en"/>
               <a:t> se </a:t>
             </a:r>
             <a:r>
@@ -53709,7 +53329,7 @@
               <a:t>koristiti</a:t>
             </a:r>
             <a:r>
-              <a:rPr lang="en" dirty="0"/>
+              <a:rPr lang="en"/>
               <a:t> </a:t>
             </a:r>
             <a:r>
@@ -53717,18 +53337,18 @@
               <a:t>i</a:t>
             </a:r>
             <a:r>
-              <a:rPr lang="en" dirty="0"/>
+              <a:rPr lang="en"/>
               <a:t> L</a:t>
             </a:r>
             <a:r>
-              <a:rPr lang="en" baseline="-25000" dirty="0"/>
+              <a:rPr lang="en" baseline="-25000"/>
               <a:t>2</a:t>
             </a:r>
             <a:r>
-              <a:rPr lang="en" dirty="0"/>
+              <a:rPr lang="en"/>
               <a:t> norma.</a:t>
             </a:r>
-            <a:endParaRPr lang="en-US" dirty="0"/>
+            <a:endParaRPr lang="en-US"/>
           </a:p>
         </p:txBody>
       </p:sp>

--- a/Grafovi za Prepoznavanje i Pretragu Sličnih Entiteta.pptx
+++ b/Grafovi za Prepoznavanje i Pretragu Sličnih Entiteta.pptx
@@ -262,6 +262,7 @@
 <p1510:revInfo xmlns:a="http://schemas.openxmlformats.org/drawingml/2006/main" xmlns:r="http://schemas.openxmlformats.org/officeDocument/2006/relationships" xmlns:p1510="http://schemas.microsoft.com/office/powerpoint/2015/10/main">
   <p1510:revLst>
     <p1510:client id="{06541377-93BB-4FE0-68DA-68C97B09C038}" v="6" dt="2023-10-23T07:58:49.204"/>
+    <p1510:client id="{0CC2B615-C1ED-DE47-14BA-BD57BA5181C7}" v="94" dt="2023-10-25T08:32:45.576"/>
     <p1510:client id="{1917816B-D148-3F4A-A15A-E19DCCBD1E45}" v="455" dt="2023-10-24T09:07:01.458"/>
     <p1510:client id="{40D06D20-3D0A-AD46-B31C-7A37B5ECC66D}" v="87" dt="2023-10-19T13:10:39"/>
     <p1510:client id="{4142727C-0BC0-695C-55E2-CBE0EC2B0E40}" v="588" dt="2023-10-19T14:34:39.939"/>
@@ -39585,7 +39586,7 @@
               <a:buChar char="•"/>
             </a:pPr>
             <a:r>
-              <a:rPr lang="sr-Latn-RS" sz="1200" dirty="0">
+              <a:rPr lang="sr-Latn-RS" sz="1200">
                 <a:solidFill>
                   <a:schemeClr val="accent1"/>
                 </a:solidFill>
@@ -39594,7 +39595,7 @@
               <a:t>Sličan koncept se primenjuje i pri kreiranju i pretrazi HNSW </a:t>
             </a:r>
             <a:r>
-              <a:rPr lang="sr-Latn-RS" sz="1200" dirty="0" err="1">
+              <a:rPr lang="sr-Latn-RS" sz="1200" err="1">
                 <a:solidFill>
                   <a:schemeClr val="accent1"/>
                 </a:solidFill>
@@ -39603,7 +39604,7 @@
               <a:t>grafa</a:t>
             </a:r>
             <a:r>
-              <a:rPr lang="sr-Latn-RS" sz="1200" dirty="0">
+              <a:rPr lang="sr-Latn-RS" sz="1200">
                 <a:solidFill>
                   <a:schemeClr val="accent1"/>
                 </a:solidFill>
@@ -39612,7 +39613,7 @@
               <a:t>. On se takođe sastoji iz više nivoa, s tim što se na svakom nivou umesto liste nalazi </a:t>
             </a:r>
             <a:r>
-              <a:rPr lang="sr-Latn-RS" sz="1200" dirty="0" err="1">
+              <a:rPr lang="sr-Latn-RS" sz="1200" err="1">
                 <a:solidFill>
                   <a:schemeClr val="accent1"/>
                 </a:solidFill>
@@ -39621,7 +39622,7 @@
               <a:t>graf</a:t>
             </a:r>
             <a:r>
-              <a:rPr lang="sr-Latn-RS" sz="1200" dirty="0">
+              <a:rPr lang="sr-Latn-RS" sz="1200">
                 <a:solidFill>
                   <a:schemeClr val="accent1"/>
                 </a:solidFill>
@@ -39629,7 +39630,7 @@
               </a:rPr>
               <a:t>.</a:t>
             </a:r>
-            <a:endParaRPr lang="en-US" sz="1200" dirty="0">
+            <a:endParaRPr lang="en-US" sz="1200">
               <a:solidFill>
                 <a:schemeClr val="accent1"/>
               </a:solidFill>
@@ -39660,7 +39661,7 @@
               <a:buChar char="•"/>
             </a:pPr>
             <a:r>
-              <a:rPr lang="sr-Latn-RS" sz="1200" dirty="0">
+              <a:rPr lang="sr-Latn-RS" sz="1200">
                 <a:solidFill>
                   <a:schemeClr val="accent1"/>
                 </a:solidFill>
@@ -39669,7 +39670,7 @@
               <a:t>Čvorovi </a:t>
             </a:r>
             <a:r>
-              <a:rPr lang="sr-Latn-RS" sz="1200" dirty="0" err="1">
+              <a:rPr lang="sr-Latn-RS" sz="1200" err="1">
                 <a:solidFill>
                   <a:schemeClr val="accent1"/>
                 </a:solidFill>
@@ -39678,7 +39679,7 @@
               <a:t>grafa</a:t>
             </a:r>
             <a:r>
-              <a:rPr lang="sr-Latn-RS" sz="1200" dirty="0">
+              <a:rPr lang="sr-Latn-RS" sz="1200">
                 <a:solidFill>
                   <a:schemeClr val="accent1"/>
                 </a:solidFill>
@@ -39687,7 +39688,7 @@
               <a:t> predstavljaju </a:t>
             </a:r>
             <a:r>
-              <a:rPr lang="sr-Latn-RS" sz="1200" i="1" dirty="0" err="1">
+              <a:rPr lang="sr-Latn-RS" sz="1200" i="1" err="1">
                 <a:solidFill>
                   <a:schemeClr val="accent1"/>
                 </a:solidFill>
@@ -39696,7 +39697,7 @@
               <a:t>feature</a:t>
             </a:r>
             <a:r>
-              <a:rPr lang="sr-Latn-RS" sz="1200" dirty="0">
+              <a:rPr lang="sr-Latn-RS" sz="1200">
                 <a:solidFill>
                   <a:schemeClr val="accent1"/>
                 </a:solidFill>
@@ -39705,7 +39706,7 @@
               <a:t> vektore koji odgovaraju slikama lica. Grane kojima su čvorovi povezani odgovaraju </a:t>
             </a:r>
             <a:r>
-              <a:rPr lang="sr-Latn-RS" sz="1200" dirty="0" err="1">
+              <a:rPr lang="sr-Latn-RS" sz="1200" err="1">
                 <a:solidFill>
                   <a:schemeClr val="accent1"/>
                 </a:solidFill>
@@ -39714,7 +39715,7 @@
               <a:t>kosinusnim</a:t>
             </a:r>
             <a:r>
-              <a:rPr lang="sr-Latn-RS" sz="1200" dirty="0">
+              <a:rPr lang="sr-Latn-RS" sz="1200">
                 <a:solidFill>
                   <a:schemeClr val="accent1"/>
                 </a:solidFill>
@@ -39747,7 +39748,7 @@
               <a:buChar char="•"/>
             </a:pPr>
             <a:r>
-              <a:rPr lang="sr-Latn-RS" sz="1200" dirty="0">
+              <a:rPr lang="sr-Latn-RS" sz="1200">
                 <a:solidFill>
                   <a:schemeClr val="accent1"/>
                 </a:solidFill>
@@ -39764,7 +39765,7 @@
               <a:buFont typeface="Arial,Sans-Serif"/>
               <a:buChar char="•"/>
             </a:pPr>
-            <a:endParaRPr lang="sr-Latn-RS" sz="1200" dirty="0">
+            <a:endParaRPr lang="sr-Latn-RS" sz="1200">
               <a:solidFill>
                 <a:schemeClr val="accent1"/>
               </a:solidFill>
@@ -40015,7 +40016,7 @@
           <a:p>
             <a:pPr algn="just"/>
             <a:r>
-              <a:rPr lang="en" sz="800" dirty="0" err="1">
+              <a:rPr lang="en" sz="800" err="1">
                 <a:solidFill>
                   <a:schemeClr val="accent1"/>
                 </a:solidFill>
@@ -40025,7 +40026,7 @@
               <a:t>Pretraga</a:t>
             </a:r>
             <a:r>
-              <a:rPr lang="en" sz="800" dirty="0">
+              <a:rPr lang="en" sz="800">
                 <a:solidFill>
                   <a:schemeClr val="accent1"/>
                 </a:solidFill>
@@ -40035,7 +40036,7 @@
               <a:t> </a:t>
             </a:r>
             <a:r>
-              <a:rPr lang="en" sz="800" dirty="0" err="1">
+              <a:rPr lang="en" sz="800" err="1">
                 <a:solidFill>
                   <a:schemeClr val="accent1"/>
                 </a:solidFill>
@@ -40045,7 +40046,7 @@
               <a:t>počinje</a:t>
             </a:r>
             <a:r>
-              <a:rPr lang="en" sz="800" dirty="0">
+              <a:rPr lang="en" sz="800">
                 <a:solidFill>
                   <a:schemeClr val="accent1"/>
                 </a:solidFill>
@@ -40055,7 +40056,7 @@
               <a:t> od </a:t>
             </a:r>
             <a:r>
-              <a:rPr lang="en" sz="800" dirty="0" err="1">
+              <a:rPr lang="en" sz="800" err="1">
                 <a:solidFill>
                   <a:schemeClr val="accent1"/>
                 </a:solidFill>
@@ -40065,7 +40066,7 @@
               <a:t>slučajno</a:t>
             </a:r>
             <a:r>
-              <a:rPr lang="en" sz="800" dirty="0">
+              <a:rPr lang="en" sz="800">
                 <a:solidFill>
                   <a:schemeClr val="accent1"/>
                 </a:solidFill>
@@ -40075,7 +40076,7 @@
               <a:t> </a:t>
             </a:r>
             <a:r>
-              <a:rPr lang="en" sz="800" dirty="0" err="1">
+              <a:rPr lang="en" sz="800" err="1">
                 <a:solidFill>
                   <a:schemeClr val="accent1"/>
                 </a:solidFill>
@@ -40085,7 +40086,7 @@
               <a:t>odabranog</a:t>
             </a:r>
             <a:r>
-              <a:rPr lang="en" sz="800" dirty="0">
+              <a:rPr lang="en" sz="800">
                 <a:solidFill>
                   <a:schemeClr val="accent1"/>
                 </a:solidFill>
@@ -40095,7 +40096,7 @@
               <a:t> </a:t>
             </a:r>
             <a:r>
-              <a:rPr lang="en" sz="800" dirty="0" err="1">
+              <a:rPr lang="en" sz="800" err="1">
                 <a:solidFill>
                   <a:schemeClr val="accent1"/>
                 </a:solidFill>
@@ -40105,7 +40106,7 @@
               <a:t>čvora</a:t>
             </a:r>
             <a:r>
-              <a:rPr lang="en" sz="800" dirty="0">
+              <a:rPr lang="en" sz="800">
                 <a:solidFill>
                   <a:schemeClr val="accent1"/>
                 </a:solidFill>
@@ -40115,7 +40116,7 @@
               <a:t> </a:t>
             </a:r>
             <a:r>
-              <a:rPr lang="en" sz="800" dirty="0" err="1">
+              <a:rPr lang="en" sz="800" err="1">
                 <a:solidFill>
                   <a:schemeClr val="accent1"/>
                 </a:solidFill>
@@ -40125,7 +40126,7 @@
               <a:t>na</a:t>
             </a:r>
             <a:r>
-              <a:rPr lang="en" sz="800" dirty="0">
+              <a:rPr lang="en" sz="800">
                 <a:solidFill>
                   <a:schemeClr val="accent1"/>
                 </a:solidFill>
@@ -40135,7 +40136,7 @@
               <a:t> </a:t>
             </a:r>
             <a:r>
-              <a:rPr lang="en" sz="800" dirty="0" err="1">
+              <a:rPr lang="en" sz="800" err="1">
                 <a:solidFill>
                   <a:schemeClr val="accent1"/>
                 </a:solidFill>
@@ -40145,7 +40146,7 @@
               <a:t>najvišem</a:t>
             </a:r>
             <a:r>
-              <a:rPr lang="en" sz="800" dirty="0">
+              <a:rPr lang="en" sz="800">
                 <a:solidFill>
                   <a:schemeClr val="accent1"/>
                 </a:solidFill>
@@ -40155,7 +40156,7 @@
               <a:t> </a:t>
             </a:r>
             <a:r>
-              <a:rPr lang="en" sz="800" dirty="0" err="1">
+              <a:rPr lang="en" sz="800" err="1">
                 <a:solidFill>
                   <a:schemeClr val="accent1"/>
                 </a:solidFill>
@@ -40165,7 +40166,7 @@
               <a:t>sloju</a:t>
             </a:r>
             <a:r>
-              <a:rPr lang="en" sz="800" dirty="0">
+              <a:rPr lang="en" sz="800">
                 <a:solidFill>
                   <a:schemeClr val="accent1"/>
                 </a:solidFill>
@@ -40175,7 +40176,7 @@
               <a:t> </a:t>
             </a:r>
             <a:r>
-              <a:rPr lang="en" sz="800" dirty="0" err="1">
+              <a:rPr lang="en" sz="800" err="1">
                 <a:solidFill>
                   <a:schemeClr val="accent1"/>
                 </a:solidFill>
@@ -40185,7 +40186,7 @@
               <a:t>grafa</a:t>
             </a:r>
             <a:r>
-              <a:rPr lang="en" sz="800" dirty="0">
+              <a:rPr lang="en" sz="800">
                 <a:solidFill>
                   <a:schemeClr val="accent1"/>
                 </a:solidFill>
@@ -40194,7 +40195,7 @@
               </a:rPr>
               <a:t>. </a:t>
             </a:r>
-            <a:endParaRPr lang="en" sz="800" dirty="0">
+            <a:endParaRPr lang="en" sz="800">
               <a:solidFill>
                 <a:schemeClr val="accent1"/>
               </a:solidFill>
@@ -41022,7 +41023,7 @@
               <a:t>Trenutni</a:t>
             </a:r>
             <a:r>
-              <a:rPr lang="en" sz="800" dirty="0">
+              <a:rPr lang="en" sz="800">
                 <a:solidFill>
                   <a:schemeClr val="accent1"/>
                 </a:solidFill>
@@ -41040,7 +41041,7 @@
               <a:t>sloj</a:t>
             </a:r>
             <a:r>
-              <a:rPr lang="en" sz="800" dirty="0">
+              <a:rPr lang="en" sz="800">
                 <a:solidFill>
                   <a:schemeClr val="accent1"/>
                 </a:solidFill>
@@ -41058,7 +41059,7 @@
               <a:t>pretražuje</a:t>
             </a:r>
             <a:r>
-              <a:rPr lang="en" sz="800" dirty="0">
+              <a:rPr lang="en" sz="800">
                 <a:solidFill>
                   <a:schemeClr val="accent1"/>
                 </a:solidFill>
@@ -41076,7 +41077,7 @@
               <a:t>sve</a:t>
             </a:r>
             <a:r>
-              <a:rPr lang="en" sz="800" dirty="0">
+              <a:rPr lang="en" sz="800">
                 <a:solidFill>
                   <a:schemeClr val="accent1"/>
                 </a:solidFill>
@@ -41094,7 +41095,7 @@
               <a:t>dok</a:t>
             </a:r>
             <a:r>
-              <a:rPr lang="en" sz="800" dirty="0">
+              <a:rPr lang="en" sz="800">
                 <a:solidFill>
                   <a:schemeClr val="accent1"/>
                 </a:solidFill>
@@ -41112,7 +41113,7 @@
               <a:t>pronađe</a:t>
             </a:r>
             <a:r>
-              <a:rPr lang="en" sz="800" dirty="0">
+              <a:rPr lang="en" sz="800">
                 <a:solidFill>
                   <a:schemeClr val="accent1"/>
                 </a:solidFill>
@@ -41130,7 +41131,7 @@
               <a:t>lokalni</a:t>
             </a:r>
             <a:r>
-              <a:rPr lang="en" sz="800" dirty="0">
+              <a:rPr lang="en" sz="800">
                 <a:solidFill>
                   <a:schemeClr val="accent1"/>
                 </a:solidFill>
@@ -41148,7 +41149,7 @@
               <a:t>čvor</a:t>
             </a:r>
             <a:r>
-              <a:rPr lang="en" sz="800" dirty="0">
+              <a:rPr lang="en" sz="800">
                 <a:solidFill>
                   <a:schemeClr val="accent1"/>
                 </a:solidFill>
@@ -41166,7 +41167,7 @@
               <a:t>ima</a:t>
             </a:r>
             <a:r>
-              <a:rPr lang="en" sz="800" dirty="0">
+              <a:rPr lang="en" sz="800">
                 <a:solidFill>
                   <a:schemeClr val="accent1"/>
                 </a:solidFill>
@@ -41184,7 +41185,7 @@
               <a:t>najmanju</a:t>
             </a:r>
             <a:r>
-              <a:rPr lang="en" sz="800" dirty="0">
+              <a:rPr lang="en" sz="800">
                 <a:solidFill>
                   <a:schemeClr val="accent1"/>
                 </a:solidFill>
@@ -41202,7 +41203,7 @@
               <a:t>distancu</a:t>
             </a:r>
             <a:r>
-              <a:rPr lang="en" sz="800" dirty="0">
+              <a:rPr lang="en" sz="800">
                 <a:solidFill>
                   <a:schemeClr val="accent1"/>
                 </a:solidFill>
@@ -41220,7 +41221,7 @@
               <a:t>traženog</a:t>
             </a:r>
             <a:r>
-              <a:rPr lang="en" sz="800" dirty="0">
+              <a:rPr lang="en" sz="800">
                 <a:solidFill>
                   <a:schemeClr val="accent1"/>
                 </a:solidFill>
@@ -41238,7 +41239,7 @@
               <a:t>čvora</a:t>
             </a:r>
             <a:r>
-              <a:rPr lang="en" sz="800" dirty="0">
+              <a:rPr lang="en" sz="800">
                 <a:solidFill>
                   <a:schemeClr val="accent1"/>
                 </a:solidFill>
@@ -41256,7 +41257,7 @@
               <a:t>Odnosno</a:t>
             </a:r>
             <a:r>
-              <a:rPr lang="en" sz="800" dirty="0">
+              <a:rPr lang="en" sz="800">
                 <a:solidFill>
                   <a:schemeClr val="accent1"/>
                 </a:solidFill>
@@ -41274,7 +41275,7 @@
               <a:t>dok</a:t>
             </a:r>
             <a:r>
-              <a:rPr lang="en" sz="800" dirty="0">
+              <a:rPr lang="en" sz="800">
                 <a:solidFill>
                   <a:schemeClr val="accent1"/>
                 </a:solidFill>
@@ -41292,7 +41293,7 @@
               <a:t>pronađe</a:t>
             </a:r>
             <a:r>
-              <a:rPr lang="en" sz="800" dirty="0">
+              <a:rPr lang="en" sz="800">
                 <a:solidFill>
                   <a:schemeClr val="accent1"/>
                 </a:solidFill>
@@ -41310,7 +41311,7 @@
               <a:t>traženi</a:t>
             </a:r>
             <a:r>
-              <a:rPr lang="en" sz="800" dirty="0">
+              <a:rPr lang="en" sz="800">
                 <a:solidFill>
                   <a:schemeClr val="accent1"/>
                 </a:solidFill>
@@ -41328,7 +41329,7 @@
               <a:t>broj</a:t>
             </a:r>
             <a:r>
-              <a:rPr lang="en" sz="800" dirty="0">
+              <a:rPr lang="en" sz="800">
                 <a:solidFill>
                   <a:schemeClr val="accent1"/>
                 </a:solidFill>
@@ -41346,7 +41347,7 @@
               <a:t>najbližih</a:t>
             </a:r>
             <a:r>
-              <a:rPr lang="en" sz="800" dirty="0">
+              <a:rPr lang="en" sz="800">
                 <a:solidFill>
                   <a:schemeClr val="accent1"/>
                 </a:solidFill>
@@ -41364,7 +41365,7 @@
               <a:t>čvorova</a:t>
             </a:r>
             <a:r>
-              <a:rPr lang="en" sz="800" dirty="0">
+              <a:rPr lang="en" sz="800">
                 <a:solidFill>
                   <a:schemeClr val="accent1"/>
                 </a:solidFill>
@@ -41382,7 +41383,7 @@
               <a:t>Pretraga</a:t>
             </a:r>
             <a:r>
-              <a:rPr lang="en" sz="800" dirty="0">
+              <a:rPr lang="en" sz="800">
                 <a:solidFill>
                   <a:schemeClr val="accent1"/>
                 </a:solidFill>
@@ -41400,7 +41401,7 @@
               <a:t>sloja</a:t>
             </a:r>
             <a:r>
-              <a:rPr lang="en" sz="800" dirty="0">
+              <a:rPr lang="en" sz="800">
                 <a:solidFill>
                   <a:schemeClr val="accent1"/>
                 </a:solidFill>
@@ -41418,7 +41419,7 @@
               <a:t>vrši</a:t>
             </a:r>
             <a:r>
-              <a:rPr lang="en" sz="800" dirty="0">
+              <a:rPr lang="en" sz="800">
                 <a:solidFill>
                   <a:schemeClr val="accent1"/>
                 </a:solidFill>
@@ -41436,7 +41437,7 @@
               <a:t>heuristički</a:t>
             </a:r>
             <a:r>
-              <a:rPr lang="en" sz="800" dirty="0">
+              <a:rPr lang="en" sz="800">
                 <a:solidFill>
                   <a:schemeClr val="accent1"/>
                 </a:solidFill>
@@ -41454,7 +41455,7 @@
               <a:t>Prilikom</a:t>
             </a:r>
             <a:r>
-              <a:rPr lang="en" sz="800" dirty="0">
+              <a:rPr lang="en" sz="800">
                 <a:solidFill>
                   <a:schemeClr val="accent1"/>
                 </a:solidFill>
@@ -41472,7 +41473,7 @@
               <a:t>pretrage</a:t>
             </a:r>
             <a:r>
-              <a:rPr lang="en" sz="800" dirty="0">
+              <a:rPr lang="en" sz="800">
                 <a:solidFill>
                   <a:schemeClr val="accent1"/>
                 </a:solidFill>
@@ -41490,7 +41491,7 @@
               <a:t>čuva</a:t>
             </a:r>
             <a:r>
-              <a:rPr lang="en" sz="800" dirty="0">
+              <a:rPr lang="en" sz="800">
                 <a:solidFill>
                   <a:schemeClr val="accent1"/>
                 </a:solidFill>
@@ -41508,7 +41509,7 @@
               <a:t>dinamička</a:t>
             </a:r>
             <a:r>
-              <a:rPr lang="en" sz="800" dirty="0">
+              <a:rPr lang="en" sz="800">
                 <a:solidFill>
                   <a:schemeClr val="accent1"/>
                 </a:solidFill>
@@ -41526,7 +41527,7 @@
               <a:t>lista</a:t>
             </a:r>
             <a:r>
-              <a:rPr lang="en" sz="800" dirty="0">
+              <a:rPr lang="en" sz="800">
                 <a:solidFill>
                   <a:schemeClr val="accent1"/>
                 </a:solidFill>
@@ -41544,7 +41545,7 @@
               <a:t>najbližih</a:t>
             </a:r>
             <a:r>
-              <a:rPr lang="en" sz="800" dirty="0">
+              <a:rPr lang="en" sz="800">
                 <a:solidFill>
                   <a:schemeClr val="accent1"/>
                 </a:solidFill>
@@ -41562,7 +41563,7 @@
               <a:t>suseda</a:t>
             </a:r>
             <a:r>
-              <a:rPr lang="en" sz="800" dirty="0">
+              <a:rPr lang="en" sz="800">
                 <a:solidFill>
                   <a:schemeClr val="accent1"/>
                 </a:solidFill>
@@ -41580,7 +41581,7 @@
               <a:t>svakom</a:t>
             </a:r>
             <a:r>
-              <a:rPr lang="en" sz="800" dirty="0">
+              <a:rPr lang="en" sz="800">
                 <a:solidFill>
                   <a:schemeClr val="accent1"/>
                 </a:solidFill>
@@ -41598,7 +41599,7 @@
               <a:t>koraku</a:t>
             </a:r>
             <a:r>
-              <a:rPr lang="en" sz="800" dirty="0">
+              <a:rPr lang="en" sz="800">
                 <a:solidFill>
                   <a:schemeClr val="accent1"/>
                 </a:solidFill>
@@ -41616,7 +41617,7 @@
               <a:t>ažurira</a:t>
             </a:r>
             <a:r>
-              <a:rPr lang="en" sz="800" dirty="0">
+              <a:rPr lang="en" sz="800">
                 <a:solidFill>
                   <a:schemeClr val="accent1"/>
                 </a:solidFill>
@@ -41634,7 +41635,7 @@
               <a:t>na</a:t>
             </a:r>
             <a:r>
-              <a:rPr lang="en" sz="800" dirty="0">
+              <a:rPr lang="en" sz="800">
                 <a:solidFill>
                   <a:schemeClr val="accent1"/>
                 </a:solidFill>
@@ -41652,7 +41653,7 @@
               <a:t>osnovu</a:t>
             </a:r>
             <a:r>
-              <a:rPr lang="en" sz="800" dirty="0">
+              <a:rPr lang="en" sz="800">
                 <a:solidFill>
                   <a:schemeClr val="accent1"/>
                 </a:solidFill>
@@ -41670,7 +41671,7 @@
               <a:t>evaluacije</a:t>
             </a:r>
             <a:r>
-              <a:rPr lang="en" sz="800" dirty="0">
+              <a:rPr lang="en" sz="800">
                 <a:solidFill>
                   <a:schemeClr val="accent1"/>
                 </a:solidFill>
@@ -41688,7 +41689,7 @@
               <a:t>suseda</a:t>
             </a:r>
             <a:r>
-              <a:rPr lang="en" sz="800" dirty="0">
+              <a:rPr lang="en" sz="800">
                 <a:solidFill>
                   <a:schemeClr val="accent1"/>
                 </a:solidFill>
@@ -41706,7 +41707,7 @@
               <a:t>čvorova</a:t>
             </a:r>
             <a:r>
-              <a:rPr lang="en" sz="800" dirty="0">
+              <a:rPr lang="en" sz="800">
                 <a:solidFill>
                   <a:schemeClr val="accent1"/>
                 </a:solidFill>
@@ -41724,7 +41725,7 @@
               <a:t>su</a:t>
             </a:r>
             <a:r>
-              <a:rPr lang="en" sz="800" dirty="0">
+              <a:rPr lang="en" sz="800">
                 <a:solidFill>
                   <a:schemeClr val="accent1"/>
                 </a:solidFill>
@@ -41742,7 +41743,7 @@
               <a:t>prethodno</a:t>
             </a:r>
             <a:r>
-              <a:rPr lang="en" sz="800" dirty="0">
+              <a:rPr lang="en" sz="800">
                 <a:solidFill>
                   <a:schemeClr val="accent1"/>
                 </a:solidFill>
@@ -41760,7 +41761,7 @@
               <a:t>dodati</a:t>
             </a:r>
             <a:r>
-              <a:rPr lang="en" sz="800" dirty="0">
+              <a:rPr lang="en" sz="800">
                 <a:solidFill>
                   <a:schemeClr val="accent1"/>
                 </a:solidFill>
@@ -41778,7 +41779,7 @@
               <a:t>nju</a:t>
             </a:r>
             <a:r>
-              <a:rPr lang="en" sz="800" dirty="0">
+              <a:rPr lang="en" sz="800">
                 <a:solidFill>
                   <a:schemeClr val="accent1"/>
                 </a:solidFill>
@@ -41787,7 +41788,7 @@
               <a:t>. </a:t>
             </a:r>
             <a:r>
-              <a:rPr lang="en" sz="800" dirty="0">
+              <a:rPr lang="en" sz="800">
                 <a:solidFill>
                   <a:schemeClr val="accent1"/>
                 </a:solidFill>
@@ -41803,7 +41804,7 @@
               <a:t>lista</a:t>
             </a:r>
             <a:r>
-              <a:rPr lang="en" sz="800" dirty="0">
+              <a:rPr lang="en" sz="800">
                 <a:solidFill>
                   <a:schemeClr val="accent1"/>
                 </a:solidFill>
@@ -41819,7 +41820,7 @@
               <a:t>dostigne</a:t>
             </a:r>
             <a:r>
-              <a:rPr lang="en" sz="800" dirty="0">
+              <a:rPr lang="en" sz="800">
                 <a:solidFill>
                   <a:schemeClr val="accent1"/>
                 </a:solidFill>
@@ -41835,7 +41836,7 @@
               <a:t>maksimalnu</a:t>
             </a:r>
             <a:r>
-              <a:rPr lang="en" sz="800" dirty="0">
+              <a:rPr lang="en" sz="800">
                 <a:solidFill>
                   <a:schemeClr val="accent1"/>
                 </a:solidFill>
@@ -41851,7 +41852,7 @@
               <a:t>veličinu</a:t>
             </a:r>
             <a:r>
-              <a:rPr lang="en" sz="800" dirty="0">
+              <a:rPr lang="en" sz="800">
                 <a:solidFill>
                   <a:schemeClr val="accent1"/>
                 </a:solidFill>
@@ -41867,7 +41868,7 @@
               <a:t>ako</a:t>
             </a:r>
             <a:r>
-              <a:rPr lang="en" sz="800" dirty="0">
+              <a:rPr lang="en" sz="800">
                 <a:solidFill>
                   <a:schemeClr val="accent1"/>
                 </a:solidFill>
@@ -41883,7 +41884,7 @@
               <a:t>naiđe</a:t>
             </a:r>
             <a:r>
-              <a:rPr lang="en" sz="800" dirty="0">
+              <a:rPr lang="en" sz="800">
                 <a:solidFill>
                   <a:schemeClr val="accent1"/>
                 </a:solidFill>
@@ -41899,7 +41900,7 @@
               <a:t>na</a:t>
             </a:r>
             <a:r>
-              <a:rPr lang="en" sz="800" dirty="0">
+              <a:rPr lang="en" sz="800">
                 <a:solidFill>
                   <a:schemeClr val="accent1"/>
                 </a:solidFill>
@@ -41915,7 +41916,7 @@
               <a:t>bliži</a:t>
             </a:r>
             <a:r>
-              <a:rPr lang="en" sz="800" dirty="0">
+              <a:rPr lang="en" sz="800">
                 <a:solidFill>
                   <a:schemeClr val="accent1"/>
                 </a:solidFill>
@@ -41931,7 +41932,7 @@
               <a:t>traženom</a:t>
             </a:r>
             <a:r>
-              <a:rPr lang="en" sz="800" dirty="0">
+              <a:rPr lang="en" sz="800">
                 <a:solidFill>
                   <a:schemeClr val="accent1"/>
                 </a:solidFill>
@@ -41947,7 +41948,7 @@
               <a:t>čvoru</a:t>
             </a:r>
             <a:r>
-              <a:rPr lang="en" sz="800" dirty="0">
+              <a:rPr lang="en" sz="800">
                 <a:solidFill>
                   <a:schemeClr val="accent1"/>
                 </a:solidFill>
@@ -41963,7 +41964,7 @@
               <a:t>najdaljeg</a:t>
             </a:r>
             <a:r>
-              <a:rPr lang="en" sz="800" dirty="0">
+              <a:rPr lang="en" sz="800">
                 <a:solidFill>
                   <a:schemeClr val="accent1"/>
                 </a:solidFill>
@@ -41979,7 +41980,7 @@
               <a:t>elementa</a:t>
             </a:r>
             <a:r>
-              <a:rPr lang="en" sz="800" dirty="0">
+              <a:rPr lang="en" sz="800">
                 <a:solidFill>
                   <a:schemeClr val="accent1"/>
                 </a:solidFill>
@@ -41995,7 +41996,7 @@
               <a:t>liste</a:t>
             </a:r>
             <a:r>
-              <a:rPr lang="en" sz="800" dirty="0">
+              <a:rPr lang="en" sz="800">
                 <a:solidFill>
                   <a:schemeClr val="accent1"/>
                 </a:solidFill>
@@ -42011,7 +42012,7 @@
               <a:t>najdalji</a:t>
             </a:r>
             <a:r>
-              <a:rPr lang="en" sz="800" dirty="0">
+              <a:rPr lang="en" sz="800">
                 <a:solidFill>
                   <a:schemeClr val="accent1"/>
                 </a:solidFill>
@@ -42027,7 +42028,7 @@
               <a:t>će</a:t>
             </a:r>
             <a:r>
-              <a:rPr lang="en" sz="800" dirty="0">
+              <a:rPr lang="en" sz="800">
                 <a:solidFill>
                   <a:schemeClr val="accent1"/>
                 </a:solidFill>
@@ -42043,7 +42044,7 @@
               <a:t>biti</a:t>
             </a:r>
             <a:r>
-              <a:rPr lang="en" sz="800" dirty="0">
+              <a:rPr lang="en" sz="800">
                 <a:solidFill>
                   <a:schemeClr val="accent1"/>
                 </a:solidFill>
@@ -42059,7 +42060,7 @@
               <a:t>zamenjen</a:t>
             </a:r>
             <a:r>
-              <a:rPr lang="en" sz="800" dirty="0">
+              <a:rPr lang="en" sz="800">
                 <a:solidFill>
                   <a:schemeClr val="accent1"/>
                 </a:solidFill>
@@ -42075,7 +42076,7 @@
               <a:t>njime</a:t>
             </a:r>
             <a:r>
-              <a:rPr lang="en" sz="800" dirty="0">
+              <a:rPr lang="en" sz="800">
                 <a:solidFill>
                   <a:schemeClr val="accent1"/>
                 </a:solidFill>
@@ -42091,7 +42092,7 @@
               <a:t>evaluiraju</a:t>
             </a:r>
             <a:r>
-              <a:rPr lang="en" sz="800" dirty="0">
+              <a:rPr lang="en" sz="800">
                 <a:solidFill>
                   <a:schemeClr val="accent1"/>
                 </a:solidFill>
@@ -42107,7 +42108,7 @@
               <a:t>svi</a:t>
             </a:r>
             <a:r>
-              <a:rPr lang="en" sz="800" dirty="0">
+              <a:rPr lang="en" sz="800">
                 <a:solidFill>
                   <a:schemeClr val="accent1"/>
                 </a:solidFill>
@@ -42123,7 +42124,7 @@
               <a:t>susedi</a:t>
             </a:r>
             <a:r>
-              <a:rPr lang="en" sz="800" dirty="0">
+              <a:rPr lang="en" sz="800">
                 <a:solidFill>
                   <a:schemeClr val="accent1"/>
                 </a:solidFill>
@@ -42139,7 +42140,7 @@
               <a:t>svakog</a:t>
             </a:r>
             <a:r>
-              <a:rPr lang="en" sz="800" dirty="0">
+              <a:rPr lang="en" sz="800">
                 <a:solidFill>
                   <a:schemeClr val="accent1"/>
                 </a:solidFill>
@@ -42155,7 +42156,7 @@
               <a:t>elementa</a:t>
             </a:r>
             <a:r>
-              <a:rPr lang="en" sz="800" dirty="0">
+              <a:rPr lang="en" sz="800">
                 <a:solidFill>
                   <a:schemeClr val="accent1"/>
                 </a:solidFill>
@@ -42171,7 +42172,7 @@
               <a:t>liste</a:t>
             </a:r>
             <a:r>
-              <a:rPr lang="en" sz="800" dirty="0">
+              <a:rPr lang="en" sz="800">
                 <a:solidFill>
                   <a:schemeClr val="accent1"/>
                 </a:solidFill>
@@ -42187,7 +42188,7 @@
               <a:t>pretraga</a:t>
             </a:r>
             <a:r>
-              <a:rPr lang="en" sz="800" dirty="0">
+              <a:rPr lang="en" sz="800">
                 <a:solidFill>
                   <a:schemeClr val="accent1"/>
                 </a:solidFill>
@@ -42203,7 +42204,7 @@
               <a:t>sloja</a:t>
             </a:r>
             <a:r>
-              <a:rPr lang="en" sz="800" dirty="0">
+              <a:rPr lang="en" sz="800">
                 <a:solidFill>
                   <a:schemeClr val="accent1"/>
                 </a:solidFill>
@@ -42219,14 +42220,14 @@
               <a:t>završava</a:t>
             </a:r>
             <a:r>
-              <a:rPr lang="en" sz="800" dirty="0">
+              <a:rPr lang="en" sz="800">
                 <a:solidFill>
                   <a:schemeClr val="accent1"/>
                 </a:solidFill>
               </a:rPr>
               <a:t>.</a:t>
             </a:r>
-            <a:endParaRPr lang="en" sz="800" dirty="0">
+            <a:endParaRPr lang="en" sz="800">
               <a:solidFill>
                 <a:schemeClr val="accent1"/>
               </a:solidFill>
@@ -42760,7 +42761,7 @@
           <a:p>
             <a:pPr algn="just"/>
             <a:r>
-              <a:rPr lang="en" sz="800" dirty="0" err="1">
+              <a:rPr lang="en" sz="800" err="1">
                 <a:solidFill>
                   <a:srgbClr val="ECECF1"/>
                 </a:solidFill>
@@ -42769,7 +42770,7 @@
               <a:t>Postupak</a:t>
             </a:r>
             <a:r>
-              <a:rPr lang="en" sz="800" dirty="0">
+              <a:rPr lang="en" sz="800">
                 <a:solidFill>
                   <a:srgbClr val="ECECF1"/>
                 </a:solidFill>
@@ -42778,7 +42779,7 @@
               <a:t> se </a:t>
             </a:r>
             <a:r>
-              <a:rPr lang="en" sz="800" dirty="0" err="1">
+              <a:rPr lang="en" sz="800" err="1">
                 <a:solidFill>
                   <a:srgbClr val="ECECF1"/>
                 </a:solidFill>
@@ -42787,7 +42788,7 @@
               <a:t>ponavlja</a:t>
             </a:r>
             <a:r>
-              <a:rPr lang="en" sz="800" dirty="0">
+              <a:rPr lang="en" sz="800">
                 <a:solidFill>
                   <a:srgbClr val="ECECF1"/>
                 </a:solidFill>
@@ -42796,7 +42797,7 @@
               <a:t> </a:t>
             </a:r>
             <a:r>
-              <a:rPr lang="en" sz="800" dirty="0" err="1">
+              <a:rPr lang="en" sz="800" err="1">
                 <a:solidFill>
                   <a:srgbClr val="ECECF1"/>
                 </a:solidFill>
@@ -42805,7 +42806,7 @@
               <a:t>sve</a:t>
             </a:r>
             <a:r>
-              <a:rPr lang="en" sz="800" dirty="0">
+              <a:rPr lang="en" sz="800">
                 <a:solidFill>
                   <a:srgbClr val="ECECF1"/>
                 </a:solidFill>
@@ -42814,7 +42815,7 @@
               <a:t> </a:t>
             </a:r>
             <a:r>
-              <a:rPr lang="en" sz="800" dirty="0" err="1">
+              <a:rPr lang="en" sz="800" err="1">
                 <a:solidFill>
                   <a:srgbClr val="ECECF1"/>
                 </a:solidFill>
@@ -42823,7 +42824,7 @@
               <a:t>dok</a:t>
             </a:r>
             <a:r>
-              <a:rPr lang="en" sz="800" dirty="0">
+              <a:rPr lang="en" sz="800">
                 <a:solidFill>
                   <a:srgbClr val="ECECF1"/>
                 </a:solidFill>
@@ -42832,7 +42833,7 @@
               <a:t> se ne </a:t>
             </a:r>
             <a:r>
-              <a:rPr lang="en" sz="800" dirty="0" err="1">
+              <a:rPr lang="en" sz="800" err="1">
                 <a:solidFill>
                   <a:srgbClr val="ECECF1"/>
                 </a:solidFill>
@@ -42841,7 +42842,7 @@
               <a:t>dođe</a:t>
             </a:r>
             <a:r>
-              <a:rPr lang="en" sz="800" dirty="0">
+              <a:rPr lang="en" sz="800">
                 <a:solidFill>
                   <a:srgbClr val="ECECF1"/>
                 </a:solidFill>
@@ -42850,7 +42851,7 @@
               <a:t> do </a:t>
             </a:r>
             <a:r>
-              <a:rPr lang="en" sz="800" dirty="0" err="1">
+              <a:rPr lang="en" sz="800" err="1">
                 <a:solidFill>
                   <a:srgbClr val="ECECF1"/>
                 </a:solidFill>
@@ -42859,7 +42860,7 @@
               <a:t>najnižeg</a:t>
             </a:r>
             <a:r>
-              <a:rPr lang="en" sz="800" dirty="0">
+              <a:rPr lang="en" sz="800">
                 <a:solidFill>
                   <a:srgbClr val="ECECF1"/>
                 </a:solidFill>
@@ -42868,7 +42869,7 @@
               <a:t> </a:t>
             </a:r>
             <a:r>
-              <a:rPr lang="en" sz="800" dirty="0" err="1">
+              <a:rPr lang="en" sz="800" err="1">
                 <a:solidFill>
                   <a:srgbClr val="ECECF1"/>
                 </a:solidFill>
@@ -42877,7 +42878,7 @@
               <a:t>sloja</a:t>
             </a:r>
             <a:r>
-              <a:rPr lang="en" sz="800" dirty="0">
+              <a:rPr lang="en" sz="800">
                 <a:solidFill>
                   <a:srgbClr val="ECECF1"/>
                 </a:solidFill>
@@ -42886,7 +42887,7 @@
               <a:t>, </a:t>
             </a:r>
             <a:r>
-              <a:rPr lang="en" sz="800" dirty="0" err="1">
+              <a:rPr lang="en" sz="800" err="1">
                 <a:solidFill>
                   <a:srgbClr val="ECECF1"/>
                 </a:solidFill>
@@ -42895,7 +42896,7 @@
               <a:t>kada</a:t>
             </a:r>
             <a:r>
-              <a:rPr lang="en" sz="800" dirty="0">
+              <a:rPr lang="en" sz="800">
                 <a:solidFill>
                   <a:srgbClr val="ECECF1"/>
                 </a:solidFill>
@@ -42904,7 +42905,7 @@
               <a:t> se </a:t>
             </a:r>
             <a:r>
-              <a:rPr lang="en" sz="800" dirty="0" err="1">
+              <a:rPr lang="en" sz="800" err="1">
                 <a:solidFill>
                   <a:srgbClr val="ECECF1"/>
                 </a:solidFill>
@@ -42913,7 +42914,7 @@
               <a:t>vraća</a:t>
             </a:r>
             <a:r>
-              <a:rPr lang="en" sz="800" dirty="0">
+              <a:rPr lang="en" sz="800">
                 <a:solidFill>
                   <a:srgbClr val="ECECF1"/>
                 </a:solidFill>
@@ -42922,7 +42923,7 @@
               <a:t> </a:t>
             </a:r>
             <a:r>
-              <a:rPr lang="en" sz="800" i="1" dirty="0">
+              <a:rPr lang="en" sz="800" i="1">
                 <a:solidFill>
                   <a:srgbClr val="ECECF1"/>
                 </a:solidFill>
@@ -42931,7 +42932,7 @@
               <a:t>K</a:t>
             </a:r>
             <a:r>
-              <a:rPr lang="en" sz="800" dirty="0">
+              <a:rPr lang="en" sz="800">
                 <a:solidFill>
                   <a:srgbClr val="ECECF1"/>
                 </a:solidFill>
@@ -42940,7 +42941,7 @@
               <a:t> </a:t>
             </a:r>
             <a:r>
-              <a:rPr lang="en" sz="800" dirty="0" err="1">
+              <a:rPr lang="en" sz="800" err="1">
                 <a:solidFill>
                   <a:srgbClr val="ECECF1"/>
                 </a:solidFill>
@@ -42949,7 +42950,7 @@
               <a:t>suseda</a:t>
             </a:r>
             <a:r>
-              <a:rPr lang="en" sz="800" dirty="0">
+              <a:rPr lang="en" sz="800">
                 <a:solidFill>
                   <a:srgbClr val="ECECF1"/>
                 </a:solidFill>
@@ -42958,7 +42959,7 @@
               <a:t> </a:t>
             </a:r>
             <a:r>
-              <a:rPr lang="en" sz="800" dirty="0" err="1">
+              <a:rPr lang="en" sz="800" err="1">
                 <a:solidFill>
                   <a:srgbClr val="ECECF1"/>
                 </a:solidFill>
@@ -42967,7 +42968,7 @@
               <a:t>najbližih</a:t>
             </a:r>
             <a:r>
-              <a:rPr lang="en" sz="800" dirty="0">
+              <a:rPr lang="en" sz="800">
                 <a:solidFill>
                   <a:srgbClr val="ECECF1"/>
                 </a:solidFill>
@@ -42976,7 +42977,7 @@
               <a:t> </a:t>
             </a:r>
             <a:r>
-              <a:rPr lang="en" sz="800" dirty="0" err="1">
+              <a:rPr lang="en" sz="800" err="1">
                 <a:solidFill>
                   <a:srgbClr val="ECECF1"/>
                 </a:solidFill>
@@ -42985,7 +42986,7 @@
               <a:t>traženom</a:t>
             </a:r>
             <a:r>
-              <a:rPr lang="en" sz="800" dirty="0">
+              <a:rPr lang="en" sz="800">
                 <a:solidFill>
                   <a:srgbClr val="ECECF1"/>
                 </a:solidFill>
@@ -42994,7 +42995,7 @@
               <a:t> </a:t>
             </a:r>
             <a:r>
-              <a:rPr lang="en" sz="800" dirty="0" err="1">
+              <a:rPr lang="en" sz="800" err="1">
                 <a:solidFill>
                   <a:srgbClr val="ECECF1"/>
                 </a:solidFill>
@@ -43003,7 +43004,7 @@
               <a:t>čvoru</a:t>
             </a:r>
             <a:r>
-              <a:rPr lang="en" sz="800" dirty="0">
+              <a:rPr lang="en" sz="800">
                 <a:solidFill>
                   <a:srgbClr val="ECECF1"/>
                 </a:solidFill>
@@ -43011,7 +43012,7 @@
               </a:rPr>
               <a:t>.</a:t>
             </a:r>
-            <a:endParaRPr lang="en-US" dirty="0">
+            <a:endParaRPr lang="en-US">
               <a:latin typeface="PT Sans"/>
             </a:endParaRPr>
           </a:p>
@@ -44747,7 +44748,7 @@
           <a:p>
             <a:pPr algn="just"/>
             <a:r>
-              <a:rPr lang="en-US" sz="800" dirty="0">
+              <a:rPr lang="en-US" sz="800">
                 <a:solidFill>
                   <a:schemeClr val="accent1"/>
                 </a:solidFill>
@@ -44756,7 +44757,7 @@
               <a:t>Za </a:t>
             </a:r>
             <a:r>
-              <a:rPr lang="en-US" sz="800" dirty="0" err="1">
+              <a:rPr lang="en-US" sz="800" err="1">
                 <a:solidFill>
                   <a:schemeClr val="accent1"/>
                 </a:solidFill>
@@ -44765,7 +44766,7 @@
               <a:t>svaki</a:t>
             </a:r>
             <a:r>
-              <a:rPr lang="en-US" sz="800" dirty="0">
+              <a:rPr lang="en-US" sz="800">
                 <a:solidFill>
                   <a:schemeClr val="accent1"/>
                 </a:solidFill>
@@ -44774,7 +44775,7 @@
               <a:t> element koji se </a:t>
             </a:r>
             <a:r>
-              <a:rPr lang="en-US" sz="800" dirty="0" err="1">
+              <a:rPr lang="en-US" sz="800" err="1">
                 <a:solidFill>
                   <a:schemeClr val="accent1"/>
                 </a:solidFill>
@@ -44783,7 +44784,7 @@
               <a:t>dodaje</a:t>
             </a:r>
             <a:r>
-              <a:rPr lang="en-US" sz="800" dirty="0">
+              <a:rPr lang="en-US" sz="800">
                 <a:solidFill>
                   <a:schemeClr val="accent1"/>
                 </a:solidFill>
@@ -44792,7 +44793,7 @@
               <a:t> se </a:t>
             </a:r>
             <a:r>
-              <a:rPr lang="en-US" sz="800" dirty="0" err="1">
+              <a:rPr lang="en-US" sz="800" err="1">
                 <a:solidFill>
                   <a:schemeClr val="accent1"/>
                 </a:solidFill>
@@ -44801,7 +44802,7 @@
               <a:t>prvo</a:t>
             </a:r>
             <a:r>
-              <a:rPr lang="en-US" sz="800" dirty="0">
+              <a:rPr lang="en-US" sz="800">
                 <a:solidFill>
                   <a:schemeClr val="accent1"/>
                 </a:solidFill>
@@ -44810,7 +44811,7 @@
               <a:t> </a:t>
             </a:r>
             <a:r>
-              <a:rPr lang="en-US" sz="800" dirty="0" err="1">
+              <a:rPr lang="en-US" sz="800" err="1">
                 <a:solidFill>
                   <a:schemeClr val="accent1"/>
                 </a:solidFill>
@@ -44819,7 +44820,7 @@
               <a:t>odredi</a:t>
             </a:r>
             <a:r>
-              <a:rPr lang="en-US" sz="800" dirty="0">
+              <a:rPr lang="en-US" sz="800">
                 <a:solidFill>
                   <a:schemeClr val="accent1"/>
                 </a:solidFill>
@@ -44828,7 +44829,7 @@
               <a:t> </a:t>
             </a:r>
             <a:r>
-              <a:rPr lang="en-US" sz="800" dirty="0" err="1">
+              <a:rPr lang="en-US" sz="800" err="1">
                 <a:solidFill>
                   <a:schemeClr val="accent1"/>
                 </a:solidFill>
@@ -44837,7 +44838,7 @@
               <a:t>maksimalni</a:t>
             </a:r>
             <a:r>
-              <a:rPr lang="en-US" sz="800" dirty="0">
+              <a:rPr lang="en-US" sz="800">
                 <a:solidFill>
                   <a:schemeClr val="accent1"/>
                 </a:solidFill>
@@ -44846,7 +44847,7 @@
               <a:t> </a:t>
             </a:r>
             <a:r>
-              <a:rPr lang="en-US" sz="800" dirty="0" err="1">
+              <a:rPr lang="en-US" sz="800" err="1">
                 <a:solidFill>
                   <a:schemeClr val="accent1"/>
                 </a:solidFill>
@@ -44855,7 +44856,7 @@
               <a:t>sloj</a:t>
             </a:r>
             <a:r>
-              <a:rPr lang="en-US" sz="800" dirty="0">
+              <a:rPr lang="en-US" sz="800">
                 <a:solidFill>
                   <a:schemeClr val="accent1"/>
                 </a:solidFill>
@@ -44864,7 +44865,7 @@
               <a:t> </a:t>
             </a:r>
             <a:r>
-              <a:rPr lang="en-US" sz="800" i="1" dirty="0">
+              <a:rPr lang="en-US" sz="800" i="1">
                 <a:solidFill>
                   <a:schemeClr val="accent1"/>
                 </a:solidFill>
@@ -44873,7 +44874,7 @@
               <a:t>l</a:t>
             </a:r>
             <a:r>
-              <a:rPr lang="en-US" sz="800" dirty="0">
+              <a:rPr lang="en-US" sz="800">
                 <a:solidFill>
                   <a:schemeClr val="accent1"/>
                 </a:solidFill>
@@ -44882,7 +44883,7 @@
               <a:t> </a:t>
             </a:r>
             <a:r>
-              <a:rPr lang="en-US" sz="800" dirty="0" err="1">
+              <a:rPr lang="en-US" sz="800" err="1">
                 <a:solidFill>
                   <a:schemeClr val="accent1"/>
                 </a:solidFill>
@@ -44891,7 +44892,7 @@
               <a:t>na</a:t>
             </a:r>
             <a:r>
-              <a:rPr lang="en-US" sz="800" dirty="0">
+              <a:rPr lang="en-US" sz="800">
                 <a:solidFill>
                   <a:schemeClr val="accent1"/>
                 </a:solidFill>
@@ -44900,7 +44901,7 @@
               <a:t> </a:t>
             </a:r>
             <a:r>
-              <a:rPr lang="en-US" sz="800" dirty="0" err="1">
+              <a:rPr lang="en-US" sz="800" err="1">
                 <a:solidFill>
                   <a:schemeClr val="accent1"/>
                 </a:solidFill>
@@ -44909,7 +44910,7 @@
               <a:t>kom</a:t>
             </a:r>
             <a:r>
-              <a:rPr lang="en-US" sz="800" dirty="0">
+              <a:rPr lang="en-US" sz="800">
                 <a:solidFill>
                   <a:schemeClr val="accent1"/>
                 </a:solidFill>
@@ -44918,7 +44919,7 @@
               <a:t> </a:t>
             </a:r>
             <a:r>
-              <a:rPr lang="en-US" sz="800" dirty="0" err="1">
+              <a:rPr lang="en-US" sz="800" err="1">
                 <a:solidFill>
                   <a:schemeClr val="accent1"/>
                 </a:solidFill>
@@ -44927,7 +44928,7 @@
               <a:t>će</a:t>
             </a:r>
             <a:r>
-              <a:rPr lang="en-US" sz="800" dirty="0">
+              <a:rPr lang="en-US" sz="800">
                 <a:solidFill>
                   <a:schemeClr val="accent1"/>
                 </a:solidFill>
@@ -44936,7 +44937,7 @@
               <a:t> se </a:t>
             </a:r>
             <a:r>
-              <a:rPr lang="en-US" sz="800" dirty="0" err="1">
+              <a:rPr lang="en-US" sz="800" err="1">
                 <a:solidFill>
                   <a:schemeClr val="accent1"/>
                 </a:solidFill>
@@ -44945,7 +44946,7 @@
               <a:t>nalaziti</a:t>
             </a:r>
             <a:r>
-              <a:rPr lang="en-US" sz="800" dirty="0">
+              <a:rPr lang="en-US" sz="800">
                 <a:solidFill>
                   <a:schemeClr val="accent1"/>
                 </a:solidFill>
@@ -44954,7 +44955,7 @@
               <a:t>. To se </a:t>
             </a:r>
             <a:r>
-              <a:rPr lang="en-US" sz="800" dirty="0" err="1">
+              <a:rPr lang="en-US" sz="800" err="1">
                 <a:solidFill>
                   <a:schemeClr val="accent1"/>
                 </a:solidFill>
@@ -44963,7 +44964,7 @@
               <a:t>radi</a:t>
             </a:r>
             <a:r>
-              <a:rPr lang="en-US" sz="800" dirty="0">
+              <a:rPr lang="en-US" sz="800">
                 <a:solidFill>
                   <a:schemeClr val="accent1"/>
                 </a:solidFill>
@@ -44972,7 +44973,7 @@
               <a:t> </a:t>
             </a:r>
             <a:r>
-              <a:rPr lang="en-US" sz="800" dirty="0" err="1">
+              <a:rPr lang="en-US" sz="800" err="1">
                 <a:solidFill>
                   <a:schemeClr val="accent1"/>
                 </a:solidFill>
@@ -44981,7 +44982,7 @@
               <a:t>probabilistički</a:t>
             </a:r>
             <a:r>
-              <a:rPr lang="en-US" sz="800" dirty="0">
+              <a:rPr lang="en-US" sz="800">
                 <a:solidFill>
                   <a:schemeClr val="accent1"/>
                 </a:solidFill>
@@ -44990,7 +44991,7 @@
               <a:t> – </a:t>
             </a:r>
             <a:r>
-              <a:rPr lang="en-US" sz="800" i="1" dirty="0">
+              <a:rPr lang="en-US" sz="800" i="1">
                 <a:solidFill>
                   <a:schemeClr val="accent1"/>
                 </a:solidFill>
@@ -44999,7 +45000,7 @@
               <a:t>l</a:t>
             </a:r>
             <a:r>
-              <a:rPr lang="en-US" sz="800" dirty="0">
+              <a:rPr lang="en-US" sz="800">
                 <a:solidFill>
                   <a:schemeClr val="accent1"/>
                 </a:solidFill>
@@ -45008,7 +45009,7 @@
               <a:t> se </a:t>
             </a:r>
             <a:r>
-              <a:rPr lang="en-US" sz="800" dirty="0" err="1">
+              <a:rPr lang="en-US" sz="800" err="1">
                 <a:solidFill>
                   <a:schemeClr val="accent1"/>
                 </a:solidFill>
@@ -45017,7 +45018,7 @@
               <a:t>bira</a:t>
             </a:r>
             <a:r>
-              <a:rPr lang="en-US" sz="800" dirty="0">
+              <a:rPr lang="en-US" sz="800">
                 <a:solidFill>
                   <a:schemeClr val="accent1"/>
                 </a:solidFill>
@@ -45026,7 +45027,7 @@
               <a:t> </a:t>
             </a:r>
             <a:r>
-              <a:rPr lang="en-US" sz="800" dirty="0" err="1">
+              <a:rPr lang="en-US" sz="800" err="1">
                 <a:solidFill>
                   <a:schemeClr val="accent1"/>
                 </a:solidFill>
@@ -45035,7 +45036,7 @@
               <a:t>iz</a:t>
             </a:r>
             <a:r>
-              <a:rPr lang="en-US" sz="800" dirty="0">
+              <a:rPr lang="en-US" sz="800">
                 <a:solidFill>
                   <a:schemeClr val="accent1"/>
                 </a:solidFill>
@@ -45044,7 +45045,7 @@
               <a:t> </a:t>
             </a:r>
             <a:r>
-              <a:rPr lang="en-US" sz="800" dirty="0" err="1">
+              <a:rPr lang="en-US" sz="800" err="1">
                 <a:solidFill>
                   <a:schemeClr val="accent1"/>
                 </a:solidFill>
@@ -45053,7 +45054,7 @@
               <a:t>eksponencijalno</a:t>
             </a:r>
             <a:r>
-              <a:rPr lang="en-US" sz="800" dirty="0">
+              <a:rPr lang="en-US" sz="800">
                 <a:solidFill>
                   <a:schemeClr val="accent1"/>
                 </a:solidFill>
@@ -45062,7 +45063,7 @@
               <a:t> </a:t>
             </a:r>
             <a:r>
-              <a:rPr lang="en-US" sz="800" dirty="0" err="1">
+              <a:rPr lang="en-US" sz="800" err="1">
                 <a:solidFill>
                   <a:schemeClr val="accent1"/>
                 </a:solidFill>
@@ -45071,7 +45072,7 @@
               <a:t>opadajuće</a:t>
             </a:r>
             <a:r>
-              <a:rPr lang="en-US" sz="800" dirty="0">
+              <a:rPr lang="en-US" sz="800">
                 <a:solidFill>
                   <a:schemeClr val="accent1"/>
                 </a:solidFill>
@@ -45080,7 +45081,7 @@
               <a:t> </a:t>
             </a:r>
             <a:r>
-              <a:rPr lang="en-US" sz="800" dirty="0" err="1">
+              <a:rPr lang="en-US" sz="800" err="1">
                 <a:solidFill>
                   <a:schemeClr val="accent1"/>
                 </a:solidFill>
@@ -45089,7 +45090,7 @@
               <a:t>raspodele</a:t>
             </a:r>
             <a:r>
-              <a:rPr lang="en-US" sz="800" dirty="0">
+              <a:rPr lang="en-US" sz="800">
                 <a:solidFill>
                   <a:schemeClr val="accent1"/>
                 </a:solidFill>
@@ -45098,7 +45099,7 @@
               <a:t> (</a:t>
             </a:r>
             <a:r>
-              <a:rPr lang="en-US" sz="800" dirty="0" err="1">
+              <a:rPr lang="en-US" sz="800" err="1">
                 <a:solidFill>
                   <a:schemeClr val="accent1"/>
                 </a:solidFill>
@@ -45107,7 +45108,7 @@
               <a:t>normalizovane</a:t>
             </a:r>
             <a:r>
-              <a:rPr lang="en-US" sz="800" dirty="0">
+              <a:rPr lang="en-US" sz="800">
                 <a:solidFill>
                   <a:schemeClr val="accent1"/>
                 </a:solidFill>
@@ -45116,7 +45117,7 @@
               <a:t>  pa-</a:t>
             </a:r>
             <a:r>
-              <a:rPr lang="en-US" sz="800" dirty="0" err="1">
+              <a:rPr lang="en-US" sz="800" err="1">
                 <a:solidFill>
                   <a:schemeClr val="accent1"/>
                 </a:solidFill>
@@ -45125,7 +45126,7 @@
               <a:t>rametrom</a:t>
             </a:r>
             <a:r>
-              <a:rPr lang="en-US" sz="800" dirty="0">
+              <a:rPr lang="en-US" sz="800">
                 <a:solidFill>
                   <a:schemeClr val="accent1"/>
                 </a:solidFill>
@@ -45134,7 +45135,7 @@
               <a:t> koji </a:t>
             </a:r>
             <a:r>
-              <a:rPr lang="en-US" sz="800" dirty="0" err="1">
+              <a:rPr lang="en-US" sz="800" err="1">
                 <a:solidFill>
                   <a:schemeClr val="accent1"/>
                 </a:solidFill>
@@ -45143,7 +45144,7 @@
               <a:t>određuje</a:t>
             </a:r>
             <a:r>
-              <a:rPr lang="en-US" sz="800" dirty="0">
+              <a:rPr lang="en-US" sz="800">
                 <a:solidFill>
                   <a:schemeClr val="accent1"/>
                 </a:solidFill>
@@ -45152,7 +45153,7 @@
               <a:t> </a:t>
             </a:r>
             <a:r>
-              <a:rPr lang="en-US" sz="800" dirty="0" err="1">
+              <a:rPr lang="en-US" sz="800" err="1">
                 <a:solidFill>
                   <a:schemeClr val="accent1"/>
                 </a:solidFill>
@@ -45161,7 +45162,7 @@
               <a:t>maksimalan</a:t>
             </a:r>
             <a:r>
-              <a:rPr lang="en-US" sz="800" dirty="0">
+              <a:rPr lang="en-US" sz="800">
                 <a:solidFill>
                   <a:schemeClr val="accent1"/>
                 </a:solidFill>
@@ -45170,7 +45171,7 @@
               <a:t> </a:t>
             </a:r>
             <a:r>
-              <a:rPr lang="en-US" sz="800" dirty="0" err="1">
+              <a:rPr lang="en-US" sz="800" err="1">
                 <a:solidFill>
                   <a:schemeClr val="accent1"/>
                 </a:solidFill>
@@ -45179,7 +45180,7 @@
               <a:t>broj</a:t>
             </a:r>
             <a:r>
-              <a:rPr lang="en-US" sz="800" dirty="0">
+              <a:rPr lang="en-US" sz="800">
                 <a:solidFill>
                   <a:schemeClr val="accent1"/>
                 </a:solidFill>
@@ -45188,7 +45189,7 @@
               <a:t> </a:t>
             </a:r>
             <a:r>
-              <a:rPr lang="en-US" sz="800" dirty="0" err="1">
+              <a:rPr lang="en-US" sz="800" err="1">
                 <a:solidFill>
                   <a:schemeClr val="accent1"/>
                 </a:solidFill>
@@ -45197,7 +45198,7 @@
               <a:t>konekcija</a:t>
             </a:r>
             <a:r>
-              <a:rPr lang="en-US" sz="800" dirty="0">
+              <a:rPr lang="en-US" sz="800">
                 <a:solidFill>
                   <a:schemeClr val="accent1"/>
                 </a:solidFill>
@@ -45206,7 +45207,7 @@
               <a:t> po </a:t>
             </a:r>
             <a:r>
-              <a:rPr lang="en-US" sz="800" dirty="0" err="1">
+              <a:rPr lang="en-US" sz="800" err="1">
                 <a:solidFill>
                   <a:schemeClr val="accent1"/>
                 </a:solidFill>
@@ -45215,7 +45216,7 @@
               <a:t>čvoru</a:t>
             </a:r>
             <a:r>
-              <a:rPr lang="en-US" sz="800" dirty="0">
+              <a:rPr lang="en-US" sz="800">
                 <a:solidFill>
                   <a:schemeClr val="accent1"/>
                 </a:solidFill>
@@ -45224,7 +45225,7 @@
               <a:t>).</a:t>
             </a:r>
             <a:r>
-              <a:rPr lang="en-US" sz="800" dirty="0">
+              <a:rPr lang="en-US" sz="800">
                 <a:solidFill>
                   <a:schemeClr val="accent1"/>
                 </a:solidFill>
@@ -45452,7 +45453,7 @@
           <a:p>
             <a:pPr algn="just"/>
             <a:r>
-              <a:rPr lang="en-US" sz="800" dirty="0">
+              <a:rPr lang="en-US" sz="800">
                 <a:solidFill>
                   <a:schemeClr val="accent1"/>
                 </a:solidFill>
@@ -45461,7 +45462,7 @@
               <a:t>U </a:t>
             </a:r>
             <a:r>
-              <a:rPr lang="en-US" sz="800" dirty="0" err="1">
+              <a:rPr lang="en-US" sz="800" err="1">
                 <a:solidFill>
                   <a:schemeClr val="accent1"/>
                 </a:solidFill>
@@ -45470,7 +45471,7 @@
               <a:t>sledećoj</a:t>
             </a:r>
             <a:r>
-              <a:rPr lang="en-US" sz="800" dirty="0">
+              <a:rPr lang="en-US" sz="800">
                 <a:solidFill>
                   <a:schemeClr val="accent1"/>
                 </a:solidFill>
@@ -45479,7 +45480,7 @@
               <a:t> </a:t>
             </a:r>
             <a:r>
-              <a:rPr lang="en-US" sz="800" dirty="0" err="1">
+              <a:rPr lang="en-US" sz="800" err="1">
                 <a:solidFill>
                   <a:schemeClr val="accent1"/>
                 </a:solidFill>
@@ -45488,7 +45489,7 @@
               <a:t>fazi</a:t>
             </a:r>
             <a:r>
-              <a:rPr lang="en-US" sz="800" dirty="0">
+              <a:rPr lang="en-US" sz="800">
                 <a:solidFill>
                   <a:schemeClr val="accent1"/>
                 </a:solidFill>
@@ -45497,7 +45498,7 @@
               <a:t> </a:t>
             </a:r>
             <a:r>
-              <a:rPr lang="en-US" sz="800" dirty="0" err="1">
+              <a:rPr lang="en-US" sz="800" err="1">
                 <a:solidFill>
                   <a:schemeClr val="accent1"/>
                 </a:solidFill>
@@ -45506,7 +45507,7 @@
               <a:t>pretrage</a:t>
             </a:r>
             <a:r>
-              <a:rPr lang="en-US" sz="800" dirty="0">
+              <a:rPr lang="en-US" sz="800">
                 <a:solidFill>
                   <a:schemeClr val="accent1"/>
                 </a:solidFill>
@@ -45515,7 +45516,7 @@
               <a:t> se </a:t>
             </a:r>
             <a:r>
-              <a:rPr lang="en-US" sz="800" dirty="0" err="1">
+              <a:rPr lang="en-US" sz="800" err="1">
                 <a:solidFill>
                   <a:schemeClr val="accent1"/>
                 </a:solidFill>
@@ -45524,7 +45525,7 @@
               <a:t>polazi</a:t>
             </a:r>
             <a:r>
-              <a:rPr lang="en-US" sz="800" dirty="0">
+              <a:rPr lang="en-US" sz="800">
                 <a:solidFill>
                   <a:schemeClr val="accent1"/>
                 </a:solidFill>
@@ -45533,7 +45534,7 @@
               <a:t> od </a:t>
             </a:r>
             <a:r>
-              <a:rPr lang="en-US" sz="800" dirty="0" err="1">
+              <a:rPr lang="en-US" sz="800" err="1">
                 <a:solidFill>
                   <a:schemeClr val="accent1"/>
                 </a:solidFill>
@@ -45542,7 +45543,7 @@
               <a:t>sloja</a:t>
             </a:r>
             <a:r>
-              <a:rPr lang="en-US" sz="800" dirty="0">
+              <a:rPr lang="en-US" sz="800">
                 <a:solidFill>
                   <a:schemeClr val="accent1"/>
                 </a:solidFill>
@@ -45551,7 +45552,7 @@
               <a:t> </a:t>
             </a:r>
             <a:r>
-              <a:rPr lang="en-US" sz="800" dirty="0" err="1">
+              <a:rPr lang="en-US" sz="800" err="1">
                 <a:solidFill>
                   <a:schemeClr val="accent1"/>
                 </a:solidFill>
@@ -45560,7 +45561,7 @@
               <a:t>odabranog</a:t>
             </a:r>
             <a:r>
-              <a:rPr lang="en-US" sz="800" dirty="0">
+              <a:rPr lang="en-US" sz="800">
                 <a:solidFill>
                   <a:schemeClr val="accent1"/>
                 </a:solidFill>
@@ -45569,7 +45570,7 @@
               <a:t> </a:t>
             </a:r>
             <a:r>
-              <a:rPr lang="en-US" sz="800" dirty="0" err="1">
+              <a:rPr lang="en-US" sz="800" err="1">
                 <a:solidFill>
                   <a:schemeClr val="accent1"/>
                 </a:solidFill>
@@ -45578,7 +45579,7 @@
               <a:t>sloja</a:t>
             </a:r>
             <a:r>
-              <a:rPr lang="en-US" sz="800" dirty="0">
+              <a:rPr lang="en-US" sz="800">
                 <a:solidFill>
                   <a:schemeClr val="accent1"/>
                 </a:solidFill>
@@ -45587,7 +45588,7 @@
               <a:t> </a:t>
             </a:r>
             <a:r>
-              <a:rPr lang="en-US" sz="800" i="1" dirty="0">
+              <a:rPr lang="en-US" sz="800" i="1">
                 <a:solidFill>
                   <a:schemeClr val="accent1"/>
                 </a:solidFill>
@@ -45596,7 +45597,7 @@
               <a:t>l</a:t>
             </a:r>
             <a:r>
-              <a:rPr lang="en-US" sz="800" dirty="0">
+              <a:rPr lang="en-US" sz="800">
                 <a:solidFill>
                   <a:schemeClr val="accent1"/>
                 </a:solidFill>
@@ -45605,7 +45606,7 @@
               <a:t> (</a:t>
             </a:r>
             <a:r>
-              <a:rPr lang="en-US" sz="800" dirty="0" err="1">
+              <a:rPr lang="en-US" sz="800" err="1">
                 <a:solidFill>
                   <a:schemeClr val="accent1"/>
                 </a:solidFill>
@@ -45614,7 +45615,7 @@
               <a:t>ako</a:t>
             </a:r>
             <a:r>
-              <a:rPr lang="en-US" sz="800" dirty="0">
+              <a:rPr lang="en-US" sz="800">
                 <a:solidFill>
                   <a:schemeClr val="accent1"/>
                 </a:solidFill>
@@ -45623,7 +45624,7 @@
               <a:t> je on </a:t>
             </a:r>
             <a:r>
-              <a:rPr lang="en-US" sz="800" dirty="0" err="1">
+              <a:rPr lang="en-US" sz="800" err="1">
                 <a:solidFill>
                   <a:schemeClr val="accent1"/>
                 </a:solidFill>
@@ -45632,7 +45633,7 @@
               <a:t>ispod</a:t>
             </a:r>
             <a:r>
-              <a:rPr lang="en-US" sz="800" dirty="0">
+              <a:rPr lang="en-US" sz="800">
                 <a:solidFill>
                   <a:schemeClr val="accent1"/>
                 </a:solidFill>
@@ -45641,7 +45642,7 @@
               <a:t> </a:t>
             </a:r>
             <a:r>
-              <a:rPr lang="en-US" sz="800" dirty="0" err="1">
+              <a:rPr lang="en-US" sz="800" err="1">
                 <a:solidFill>
                   <a:schemeClr val="accent1"/>
                 </a:solidFill>
@@ -45650,7 +45651,7 @@
               <a:t>najvišeg</a:t>
             </a:r>
             <a:r>
-              <a:rPr lang="en-US" sz="800" dirty="0">
+              <a:rPr lang="en-US" sz="800">
                 <a:solidFill>
                   <a:schemeClr val="accent1"/>
                 </a:solidFill>
@@ -45659,7 +45660,7 @@
               <a:t> </a:t>
             </a:r>
             <a:r>
-              <a:rPr lang="en-US" sz="800" dirty="0" err="1">
+              <a:rPr lang="en-US" sz="800" err="1">
                 <a:solidFill>
                   <a:schemeClr val="accent1"/>
                 </a:solidFill>
@@ -45668,7 +45669,7 @@
               <a:t>sloja</a:t>
             </a:r>
             <a:r>
-              <a:rPr lang="en-US" sz="800" dirty="0">
+              <a:rPr lang="en-US" sz="800">
                 <a:solidFill>
                   <a:schemeClr val="accent1"/>
                 </a:solidFill>
@@ -45677,7 +45678,7 @@
               <a:t>) </a:t>
             </a:r>
             <a:r>
-              <a:rPr lang="en-US" sz="800" dirty="0" err="1">
+              <a:rPr lang="en-US" sz="800" err="1">
                 <a:solidFill>
                   <a:schemeClr val="accent1"/>
                 </a:solidFill>
@@ -45686,7 +45687,7 @@
               <a:t>i</a:t>
             </a:r>
             <a:r>
-              <a:rPr lang="en-US" sz="800" dirty="0">
+              <a:rPr lang="en-US" sz="800">
                 <a:solidFill>
                   <a:schemeClr val="accent1"/>
                 </a:solidFill>
@@ -45695,7 +45696,7 @@
               <a:t> ide ka </a:t>
             </a:r>
             <a:r>
-              <a:rPr lang="en-US" sz="800" dirty="0" err="1">
+              <a:rPr lang="en-US" sz="800" err="1">
                 <a:solidFill>
                   <a:schemeClr val="accent1"/>
                 </a:solidFill>
@@ -45704,7 +45705,7 @@
               <a:t>nižim</a:t>
             </a:r>
             <a:r>
-              <a:rPr lang="en-US" sz="800" dirty="0">
+              <a:rPr lang="en-US" sz="800">
                 <a:solidFill>
                   <a:schemeClr val="accent1"/>
                 </a:solidFill>
@@ -45713,7 +45714,7 @@
               <a:t> </a:t>
             </a:r>
             <a:r>
-              <a:rPr lang="en-US" sz="800" dirty="0" err="1">
+              <a:rPr lang="en-US" sz="800" err="1">
                 <a:solidFill>
                   <a:schemeClr val="accent1"/>
                 </a:solidFill>
@@ -45722,7 +45723,7 @@
               <a:t>slojevima</a:t>
             </a:r>
             <a:r>
-              <a:rPr lang="en-US" sz="800" dirty="0">
+              <a:rPr lang="en-US" sz="800">
                 <a:solidFill>
                   <a:schemeClr val="accent1"/>
                 </a:solidFill>
@@ -45731,7 +45732,7 @@
               <a:t>, </a:t>
             </a:r>
             <a:r>
-              <a:rPr lang="en-US" sz="800" dirty="0" err="1">
+              <a:rPr lang="en-US" sz="800" err="1">
                 <a:solidFill>
                   <a:schemeClr val="accent1"/>
                 </a:solidFill>
@@ -45740,7 +45741,7 @@
               <a:t>pri</a:t>
             </a:r>
             <a:r>
-              <a:rPr lang="en-US" sz="800" dirty="0">
+              <a:rPr lang="en-US" sz="800">
                 <a:solidFill>
                   <a:schemeClr val="accent1"/>
                 </a:solidFill>
@@ -45749,7 +45750,7 @@
               <a:t> </a:t>
             </a:r>
             <a:r>
-              <a:rPr lang="en-US" sz="800" dirty="0" err="1">
+              <a:rPr lang="en-US" sz="800" err="1">
                 <a:solidFill>
                   <a:schemeClr val="accent1"/>
                 </a:solidFill>
@@ -45758,7 +45759,7 @@
               <a:t>čemu</a:t>
             </a:r>
             <a:r>
-              <a:rPr lang="en-US" sz="800" dirty="0">
+              <a:rPr lang="en-US" sz="800">
                 <a:solidFill>
                   <a:schemeClr val="accent1"/>
                 </a:solidFill>
@@ -45767,7 +45768,7 @@
               <a:t> </a:t>
             </a:r>
             <a:r>
-              <a:rPr lang="en-US" sz="800" dirty="0" err="1">
+              <a:rPr lang="en-US" sz="800" err="1">
                 <a:solidFill>
                   <a:schemeClr val="accent1"/>
                 </a:solidFill>
@@ -45776,7 +45777,7 @@
               <a:t>pretraga</a:t>
             </a:r>
             <a:r>
-              <a:rPr lang="en-US" sz="800" dirty="0">
+              <a:rPr lang="en-US" sz="800">
                 <a:solidFill>
                   <a:schemeClr val="accent1"/>
                 </a:solidFill>
@@ -45785,7 +45786,7 @@
               <a:t> </a:t>
             </a:r>
             <a:r>
-              <a:rPr lang="en-US" sz="800" dirty="0" err="1">
+              <a:rPr lang="en-US" sz="800" err="1">
                 <a:solidFill>
                   <a:schemeClr val="accent1"/>
                 </a:solidFill>
@@ -45794,7 +45795,7 @@
               <a:t>počinje</a:t>
             </a:r>
             <a:r>
-              <a:rPr lang="en-US" sz="800" dirty="0">
+              <a:rPr lang="en-US" sz="800">
                 <a:solidFill>
                   <a:schemeClr val="accent1"/>
                 </a:solidFill>
@@ -45803,7 +45804,7 @@
               <a:t> od </a:t>
             </a:r>
             <a:r>
-              <a:rPr lang="en-US" sz="800" dirty="0" err="1">
+              <a:rPr lang="en-US" sz="800" err="1">
                 <a:solidFill>
                   <a:schemeClr val="accent1"/>
                 </a:solidFill>
@@ -45812,7 +45813,7 @@
               <a:t>čvora</a:t>
             </a:r>
             <a:r>
-              <a:rPr lang="en-US" sz="800" dirty="0">
+              <a:rPr lang="en-US" sz="800">
                 <a:solidFill>
                   <a:schemeClr val="accent1"/>
                 </a:solidFill>
@@ -45821,7 +45822,7 @@
               <a:t> </a:t>
             </a:r>
             <a:r>
-              <a:rPr lang="en-US" sz="800" dirty="0" err="1">
+              <a:rPr lang="en-US" sz="800" err="1">
                 <a:solidFill>
                   <a:schemeClr val="accent1"/>
                 </a:solidFill>
@@ -45830,7 +45831,7 @@
               <a:t>pronađenog</a:t>
             </a:r>
             <a:r>
-              <a:rPr lang="en-US" sz="800" dirty="0">
+              <a:rPr lang="en-US" sz="800">
                 <a:solidFill>
                   <a:schemeClr val="accent1"/>
                 </a:solidFill>
@@ -45839,7 +45840,7 @@
               <a:t> u </a:t>
             </a:r>
             <a:r>
-              <a:rPr lang="en-US" sz="800" dirty="0" err="1">
+              <a:rPr lang="en-US" sz="800" err="1">
                 <a:solidFill>
                   <a:schemeClr val="accent1"/>
                 </a:solidFill>
@@ -45848,7 +45849,7 @@
               <a:t>prethodnom</a:t>
             </a:r>
             <a:r>
-              <a:rPr lang="en-US" sz="800" dirty="0">
+              <a:rPr lang="en-US" sz="800">
                 <a:solidFill>
                   <a:schemeClr val="accent1"/>
                 </a:solidFill>
@@ -45857,7 +45858,7 @@
               <a:t> </a:t>
             </a:r>
             <a:r>
-              <a:rPr lang="en-US" sz="800" dirty="0" err="1">
+              <a:rPr lang="en-US" sz="800" err="1">
                 <a:solidFill>
                   <a:schemeClr val="accent1"/>
                 </a:solidFill>
@@ -45866,7 +45867,7 @@
               <a:t>koraku</a:t>
             </a:r>
             <a:r>
-              <a:rPr lang="en-US" sz="800" dirty="0">
+              <a:rPr lang="en-US" sz="800">
                 <a:solidFill>
                   <a:schemeClr val="accent1"/>
                 </a:solidFill>
@@ -45875,7 +45876,7 @@
               <a:t>. (Ako se desi da je </a:t>
             </a:r>
             <a:r>
-              <a:rPr lang="en-US" sz="800" i="1" dirty="0">
+              <a:rPr lang="en-US" sz="800" i="1">
                 <a:solidFill>
                   <a:schemeClr val="accent1"/>
                 </a:solidFill>
@@ -45884,7 +45885,7 @@
               <a:t>l</a:t>
             </a:r>
             <a:r>
-              <a:rPr lang="en-US" sz="800" dirty="0">
+              <a:rPr lang="en-US" sz="800">
                 <a:solidFill>
                   <a:schemeClr val="accent1"/>
                 </a:solidFill>
@@ -45893,7 +45894,7 @@
               <a:t> </a:t>
             </a:r>
             <a:r>
-              <a:rPr lang="en-US" sz="800" dirty="0" err="1">
+              <a:rPr lang="en-US" sz="800" err="1">
                 <a:solidFill>
                   <a:schemeClr val="accent1"/>
                 </a:solidFill>
@@ -45902,7 +45903,7 @@
               <a:t>iznad</a:t>
             </a:r>
             <a:r>
-              <a:rPr lang="en-US" sz="800" dirty="0">
+              <a:rPr lang="en-US" sz="800">
                 <a:solidFill>
                   <a:schemeClr val="accent1"/>
                 </a:solidFill>
@@ -45911,7 +45912,7 @@
               <a:t> </a:t>
             </a:r>
             <a:r>
-              <a:rPr lang="en-US" sz="800" dirty="0" err="1">
+              <a:rPr lang="en-US" sz="800" err="1">
                 <a:solidFill>
                   <a:schemeClr val="accent1"/>
                 </a:solidFill>
@@ -45920,7 +45921,7 @@
               <a:t>najvišeg</a:t>
             </a:r>
             <a:r>
-              <a:rPr lang="en-US" sz="800" dirty="0">
+              <a:rPr lang="en-US" sz="800">
                 <a:solidFill>
                   <a:schemeClr val="accent1"/>
                 </a:solidFill>
@@ -45929,7 +45930,7 @@
               <a:t> </a:t>
             </a:r>
             <a:r>
-              <a:rPr lang="en-US" sz="800" dirty="0" err="1">
+              <a:rPr lang="en-US" sz="800" err="1">
                 <a:solidFill>
                   <a:schemeClr val="accent1"/>
                 </a:solidFill>
@@ -45938,7 +45939,7 @@
               <a:t>sloja</a:t>
             </a:r>
             <a:r>
-              <a:rPr lang="en-US" sz="800" dirty="0">
+              <a:rPr lang="en-US" sz="800">
                 <a:solidFill>
                   <a:schemeClr val="accent1"/>
                 </a:solidFill>
@@ -45947,7 +45948,7 @@
               <a:t>, </a:t>
             </a:r>
             <a:r>
-              <a:rPr lang="en-US" sz="800" dirty="0" err="1">
+              <a:rPr lang="en-US" sz="800" err="1">
                 <a:solidFill>
                   <a:schemeClr val="accent1"/>
                 </a:solidFill>
@@ -45956,7 +45957,7 @@
               <a:t>čvor</a:t>
             </a:r>
             <a:r>
-              <a:rPr lang="en-US" sz="800" dirty="0">
+              <a:rPr lang="en-US" sz="800">
                 <a:solidFill>
                   <a:schemeClr val="accent1"/>
                 </a:solidFill>
@@ -45965,7 +45966,7 @@
               <a:t> </a:t>
             </a:r>
             <a:r>
-              <a:rPr lang="en-US" sz="800" i="1" dirty="0">
+              <a:rPr lang="en-US" sz="800" i="1">
                 <a:solidFill>
                   <a:schemeClr val="accent1"/>
                 </a:solidFill>
@@ -45974,7 +45975,7 @@
               <a:t>q</a:t>
             </a:r>
             <a:r>
-              <a:rPr lang="en-US" sz="800" dirty="0">
+              <a:rPr lang="en-US" sz="800">
                 <a:solidFill>
                   <a:schemeClr val="accent1"/>
                 </a:solidFill>
@@ -45983,7 +45984,7 @@
               <a:t> se </a:t>
             </a:r>
             <a:r>
-              <a:rPr lang="en-US" sz="800" dirty="0" err="1">
+              <a:rPr lang="en-US" sz="800" err="1">
                 <a:solidFill>
                   <a:schemeClr val="accent1"/>
                 </a:solidFill>
@@ -45992,7 +45993,7 @@
               <a:t>dodaje</a:t>
             </a:r>
             <a:r>
-              <a:rPr lang="en-US" sz="800" dirty="0">
+              <a:rPr lang="en-US" sz="800">
                 <a:solidFill>
                   <a:schemeClr val="accent1"/>
                 </a:solidFill>
@@ -46001,7 +46002,7 @@
               <a:t> </a:t>
             </a:r>
             <a:r>
-              <a:rPr lang="en-US" sz="800" dirty="0" err="1">
+              <a:rPr lang="en-US" sz="800" err="1">
                 <a:solidFill>
                   <a:schemeClr val="accent1"/>
                 </a:solidFill>
@@ -46010,7 +46011,7 @@
               <a:t>kao</a:t>
             </a:r>
             <a:r>
-              <a:rPr lang="en-US" sz="800" dirty="0">
+              <a:rPr lang="en-US" sz="800">
                 <a:solidFill>
                   <a:schemeClr val="accent1"/>
                 </a:solidFill>
@@ -46019,7 +46020,7 @@
               <a:t> </a:t>
             </a:r>
             <a:r>
-              <a:rPr lang="en-US" sz="800" dirty="0" err="1">
+              <a:rPr lang="en-US" sz="800" err="1">
                 <a:solidFill>
                   <a:schemeClr val="accent1"/>
                 </a:solidFill>
@@ -46028,7 +46029,7 @@
               <a:t>polazni</a:t>
             </a:r>
             <a:r>
-              <a:rPr lang="en-US" sz="800" dirty="0">
+              <a:rPr lang="en-US" sz="800">
                 <a:solidFill>
                   <a:schemeClr val="accent1"/>
                 </a:solidFill>
@@ -46037,7 +46038,7 @@
               <a:t> </a:t>
             </a:r>
             <a:r>
-              <a:rPr lang="en-US" sz="800" dirty="0" err="1">
+              <a:rPr lang="en-US" sz="800" err="1">
                 <a:solidFill>
                   <a:schemeClr val="accent1"/>
                 </a:solidFill>
@@ -46046,7 +46047,7 @@
               <a:t>čvor</a:t>
             </a:r>
             <a:r>
-              <a:rPr lang="en-US" sz="800" dirty="0">
+              <a:rPr lang="en-US" sz="800">
                 <a:solidFill>
                   <a:schemeClr val="accent1"/>
                 </a:solidFill>
@@ -46055,7 +46056,7 @@
               <a:t> </a:t>
             </a:r>
             <a:r>
-              <a:rPr lang="en-US" sz="800" dirty="0" err="1">
+              <a:rPr lang="en-US" sz="800" err="1">
                 <a:solidFill>
                   <a:schemeClr val="accent1"/>
                 </a:solidFill>
@@ -46064,7 +46065,7 @@
               <a:t>hnsw</a:t>
             </a:r>
             <a:r>
-              <a:rPr lang="en-US" sz="800" dirty="0">
+              <a:rPr lang="en-US" sz="800">
                 <a:solidFill>
                   <a:schemeClr val="accent1"/>
                 </a:solidFill>
@@ -46072,7 +46073,7 @@
               </a:rPr>
               <a:t>-a.)</a:t>
             </a:r>
-            <a:endParaRPr lang="en" sz="800" dirty="0">
+            <a:endParaRPr lang="en" sz="800">
               <a:solidFill>
                 <a:schemeClr val="accent1"/>
               </a:solidFill>
@@ -48281,8 +48282,8 @@
         </p:nvSpPr>
         <p:spPr>
           <a:xfrm>
-            <a:off x="2347950" y="776525"/>
-            <a:ext cx="4448100" cy="822300"/>
+            <a:off x="1812169" y="1333738"/>
+            <a:ext cx="5526806" cy="822300"/>
           </a:xfrm>
           <a:prstGeom prst="rect">
             <a:avLst/>
@@ -48452,7 +48453,7 @@
         </p:blipFill>
         <p:spPr>
           <a:xfrm>
-            <a:off x="3768251" y="2735616"/>
+            <a:off x="3646807" y="2821341"/>
             <a:ext cx="1613576" cy="430824"/>
           </a:xfrm>
           <a:prstGeom prst="rect">
@@ -48460,6 +48461,596 @@
           </a:prstGeom>
         </p:spPr>
       </p:pic>
+      <p:sp>
+        <p:nvSpPr>
+          <p:cNvPr id="6" name="Google Shape;1228;p49">
+            <a:extLst>
+              <a:ext uri="{FF2B5EF4-FFF2-40B4-BE49-F238E27FC236}">
+                <a16:creationId xmlns:a16="http://schemas.microsoft.com/office/drawing/2014/main" id="{83EFED7B-5328-92C5-93C0-B29DA0DCAD02}"/>
+              </a:ext>
+            </a:extLst>
+          </p:cNvPr>
+          <p:cNvSpPr txBox="1">
+            <a:spLocks/>
+          </p:cNvSpPr>
+          <p:nvPr/>
+        </p:nvSpPr>
+        <p:spPr>
+          <a:xfrm>
+            <a:off x="2707518" y="2243374"/>
+            <a:ext cx="1740619" cy="579413"/>
+          </a:xfrm>
+          <a:prstGeom prst="rect">
+            <a:avLst/>
+          </a:prstGeom>
+          <a:noFill/>
+          <a:ln>
+            <a:noFill/>
+          </a:ln>
+        </p:spPr>
+        <p:txBody>
+          <a:bodyPr spcFirstLastPara="1" wrap="square" lIns="91425" tIns="91425" rIns="91425" bIns="91425" anchor="t" anchorCtr="0">
+            <a:noAutofit/>
+          </a:bodyPr>
+          <a:lstStyle>
+            <a:defPPr marR="0" lvl="0" algn="l" rtl="0">
+              <a:lnSpc>
+                <a:spcPct val="100000"/>
+              </a:lnSpc>
+              <a:spcBef>
+                <a:spcPts val="0"/>
+              </a:spcBef>
+              <a:spcAft>
+                <a:spcPts val="0"/>
+              </a:spcAft>
+            </a:defPPr>
+            <a:lvl1pPr marR="0" lvl="0" algn="ctr" rtl="0">
+              <a:lnSpc>
+                <a:spcPct val="100000"/>
+              </a:lnSpc>
+              <a:spcBef>
+                <a:spcPts val="0"/>
+              </a:spcBef>
+              <a:spcAft>
+                <a:spcPts val="0"/>
+              </a:spcAft>
+              <a:buClr>
+                <a:schemeClr val="accent1"/>
+              </a:buClr>
+              <a:buSzPts val="2500"/>
+              <a:buFont typeface="Krona One"/>
+              <a:buNone/>
+              <a:defRPr sz="5000" b="0" i="0" u="none" strike="noStrike" cap="none">
+                <a:solidFill>
+                  <a:schemeClr val="accent1"/>
+                </a:solidFill>
+                <a:latin typeface="Krona One"/>
+                <a:ea typeface="Krona One"/>
+                <a:cs typeface="Krona One"/>
+                <a:sym typeface="Krona One"/>
+              </a:defRPr>
+            </a:lvl1pPr>
+            <a:lvl2pPr marR="0" lvl="1" algn="l" rtl="0">
+              <a:lnSpc>
+                <a:spcPct val="100000"/>
+              </a:lnSpc>
+              <a:spcBef>
+                <a:spcPts val="0"/>
+              </a:spcBef>
+              <a:spcAft>
+                <a:spcPts val="0"/>
+              </a:spcAft>
+              <a:buClr>
+                <a:schemeClr val="accent1"/>
+              </a:buClr>
+              <a:buSzPts val="2500"/>
+              <a:buFont typeface="Krona One"/>
+              <a:buNone/>
+              <a:defRPr sz="2500" b="1" i="0" u="none" strike="noStrike" cap="none">
+                <a:solidFill>
+                  <a:schemeClr val="accent1"/>
+                </a:solidFill>
+                <a:latin typeface="Krona One"/>
+                <a:ea typeface="Krona One"/>
+                <a:cs typeface="Krona One"/>
+                <a:sym typeface="Krona One"/>
+              </a:defRPr>
+            </a:lvl2pPr>
+            <a:lvl3pPr marR="0" lvl="2" algn="l" rtl="0">
+              <a:lnSpc>
+                <a:spcPct val="100000"/>
+              </a:lnSpc>
+              <a:spcBef>
+                <a:spcPts val="0"/>
+              </a:spcBef>
+              <a:spcAft>
+                <a:spcPts val="0"/>
+              </a:spcAft>
+              <a:buClr>
+                <a:schemeClr val="accent1"/>
+              </a:buClr>
+              <a:buSzPts val="2500"/>
+              <a:buFont typeface="Krona One"/>
+              <a:buNone/>
+              <a:defRPr sz="2500" b="1" i="0" u="none" strike="noStrike" cap="none">
+                <a:solidFill>
+                  <a:schemeClr val="accent1"/>
+                </a:solidFill>
+                <a:latin typeface="Krona One"/>
+                <a:ea typeface="Krona One"/>
+                <a:cs typeface="Krona One"/>
+                <a:sym typeface="Krona One"/>
+              </a:defRPr>
+            </a:lvl3pPr>
+            <a:lvl4pPr marR="0" lvl="3" algn="l" rtl="0">
+              <a:lnSpc>
+                <a:spcPct val="100000"/>
+              </a:lnSpc>
+              <a:spcBef>
+                <a:spcPts val="0"/>
+              </a:spcBef>
+              <a:spcAft>
+                <a:spcPts val="0"/>
+              </a:spcAft>
+              <a:buClr>
+                <a:schemeClr val="accent1"/>
+              </a:buClr>
+              <a:buSzPts val="2500"/>
+              <a:buFont typeface="Krona One"/>
+              <a:buNone/>
+              <a:defRPr sz="2500" b="1" i="0" u="none" strike="noStrike" cap="none">
+                <a:solidFill>
+                  <a:schemeClr val="accent1"/>
+                </a:solidFill>
+                <a:latin typeface="Krona One"/>
+                <a:ea typeface="Krona One"/>
+                <a:cs typeface="Krona One"/>
+                <a:sym typeface="Krona One"/>
+              </a:defRPr>
+            </a:lvl4pPr>
+            <a:lvl5pPr marR="0" lvl="4" algn="l" rtl="0">
+              <a:lnSpc>
+                <a:spcPct val="100000"/>
+              </a:lnSpc>
+              <a:spcBef>
+                <a:spcPts val="0"/>
+              </a:spcBef>
+              <a:spcAft>
+                <a:spcPts val="0"/>
+              </a:spcAft>
+              <a:buClr>
+                <a:schemeClr val="accent1"/>
+              </a:buClr>
+              <a:buSzPts val="2500"/>
+              <a:buFont typeface="Krona One"/>
+              <a:buNone/>
+              <a:defRPr sz="2500" b="1" i="0" u="none" strike="noStrike" cap="none">
+                <a:solidFill>
+                  <a:schemeClr val="accent1"/>
+                </a:solidFill>
+                <a:latin typeface="Krona One"/>
+                <a:ea typeface="Krona One"/>
+                <a:cs typeface="Krona One"/>
+                <a:sym typeface="Krona One"/>
+              </a:defRPr>
+            </a:lvl5pPr>
+            <a:lvl6pPr marR="0" lvl="5" algn="l" rtl="0">
+              <a:lnSpc>
+                <a:spcPct val="100000"/>
+              </a:lnSpc>
+              <a:spcBef>
+                <a:spcPts val="0"/>
+              </a:spcBef>
+              <a:spcAft>
+                <a:spcPts val="0"/>
+              </a:spcAft>
+              <a:buClr>
+                <a:schemeClr val="accent1"/>
+              </a:buClr>
+              <a:buSzPts val="2500"/>
+              <a:buFont typeface="Krona One"/>
+              <a:buNone/>
+              <a:defRPr sz="2500" b="1" i="0" u="none" strike="noStrike" cap="none">
+                <a:solidFill>
+                  <a:schemeClr val="accent1"/>
+                </a:solidFill>
+                <a:latin typeface="Krona One"/>
+                <a:ea typeface="Krona One"/>
+                <a:cs typeface="Krona One"/>
+                <a:sym typeface="Krona One"/>
+              </a:defRPr>
+            </a:lvl6pPr>
+            <a:lvl7pPr marR="0" lvl="6" algn="l" rtl="0">
+              <a:lnSpc>
+                <a:spcPct val="100000"/>
+              </a:lnSpc>
+              <a:spcBef>
+                <a:spcPts val="0"/>
+              </a:spcBef>
+              <a:spcAft>
+                <a:spcPts val="0"/>
+              </a:spcAft>
+              <a:buClr>
+                <a:schemeClr val="accent1"/>
+              </a:buClr>
+              <a:buSzPts val="2500"/>
+              <a:buFont typeface="Krona One"/>
+              <a:buNone/>
+              <a:defRPr sz="2500" b="1" i="0" u="none" strike="noStrike" cap="none">
+                <a:solidFill>
+                  <a:schemeClr val="accent1"/>
+                </a:solidFill>
+                <a:latin typeface="Krona One"/>
+                <a:ea typeface="Krona One"/>
+                <a:cs typeface="Krona One"/>
+                <a:sym typeface="Krona One"/>
+              </a:defRPr>
+            </a:lvl7pPr>
+            <a:lvl8pPr marR="0" lvl="7" algn="l" rtl="0">
+              <a:lnSpc>
+                <a:spcPct val="100000"/>
+              </a:lnSpc>
+              <a:spcBef>
+                <a:spcPts val="0"/>
+              </a:spcBef>
+              <a:spcAft>
+                <a:spcPts val="0"/>
+              </a:spcAft>
+              <a:buClr>
+                <a:schemeClr val="accent1"/>
+              </a:buClr>
+              <a:buSzPts val="2500"/>
+              <a:buFont typeface="Krona One"/>
+              <a:buNone/>
+              <a:defRPr sz="2500" b="1" i="0" u="none" strike="noStrike" cap="none">
+                <a:solidFill>
+                  <a:schemeClr val="accent1"/>
+                </a:solidFill>
+                <a:latin typeface="Krona One"/>
+                <a:ea typeface="Krona One"/>
+                <a:cs typeface="Krona One"/>
+                <a:sym typeface="Krona One"/>
+              </a:defRPr>
+            </a:lvl8pPr>
+            <a:lvl9pPr marR="0" lvl="8" algn="l" rtl="0">
+              <a:lnSpc>
+                <a:spcPct val="100000"/>
+              </a:lnSpc>
+              <a:spcBef>
+                <a:spcPts val="0"/>
+              </a:spcBef>
+              <a:spcAft>
+                <a:spcPts val="0"/>
+              </a:spcAft>
+              <a:buClr>
+                <a:schemeClr val="accent1"/>
+              </a:buClr>
+              <a:buSzPts val="2500"/>
+              <a:buFont typeface="Krona One"/>
+              <a:buNone/>
+              <a:defRPr sz="2500" b="1" i="0" u="none" strike="noStrike" cap="none">
+                <a:solidFill>
+                  <a:schemeClr val="accent1"/>
+                </a:solidFill>
+                <a:latin typeface="Krona One"/>
+                <a:ea typeface="Krona One"/>
+                <a:cs typeface="Krona One"/>
+                <a:sym typeface="Krona One"/>
+              </a:defRPr>
+            </a:lvl9pPr>
+          </a:lstStyle>
+          <a:p>
+            <a:r>
+              <a:rPr lang="en" sz="1600" dirty="0">
+                <a:latin typeface="PT Sans"/>
+              </a:rPr>
+              <a:t>Davor </a:t>
+            </a:r>
+            <a:r>
+              <a:rPr lang="en" sz="1600" err="1">
+                <a:latin typeface="PT Sans"/>
+              </a:rPr>
+              <a:t>Jordačević</a:t>
+            </a:r>
+            <a:endParaRPr lang="en" sz="1600">
+              <a:latin typeface="PT Sans"/>
+            </a:endParaRPr>
+          </a:p>
+          <a:p>
+            <a:endParaRPr lang="en" sz="1200" dirty="0">
+              <a:latin typeface="PT Sans"/>
+            </a:endParaRPr>
+          </a:p>
+        </p:txBody>
+      </p:sp>
+      <p:sp>
+        <p:nvSpPr>
+          <p:cNvPr id="8" name="Google Shape;1228;p49">
+            <a:extLst>
+              <a:ext uri="{FF2B5EF4-FFF2-40B4-BE49-F238E27FC236}">
+                <a16:creationId xmlns:a16="http://schemas.microsoft.com/office/drawing/2014/main" id="{7D8DB048-1927-5F70-8819-01542113AE6E}"/>
+              </a:ext>
+            </a:extLst>
+          </p:cNvPr>
+          <p:cNvSpPr txBox="1">
+            <a:spLocks/>
+          </p:cNvSpPr>
+          <p:nvPr/>
+        </p:nvSpPr>
+        <p:spPr>
+          <a:xfrm>
+            <a:off x="4514888" y="2243374"/>
+            <a:ext cx="1833488" cy="386532"/>
+          </a:xfrm>
+          <a:prstGeom prst="rect">
+            <a:avLst/>
+          </a:prstGeom>
+          <a:noFill/>
+          <a:ln>
+            <a:noFill/>
+          </a:ln>
+        </p:spPr>
+        <p:txBody>
+          <a:bodyPr spcFirstLastPara="1" wrap="square" lIns="91425" tIns="91425" rIns="91425" bIns="91425" anchor="t" anchorCtr="0">
+            <a:noAutofit/>
+          </a:bodyPr>
+          <a:lstStyle>
+            <a:defPPr marR="0" lvl="0" algn="l" rtl="0">
+              <a:lnSpc>
+                <a:spcPct val="100000"/>
+              </a:lnSpc>
+              <a:spcBef>
+                <a:spcPts val="0"/>
+              </a:spcBef>
+              <a:spcAft>
+                <a:spcPts val="0"/>
+              </a:spcAft>
+            </a:defPPr>
+            <a:lvl1pPr marR="0" lvl="0" algn="ctr" rtl="0">
+              <a:lnSpc>
+                <a:spcPct val="100000"/>
+              </a:lnSpc>
+              <a:spcBef>
+                <a:spcPts val="0"/>
+              </a:spcBef>
+              <a:spcAft>
+                <a:spcPts val="0"/>
+              </a:spcAft>
+              <a:buClr>
+                <a:schemeClr val="accent1"/>
+              </a:buClr>
+              <a:buSzPts val="2500"/>
+              <a:buFont typeface="Krona One"/>
+              <a:buNone/>
+              <a:defRPr sz="5000" b="0" i="0" u="none" strike="noStrike" cap="none">
+                <a:solidFill>
+                  <a:schemeClr val="accent1"/>
+                </a:solidFill>
+                <a:latin typeface="Krona One"/>
+                <a:ea typeface="Krona One"/>
+                <a:cs typeface="Krona One"/>
+                <a:sym typeface="Krona One"/>
+              </a:defRPr>
+            </a:lvl1pPr>
+            <a:lvl2pPr marR="0" lvl="1" algn="l" rtl="0">
+              <a:lnSpc>
+                <a:spcPct val="100000"/>
+              </a:lnSpc>
+              <a:spcBef>
+                <a:spcPts val="0"/>
+              </a:spcBef>
+              <a:spcAft>
+                <a:spcPts val="0"/>
+              </a:spcAft>
+              <a:buClr>
+                <a:schemeClr val="accent1"/>
+              </a:buClr>
+              <a:buSzPts val="2500"/>
+              <a:buFont typeface="Krona One"/>
+              <a:buNone/>
+              <a:defRPr sz="2500" b="1" i="0" u="none" strike="noStrike" cap="none">
+                <a:solidFill>
+                  <a:schemeClr val="accent1"/>
+                </a:solidFill>
+                <a:latin typeface="Krona One"/>
+                <a:ea typeface="Krona One"/>
+                <a:cs typeface="Krona One"/>
+                <a:sym typeface="Krona One"/>
+              </a:defRPr>
+            </a:lvl2pPr>
+            <a:lvl3pPr marR="0" lvl="2" algn="l" rtl="0">
+              <a:lnSpc>
+                <a:spcPct val="100000"/>
+              </a:lnSpc>
+              <a:spcBef>
+                <a:spcPts val="0"/>
+              </a:spcBef>
+              <a:spcAft>
+                <a:spcPts val="0"/>
+              </a:spcAft>
+              <a:buClr>
+                <a:schemeClr val="accent1"/>
+              </a:buClr>
+              <a:buSzPts val="2500"/>
+              <a:buFont typeface="Krona One"/>
+              <a:buNone/>
+              <a:defRPr sz="2500" b="1" i="0" u="none" strike="noStrike" cap="none">
+                <a:solidFill>
+                  <a:schemeClr val="accent1"/>
+                </a:solidFill>
+                <a:latin typeface="Krona One"/>
+                <a:ea typeface="Krona One"/>
+                <a:cs typeface="Krona One"/>
+                <a:sym typeface="Krona One"/>
+              </a:defRPr>
+            </a:lvl3pPr>
+            <a:lvl4pPr marR="0" lvl="3" algn="l" rtl="0">
+              <a:lnSpc>
+                <a:spcPct val="100000"/>
+              </a:lnSpc>
+              <a:spcBef>
+                <a:spcPts val="0"/>
+              </a:spcBef>
+              <a:spcAft>
+                <a:spcPts val="0"/>
+              </a:spcAft>
+              <a:buClr>
+                <a:schemeClr val="accent1"/>
+              </a:buClr>
+              <a:buSzPts val="2500"/>
+              <a:buFont typeface="Krona One"/>
+              <a:buNone/>
+              <a:defRPr sz="2500" b="1" i="0" u="none" strike="noStrike" cap="none">
+                <a:solidFill>
+                  <a:schemeClr val="accent1"/>
+                </a:solidFill>
+                <a:latin typeface="Krona One"/>
+                <a:ea typeface="Krona One"/>
+                <a:cs typeface="Krona One"/>
+                <a:sym typeface="Krona One"/>
+              </a:defRPr>
+            </a:lvl4pPr>
+            <a:lvl5pPr marR="0" lvl="4" algn="l" rtl="0">
+              <a:lnSpc>
+                <a:spcPct val="100000"/>
+              </a:lnSpc>
+              <a:spcBef>
+                <a:spcPts val="0"/>
+              </a:spcBef>
+              <a:spcAft>
+                <a:spcPts val="0"/>
+              </a:spcAft>
+              <a:buClr>
+                <a:schemeClr val="accent1"/>
+              </a:buClr>
+              <a:buSzPts val="2500"/>
+              <a:buFont typeface="Krona One"/>
+              <a:buNone/>
+              <a:defRPr sz="2500" b="1" i="0" u="none" strike="noStrike" cap="none">
+                <a:solidFill>
+                  <a:schemeClr val="accent1"/>
+                </a:solidFill>
+                <a:latin typeface="Krona One"/>
+                <a:ea typeface="Krona One"/>
+                <a:cs typeface="Krona One"/>
+                <a:sym typeface="Krona One"/>
+              </a:defRPr>
+            </a:lvl5pPr>
+            <a:lvl6pPr marR="0" lvl="5" algn="l" rtl="0">
+              <a:lnSpc>
+                <a:spcPct val="100000"/>
+              </a:lnSpc>
+              <a:spcBef>
+                <a:spcPts val="0"/>
+              </a:spcBef>
+              <a:spcAft>
+                <a:spcPts val="0"/>
+              </a:spcAft>
+              <a:buClr>
+                <a:schemeClr val="accent1"/>
+              </a:buClr>
+              <a:buSzPts val="2500"/>
+              <a:buFont typeface="Krona One"/>
+              <a:buNone/>
+              <a:defRPr sz="2500" b="1" i="0" u="none" strike="noStrike" cap="none">
+                <a:solidFill>
+                  <a:schemeClr val="accent1"/>
+                </a:solidFill>
+                <a:latin typeface="Krona One"/>
+                <a:ea typeface="Krona One"/>
+                <a:cs typeface="Krona One"/>
+                <a:sym typeface="Krona One"/>
+              </a:defRPr>
+            </a:lvl6pPr>
+            <a:lvl7pPr marR="0" lvl="6" algn="l" rtl="0">
+              <a:lnSpc>
+                <a:spcPct val="100000"/>
+              </a:lnSpc>
+              <a:spcBef>
+                <a:spcPts val="0"/>
+              </a:spcBef>
+              <a:spcAft>
+                <a:spcPts val="0"/>
+              </a:spcAft>
+              <a:buClr>
+                <a:schemeClr val="accent1"/>
+              </a:buClr>
+              <a:buSzPts val="2500"/>
+              <a:buFont typeface="Krona One"/>
+              <a:buNone/>
+              <a:defRPr sz="2500" b="1" i="0" u="none" strike="noStrike" cap="none">
+                <a:solidFill>
+                  <a:schemeClr val="accent1"/>
+                </a:solidFill>
+                <a:latin typeface="Krona One"/>
+                <a:ea typeface="Krona One"/>
+                <a:cs typeface="Krona One"/>
+                <a:sym typeface="Krona One"/>
+              </a:defRPr>
+            </a:lvl7pPr>
+            <a:lvl8pPr marR="0" lvl="7" algn="l" rtl="0">
+              <a:lnSpc>
+                <a:spcPct val="100000"/>
+              </a:lnSpc>
+              <a:spcBef>
+                <a:spcPts val="0"/>
+              </a:spcBef>
+              <a:spcAft>
+                <a:spcPts val="0"/>
+              </a:spcAft>
+              <a:buClr>
+                <a:schemeClr val="accent1"/>
+              </a:buClr>
+              <a:buSzPts val="2500"/>
+              <a:buFont typeface="Krona One"/>
+              <a:buNone/>
+              <a:defRPr sz="2500" b="1" i="0" u="none" strike="noStrike" cap="none">
+                <a:solidFill>
+                  <a:schemeClr val="accent1"/>
+                </a:solidFill>
+                <a:latin typeface="Krona One"/>
+                <a:ea typeface="Krona One"/>
+                <a:cs typeface="Krona One"/>
+                <a:sym typeface="Krona One"/>
+              </a:defRPr>
+            </a:lvl8pPr>
+            <a:lvl9pPr marR="0" lvl="8" algn="l" rtl="0">
+              <a:lnSpc>
+                <a:spcPct val="100000"/>
+              </a:lnSpc>
+              <a:spcBef>
+                <a:spcPts val="0"/>
+              </a:spcBef>
+              <a:spcAft>
+                <a:spcPts val="0"/>
+              </a:spcAft>
+              <a:buClr>
+                <a:schemeClr val="accent1"/>
+              </a:buClr>
+              <a:buSzPts val="2500"/>
+              <a:buFont typeface="Krona One"/>
+              <a:buNone/>
+              <a:defRPr sz="2500" b="1" i="0" u="none" strike="noStrike" cap="none">
+                <a:solidFill>
+                  <a:schemeClr val="accent1"/>
+                </a:solidFill>
+                <a:latin typeface="Krona One"/>
+                <a:ea typeface="Krona One"/>
+                <a:cs typeface="Krona One"/>
+                <a:sym typeface="Krona One"/>
+              </a:defRPr>
+            </a:lvl9pPr>
+          </a:lstStyle>
+          <a:p>
+            <a:r>
+              <a:rPr lang="en" sz="1600" dirty="0">
+                <a:latin typeface="PT Sans"/>
+              </a:rPr>
+              <a:t>Jana Jovičić</a:t>
+            </a:r>
+          </a:p>
+        </p:txBody>
+      </p:sp>
     </p:spTree>
   </p:cSld>
   <p:clrMapOvr>
@@ -48608,8 +49199,8 @@
         </p:nvSpPr>
         <p:spPr>
           <a:xfrm>
-            <a:off x="934102" y="1283926"/>
-            <a:ext cx="4181584" cy="2957619"/>
+            <a:off x="862665" y="1283926"/>
+            <a:ext cx="4310171" cy="2957619"/>
           </a:xfrm>
           <a:prstGeom prst="rect">
             <a:avLst/>
@@ -48725,19 +49316,31 @@
               <a:rPr lang="sr-Latn-RS" dirty="0">
                 <a:cs typeface="Arial"/>
               </a:rPr>
-              <a:t>Kako bi se efikasno izvršila pretraga nad velikom količin-om podataka, tokom godina su razvijane različite metode </a:t>
+              <a:t>Kako bi se efikasno izvršila pretraga nad velikom </a:t>
             </a:r>
             <a:r>
               <a:rPr lang="sr-Latn-RS" dirty="0" err="1">
                 <a:cs typeface="Arial"/>
               </a:rPr>
-              <a:t>ikorišćene</a:t>
+              <a:t>količi-nom</a:t>
             </a:r>
             <a:r>
               <a:rPr lang="sr-Latn-RS" dirty="0">
                 <a:cs typeface="Arial"/>
               </a:rPr>
-              <a:t> različite strukture podataka. Ovde će biti  predstavljeni HNSW </a:t>
+              <a:t> podataka, tokom godina su razvijane različite metode </a:t>
+            </a:r>
+            <a:r>
+              <a:rPr lang="sr-Latn-RS" dirty="0" err="1">
+                <a:cs typeface="Arial"/>
+              </a:rPr>
+              <a:t>ikorišćene</a:t>
+            </a:r>
+            <a:r>
+              <a:rPr lang="sr-Latn-RS" dirty="0">
+                <a:cs typeface="Arial"/>
+              </a:rPr>
+              <a:t> različite strukture podataka. Ovde će biti pred-stavljeni HNSW </a:t>
             </a:r>
             <a:r>
               <a:rPr lang="sr-Latn-RS" dirty="0" err="1">
@@ -48757,7 +49360,7 @@
               <a:buFont typeface="Arial,Sans-Serif"/>
               <a:buChar char="•"/>
             </a:pPr>
-            <a:endParaRPr lang="sr-Latn-RS" dirty="0">
+            <a:endParaRPr lang="sr-Latn-RS">
               <a:cs typeface="Arial"/>
             </a:endParaRPr>
           </a:p>
@@ -55034,253 +55637,253 @@
               <a:buChar char="•"/>
             </a:pPr>
             <a:r>
-              <a:rPr lang="en-US" err="1">
+              <a:rPr lang="en-US" dirty="0" err="1">
                 <a:cs typeface="Arial"/>
               </a:rPr>
               <a:t>Naivni</a:t>
             </a:r>
             <a:r>
-              <a:rPr lang="en-US">
+              <a:rPr lang="en-US" dirty="0">
                 <a:cs typeface="Arial"/>
               </a:rPr>
               <a:t> </a:t>
             </a:r>
             <a:r>
-              <a:rPr lang="en-US" err="1">
+              <a:rPr lang="en-US" dirty="0" err="1">
                 <a:cs typeface="Arial"/>
               </a:rPr>
               <a:t>pristup</a:t>
             </a:r>
             <a:r>
-              <a:rPr lang="en-US">
+              <a:rPr lang="en-US" dirty="0">
                 <a:cs typeface="Arial"/>
               </a:rPr>
               <a:t> KNN </a:t>
             </a:r>
             <a:r>
-              <a:rPr lang="en-US" err="1">
+              <a:rPr lang="en-US" dirty="0" err="1">
                 <a:cs typeface="Arial"/>
               </a:rPr>
               <a:t>pretrage</a:t>
             </a:r>
             <a:r>
-              <a:rPr lang="en-US">
+              <a:rPr lang="en-US" dirty="0">
                 <a:cs typeface="Arial"/>
               </a:rPr>
               <a:t> se </a:t>
             </a:r>
             <a:r>
-              <a:rPr lang="en-US" err="1">
+              <a:rPr lang="en-US" dirty="0" err="1">
                 <a:cs typeface="Arial"/>
               </a:rPr>
               <a:t>zasniva</a:t>
             </a:r>
             <a:r>
-              <a:rPr lang="en-US">
+              <a:rPr lang="en-US" dirty="0">
                 <a:cs typeface="Arial"/>
               </a:rPr>
               <a:t> </a:t>
             </a:r>
             <a:r>
-              <a:rPr lang="en-US" err="1">
+              <a:rPr lang="en-US" dirty="0" err="1">
                 <a:cs typeface="Arial"/>
               </a:rPr>
               <a:t>na</a:t>
             </a:r>
             <a:r>
-              <a:rPr lang="en-US">
+              <a:rPr lang="en-US" dirty="0">
                 <a:cs typeface="Arial"/>
               </a:rPr>
               <a:t> tome da se za </a:t>
             </a:r>
             <a:r>
-              <a:rPr lang="en-US" err="1">
+              <a:rPr lang="en-US" dirty="0" err="1">
                 <a:cs typeface="Arial"/>
               </a:rPr>
               <a:t>svaki</a:t>
             </a:r>
             <a:r>
-              <a:rPr lang="en-US">
+              <a:rPr lang="en-US" dirty="0">
                 <a:cs typeface="Arial"/>
               </a:rPr>
               <a:t> element </a:t>
             </a:r>
             <a:r>
-              <a:rPr lang="en-US" err="1">
+              <a:rPr lang="en-US" dirty="0" err="1">
                 <a:cs typeface="Arial"/>
               </a:rPr>
               <a:t>iz</a:t>
             </a:r>
             <a:r>
-              <a:rPr lang="en-US">
+              <a:rPr lang="en-US" dirty="0">
                 <a:cs typeface="Arial"/>
               </a:rPr>
               <a:t> </a:t>
             </a:r>
             <a:r>
-              <a:rPr lang="en-US" err="1">
+              <a:rPr lang="en-US" dirty="0" err="1">
                 <a:cs typeface="Arial"/>
               </a:rPr>
               <a:t>skupa</a:t>
             </a:r>
             <a:r>
-              <a:rPr lang="en-US">
+              <a:rPr lang="en-US" dirty="0">
                 <a:cs typeface="Arial"/>
               </a:rPr>
               <a:t> </a:t>
             </a:r>
             <a:r>
-              <a:rPr lang="en-US" err="1">
+              <a:rPr lang="en-US" dirty="0" err="1">
                 <a:cs typeface="Arial"/>
               </a:rPr>
               <a:t>podataka</a:t>
             </a:r>
             <a:r>
-              <a:rPr lang="en-US">
+              <a:rPr lang="en-US" dirty="0">
                 <a:cs typeface="Arial"/>
               </a:rPr>
               <a:t> </a:t>
             </a:r>
             <a:r>
-              <a:rPr lang="en-US" err="1">
+              <a:rPr lang="en-US" dirty="0" err="1">
                 <a:cs typeface="Arial"/>
               </a:rPr>
               <a:t>izračuna</a:t>
             </a:r>
             <a:r>
-              <a:rPr lang="en-US">
+              <a:rPr lang="en-US" dirty="0">
                 <a:cs typeface="Arial"/>
               </a:rPr>
               <a:t> </a:t>
             </a:r>
             <a:r>
-              <a:rPr lang="en-US" err="1">
+              <a:rPr lang="en-US" dirty="0" err="1">
                 <a:cs typeface="Arial"/>
               </a:rPr>
               <a:t>rastojanje</a:t>
             </a:r>
             <a:r>
-              <a:rPr lang="en-US">
+              <a:rPr lang="en-US" dirty="0">
                 <a:cs typeface="Arial"/>
               </a:rPr>
               <a:t> od </a:t>
             </a:r>
             <a:r>
-              <a:rPr lang="en-US" err="1">
+              <a:rPr lang="en-US" dirty="0" err="1">
                 <a:cs typeface="Arial"/>
               </a:rPr>
               <a:t>svih</a:t>
             </a:r>
             <a:r>
-              <a:rPr lang="en-US">
+              <a:rPr lang="en-US" dirty="0">
                 <a:cs typeface="Arial"/>
               </a:rPr>
               <a:t> </a:t>
             </a:r>
             <a:r>
-              <a:rPr lang="en-US" err="1">
+              <a:rPr lang="en-US" dirty="0" err="1">
                 <a:cs typeface="Arial"/>
               </a:rPr>
               <a:t>ostalih</a:t>
             </a:r>
             <a:r>
-              <a:rPr lang="en-US">
+              <a:rPr lang="en-US" dirty="0">
                 <a:cs typeface="Arial"/>
               </a:rPr>
               <a:t>  </a:t>
             </a:r>
             <a:r>
-              <a:rPr lang="en-US" err="1">
+              <a:rPr lang="en-US" dirty="0" err="1">
                 <a:cs typeface="Arial"/>
               </a:rPr>
               <a:t>elemenata</a:t>
             </a:r>
             <a:r>
-              <a:rPr lang="en-US">
+              <a:rPr lang="en-US" dirty="0">
                 <a:cs typeface="Arial"/>
               </a:rPr>
               <a:t>, da se </a:t>
             </a:r>
             <a:r>
-              <a:rPr lang="en-US" err="1">
+              <a:rPr lang="en-US" dirty="0" err="1">
                 <a:cs typeface="Arial"/>
               </a:rPr>
               <a:t>zatim</a:t>
             </a:r>
             <a:r>
-              <a:rPr lang="en-US">
+              <a:rPr lang="en-US" dirty="0">
                 <a:cs typeface="Arial"/>
               </a:rPr>
               <a:t> </a:t>
             </a:r>
             <a:r>
-              <a:rPr lang="en-US" err="1">
+              <a:rPr lang="en-US" dirty="0" err="1">
                 <a:cs typeface="Arial"/>
               </a:rPr>
               <a:t>izabere</a:t>
             </a:r>
             <a:r>
-              <a:rPr lang="en-US">
+              <a:rPr lang="en-US" dirty="0">
                 <a:cs typeface="Arial"/>
               </a:rPr>
               <a:t> K </a:t>
             </a:r>
             <a:r>
-              <a:rPr lang="en-US" err="1">
+              <a:rPr lang="en-US" dirty="0" err="1">
                 <a:cs typeface="Arial"/>
               </a:rPr>
               <a:t>elemenata</a:t>
             </a:r>
             <a:r>
-              <a:rPr lang="en-US">
+              <a:rPr lang="en-US" dirty="0">
                 <a:cs typeface="Arial"/>
               </a:rPr>
               <a:t> koji </a:t>
             </a:r>
             <a:r>
-              <a:rPr lang="en-US" err="1">
+              <a:rPr lang="en-US" dirty="0" err="1">
                 <a:cs typeface="Arial"/>
               </a:rPr>
               <a:t>su</a:t>
             </a:r>
             <a:r>
-              <a:rPr lang="en-US">
+              <a:rPr lang="en-US" dirty="0">
                 <a:cs typeface="Arial"/>
               </a:rPr>
               <a:t> </a:t>
             </a:r>
             <a:r>
-              <a:rPr lang="en-US" err="1">
+              <a:rPr lang="en-US" dirty="0" err="1">
                 <a:cs typeface="Arial"/>
               </a:rPr>
               <a:t>najbliži</a:t>
             </a:r>
             <a:r>
-              <a:rPr lang="en-US">
+              <a:rPr lang="en-US" dirty="0">
                 <a:cs typeface="Arial"/>
               </a:rPr>
               <a:t>  </a:t>
             </a:r>
             <a:r>
-              <a:rPr lang="en-US" err="1">
+              <a:rPr lang="en-US" dirty="0" err="1">
                 <a:cs typeface="Arial"/>
               </a:rPr>
               <a:t>datom</a:t>
             </a:r>
             <a:r>
-              <a:rPr lang="en-US">
+              <a:rPr lang="en-US" dirty="0">
                 <a:cs typeface="Arial"/>
               </a:rPr>
               <a:t> </a:t>
             </a:r>
             <a:r>
-              <a:rPr lang="en-US" err="1">
+              <a:rPr lang="en-US" dirty="0" err="1">
                 <a:cs typeface="Arial"/>
               </a:rPr>
               <a:t>elementu</a:t>
             </a:r>
             <a:r>
-              <a:rPr lang="en-US">
+              <a:rPr lang="en-US" dirty="0">
                 <a:cs typeface="Arial"/>
               </a:rPr>
               <a:t>. </a:t>
@@ -55305,193 +55908,193 @@
               <a:buChar char="•"/>
             </a:pPr>
             <a:r>
-              <a:rPr lang="en-US" err="1">
+              <a:rPr lang="en-US" dirty="0" err="1">
                 <a:cs typeface="Arial"/>
               </a:rPr>
               <a:t>Nažalost</a:t>
             </a:r>
             <a:r>
-              <a:rPr lang="en-US">
+              <a:rPr lang="en-US" dirty="0">
                 <a:cs typeface="Arial"/>
               </a:rPr>
               <a:t>, </a:t>
             </a:r>
             <a:r>
-              <a:rPr lang="en-US" err="1">
+              <a:rPr lang="en-US" dirty="0" err="1">
                 <a:cs typeface="Arial"/>
               </a:rPr>
               <a:t>složenost</a:t>
             </a:r>
             <a:r>
-              <a:rPr lang="en-US">
+              <a:rPr lang="en-US" dirty="0">
                 <a:cs typeface="Arial"/>
               </a:rPr>
               <a:t> </a:t>
             </a:r>
             <a:r>
-              <a:rPr lang="en-US" err="1">
+              <a:rPr lang="en-US" dirty="0" err="1">
                 <a:cs typeface="Arial"/>
               </a:rPr>
               <a:t>ovog</a:t>
             </a:r>
             <a:r>
-              <a:rPr lang="en-US">
+              <a:rPr lang="en-US" dirty="0">
                 <a:cs typeface="Arial"/>
               </a:rPr>
               <a:t> </a:t>
             </a:r>
             <a:r>
-              <a:rPr lang="en-US" err="1">
+              <a:rPr lang="en-US" dirty="0" err="1">
                 <a:cs typeface="Arial"/>
               </a:rPr>
               <a:t>pristupa</a:t>
             </a:r>
             <a:r>
-              <a:rPr lang="en-US">
+              <a:rPr lang="en-US" dirty="0">
                 <a:cs typeface="Arial"/>
               </a:rPr>
               <a:t> </a:t>
             </a:r>
             <a:r>
-              <a:rPr lang="en-US" err="1">
+              <a:rPr lang="en-US" dirty="0" err="1">
                 <a:cs typeface="Arial"/>
               </a:rPr>
               <a:t>raste</a:t>
             </a:r>
             <a:r>
-              <a:rPr lang="en-US">
+              <a:rPr lang="en-US" dirty="0">
                 <a:cs typeface="Arial"/>
               </a:rPr>
               <a:t> </a:t>
             </a:r>
             <a:r>
-              <a:rPr lang="en-US" err="1">
+              <a:rPr lang="en-US" dirty="0" err="1">
                 <a:cs typeface="Arial"/>
               </a:rPr>
               <a:t>linearno</a:t>
             </a:r>
             <a:r>
-              <a:rPr lang="en-US">
+              <a:rPr lang="en-US" dirty="0">
                 <a:cs typeface="Arial"/>
               </a:rPr>
               <a:t> </a:t>
             </a:r>
             <a:r>
-              <a:rPr lang="en-US" err="1">
+              <a:rPr lang="en-US" dirty="0" err="1">
                 <a:cs typeface="Arial"/>
               </a:rPr>
               <a:t>sa</a:t>
             </a:r>
             <a:r>
-              <a:rPr lang="en-US">
+              <a:rPr lang="en-US" dirty="0">
                 <a:cs typeface="Arial"/>
               </a:rPr>
               <a:t> </a:t>
             </a:r>
             <a:r>
-              <a:rPr lang="en-US" err="1">
+              <a:rPr lang="en-US" dirty="0" err="1">
                 <a:cs typeface="Arial"/>
               </a:rPr>
               <a:t>porastom</a:t>
             </a:r>
             <a:r>
-              <a:rPr lang="en-US">
+              <a:rPr lang="en-US" dirty="0">
                 <a:cs typeface="Arial"/>
               </a:rPr>
               <a:t>  </a:t>
             </a:r>
             <a:r>
-              <a:rPr lang="en-US" err="1">
+              <a:rPr lang="en-US" dirty="0" err="1">
                 <a:cs typeface="Arial"/>
               </a:rPr>
               <a:t>broja</a:t>
             </a:r>
             <a:r>
-              <a:rPr lang="en-US">
+              <a:rPr lang="en-US" dirty="0">
                 <a:cs typeface="Arial"/>
               </a:rPr>
               <a:t> </a:t>
             </a:r>
             <a:r>
-              <a:rPr lang="en-US" err="1">
+              <a:rPr lang="en-US" dirty="0" err="1">
                 <a:cs typeface="Arial"/>
               </a:rPr>
               <a:t>elemenata</a:t>
             </a:r>
             <a:r>
-              <a:rPr lang="en-US">
+              <a:rPr lang="en-US" dirty="0">
                 <a:cs typeface="Arial"/>
               </a:rPr>
               <a:t> u </a:t>
             </a:r>
             <a:r>
-              <a:rPr lang="en-US" err="1">
+              <a:rPr lang="en-US" dirty="0" err="1">
                 <a:cs typeface="Arial"/>
               </a:rPr>
               <a:t>skupu</a:t>
             </a:r>
             <a:r>
-              <a:rPr lang="en-US">
+              <a:rPr lang="en-US" dirty="0">
                 <a:cs typeface="Arial"/>
               </a:rPr>
               <a:t> </a:t>
             </a:r>
             <a:r>
-              <a:rPr lang="en-US" err="1">
+              <a:rPr lang="en-US" dirty="0" err="1">
                 <a:cs typeface="Arial"/>
               </a:rPr>
               <a:t>podataka</a:t>
             </a:r>
             <a:r>
-              <a:rPr lang="en-US">
+              <a:rPr lang="en-US" dirty="0">
                 <a:cs typeface="Arial"/>
               </a:rPr>
               <a:t>, </a:t>
             </a:r>
             <a:r>
-              <a:rPr lang="en-US" err="1">
+              <a:rPr lang="en-US" dirty="0" err="1">
                 <a:cs typeface="Arial"/>
               </a:rPr>
               <a:t>čineći</a:t>
             </a:r>
             <a:r>
-              <a:rPr lang="en-US">
+              <a:rPr lang="en-US" dirty="0">
                 <a:cs typeface="Arial"/>
               </a:rPr>
               <a:t> ga </a:t>
             </a:r>
             <a:r>
-              <a:rPr lang="en-US" err="1">
+              <a:rPr lang="en-US" dirty="0" err="1">
                 <a:cs typeface="Arial"/>
               </a:rPr>
               <a:t>neupotrebljivim</a:t>
             </a:r>
             <a:r>
-              <a:rPr lang="en-US">
+              <a:rPr lang="en-US" dirty="0">
                 <a:cs typeface="Arial"/>
               </a:rPr>
               <a:t>  za </a:t>
             </a:r>
             <a:r>
-              <a:rPr lang="en-US" err="1">
+              <a:rPr lang="en-US" dirty="0" err="1">
                 <a:cs typeface="Arial"/>
               </a:rPr>
               <a:t>realne</a:t>
             </a:r>
             <a:r>
-              <a:rPr lang="en-US">
+              <a:rPr lang="en-US" dirty="0">
                 <a:cs typeface="Arial"/>
               </a:rPr>
               <a:t> </a:t>
             </a:r>
             <a:r>
-              <a:rPr lang="en-US" err="1">
+              <a:rPr lang="en-US" dirty="0" err="1">
                 <a:cs typeface="Arial"/>
               </a:rPr>
               <a:t>primene</a:t>
             </a:r>
             <a:r>
-              <a:rPr lang="en-US">
+              <a:rPr lang="en-US" dirty="0">
                 <a:cs typeface="Arial"/>
               </a:rPr>
               <a:t>. </a:t>
@@ -55518,157 +56121,157 @@
               <a:buChar char="•"/>
             </a:pPr>
             <a:r>
-              <a:rPr lang="en-US" err="1">
+              <a:rPr lang="en-US" dirty="0" err="1">
                 <a:cs typeface="Arial"/>
               </a:rPr>
               <a:t>Zbog</a:t>
             </a:r>
             <a:r>
-              <a:rPr lang="en-US">
+              <a:rPr lang="en-US" dirty="0">
                 <a:cs typeface="Arial"/>
               </a:rPr>
               <a:t> toga se </a:t>
             </a:r>
             <a:r>
-              <a:rPr lang="en-US" err="1">
+              <a:rPr lang="en-US" dirty="0" err="1">
                 <a:cs typeface="Arial"/>
               </a:rPr>
               <a:t>koriste</a:t>
             </a:r>
             <a:r>
-              <a:rPr lang="en-US">
+              <a:rPr lang="en-US" dirty="0">
                 <a:cs typeface="Arial"/>
               </a:rPr>
               <a:t> </a:t>
             </a:r>
             <a:r>
-              <a:rPr lang="en-US" err="1">
+              <a:rPr lang="en-US" dirty="0" err="1">
                 <a:cs typeface="Arial"/>
               </a:rPr>
               <a:t>različite</a:t>
             </a:r>
             <a:r>
-              <a:rPr lang="en-US">
+              <a:rPr lang="en-US" dirty="0">
                 <a:cs typeface="Arial"/>
               </a:rPr>
               <a:t> </a:t>
             </a:r>
             <a:r>
-              <a:rPr lang="en-US" err="1">
+              <a:rPr lang="en-US" dirty="0" err="1">
                 <a:cs typeface="Arial"/>
               </a:rPr>
               <a:t>strukture</a:t>
             </a:r>
             <a:r>
-              <a:rPr lang="en-US">
+              <a:rPr lang="en-US" dirty="0">
                 <a:cs typeface="Arial"/>
               </a:rPr>
               <a:t> </a:t>
             </a:r>
             <a:r>
-              <a:rPr lang="en-US" err="1">
+              <a:rPr lang="en-US" dirty="0" err="1">
                 <a:cs typeface="Arial"/>
               </a:rPr>
               <a:t>podataka</a:t>
             </a:r>
             <a:r>
-              <a:rPr lang="en-US">
+              <a:rPr lang="en-US" dirty="0">
                 <a:cs typeface="Arial"/>
               </a:rPr>
               <a:t> </a:t>
             </a:r>
             <a:r>
-              <a:rPr lang="en-US" err="1">
+              <a:rPr lang="en-US" dirty="0" err="1">
                 <a:cs typeface="Arial"/>
               </a:rPr>
               <a:t>koje</a:t>
             </a:r>
             <a:r>
-              <a:rPr lang="en-US">
+              <a:rPr lang="en-US" dirty="0">
                 <a:cs typeface="Arial"/>
               </a:rPr>
-              <a:t>    </a:t>
-            </a:r>
-            <a:r>
-              <a:rPr lang="en-US" err="1">
+              <a:t> </a:t>
+            </a:r>
+            <a:r>
+              <a:rPr lang="en-US" dirty="0" err="1">
                 <a:cs typeface="Arial"/>
               </a:rPr>
-              <a:t>omogućavaju</a:t>
-            </a:r>
-            <a:r>
-              <a:rPr lang="en-US">
+              <a:t>omogu-ćavaju</a:t>
+            </a:r>
+            <a:r>
+              <a:rPr lang="en-US" dirty="0">
                 <a:cs typeface="Arial"/>
               </a:rPr>
               <a:t> </a:t>
             </a:r>
             <a:r>
-              <a:rPr lang="en-US" err="1">
+              <a:rPr lang="en-US" dirty="0" err="1">
                 <a:cs typeface="Arial"/>
               </a:rPr>
               <a:t>bržu</a:t>
             </a:r>
             <a:r>
-              <a:rPr lang="en-US">
+              <a:rPr lang="en-US" dirty="0">
                 <a:cs typeface="Arial"/>
               </a:rPr>
               <a:t> </a:t>
             </a:r>
             <a:r>
-              <a:rPr lang="en-US" err="1">
+              <a:rPr lang="en-US" dirty="0" err="1">
                 <a:cs typeface="Arial"/>
               </a:rPr>
               <a:t>pretragu</a:t>
             </a:r>
             <a:r>
-              <a:rPr lang="en-US">
+              <a:rPr lang="en-US" dirty="0">
                 <a:cs typeface="Arial"/>
               </a:rPr>
               <a:t>, </a:t>
             </a:r>
             <a:r>
-              <a:rPr lang="en-US" err="1">
+              <a:rPr lang="en-US" dirty="0" err="1">
                 <a:cs typeface="Arial"/>
               </a:rPr>
               <a:t>kao</a:t>
             </a:r>
             <a:r>
-              <a:rPr lang="en-US">
+              <a:rPr lang="en-US" dirty="0">
                 <a:cs typeface="Arial"/>
               </a:rPr>
               <a:t> </a:t>
             </a:r>
             <a:r>
-              <a:rPr lang="en-US" err="1">
+              <a:rPr lang="en-US" dirty="0" err="1">
                 <a:cs typeface="Arial"/>
               </a:rPr>
               <a:t>i</a:t>
             </a:r>
             <a:r>
-              <a:rPr lang="en-US">
+              <a:rPr lang="en-US" dirty="0">
                 <a:cs typeface="Arial"/>
               </a:rPr>
               <a:t> </a:t>
             </a:r>
             <a:r>
-              <a:rPr lang="en-US" err="1">
+              <a:rPr lang="en-US" dirty="0" err="1">
                 <a:cs typeface="Arial"/>
               </a:rPr>
               <a:t>aproksimacije</a:t>
             </a:r>
             <a:r>
-              <a:rPr lang="en-US">
+              <a:rPr lang="en-US" dirty="0">
                 <a:cs typeface="Arial"/>
               </a:rPr>
               <a:t> </a:t>
             </a:r>
             <a:r>
-              <a:rPr lang="en-US" err="1">
+              <a:rPr lang="en-US" dirty="0" err="1">
                 <a:cs typeface="Arial"/>
               </a:rPr>
               <a:t>pretrage</a:t>
             </a:r>
             <a:r>
-              <a:rPr lang="en-US">
+              <a:rPr lang="en-US" dirty="0">
                 <a:cs typeface="Arial"/>
               </a:rPr>
               <a:t>.</a:t>
